--- a/meeting/20180518.pptx
+++ b/meeting/20180518.pptx
@@ -7,6 +7,12 @@
   <p:sldIdLst>
     <p:sldId id="256" r:id="rId2"/>
     <p:sldId id="257" r:id="rId3"/>
+    <p:sldId id="258" r:id="rId4"/>
+    <p:sldId id="259" r:id="rId5"/>
+    <p:sldId id="260" r:id="rId6"/>
+    <p:sldId id="261" r:id="rId7"/>
+    <p:sldId id="262" r:id="rId8"/>
+    <p:sldId id="263" r:id="rId9"/>
   </p:sldIdLst>
   <p:sldSz cx="9144000" cy="6858000" type="screen4x3"/>
   <p:notesSz cx="6858000" cy="9144000"/>
@@ -3432,6 +3438,56 @@
           <a:bodyPr/>
           <a:lstStyle/>
           <a:p>
+            <a:r>
+              <a:rPr lang="en-US" altLang="ja-JP" dirty="0"/>
+              <a:t>p</a:t>
+            </a:r>
+            <a:r>
+              <a:rPr kumimoji="1" lang="en-US" altLang="ja-JP" dirty="0"/>
+              <a:t>arent</a:t>
+            </a:r>
+            <a:r>
+              <a:rPr kumimoji="1" lang="ja-JP" altLang="en-US"/>
+              <a:t>軸のバグ修正</a:t>
+            </a:r>
+            <a:endParaRPr kumimoji="1" lang="en-US" altLang="ja-JP" dirty="0"/>
+          </a:p>
+          <a:p>
+            <a:endParaRPr lang="en-US" altLang="ja-JP" dirty="0"/>
+          </a:p>
+          <a:p>
+            <a:r>
+              <a:rPr kumimoji="1" lang="en-US" altLang="ja-JP" dirty="0"/>
+              <a:t>DDO</a:t>
+            </a:r>
+            <a:r>
+              <a:rPr kumimoji="1" lang="ja-JP" altLang="en-US"/>
+              <a:t>処理ができているかチェック</a:t>
+            </a:r>
+            <a:endParaRPr kumimoji="1" lang="en-US" altLang="ja-JP" dirty="0"/>
+          </a:p>
+          <a:p>
+            <a:pPr lvl="1"/>
+            <a:r>
+              <a:rPr kumimoji="1" lang="en-US" altLang="ja-JP" dirty="0"/>
+              <a:t>parent</a:t>
+            </a:r>
+            <a:r>
+              <a:rPr kumimoji="1" lang="ja-JP" altLang="en-US"/>
+              <a:t>軸を用いて</a:t>
+            </a:r>
+            <a:endParaRPr kumimoji="1" lang="en-US" altLang="ja-JP" dirty="0"/>
+          </a:p>
+          <a:p>
+            <a:pPr lvl="1"/>
+            <a:r>
+              <a:rPr lang="en-US" altLang="ja-JP" dirty="0"/>
+              <a:t>self</a:t>
+            </a:r>
+            <a:r>
+              <a:rPr lang="ja-JP" altLang="en-US"/>
+              <a:t>軸を用いて</a:t>
+            </a:r>
             <a:endParaRPr kumimoji="1" lang="ja-JP" altLang="en-US"/>
           </a:p>
         </p:txBody>
@@ -3440,6 +3496,4465 @@
     <p:extLst>
       <p:ext uri="{BB962C8B-B14F-4D97-AF65-F5344CB8AC3E}">
         <p14:creationId xmlns:p14="http://schemas.microsoft.com/office/powerpoint/2010/main" val="516674357"/>
+      </p:ext>
+    </p:extLst>
+  </p:cSld>
+  <p:clrMapOvr>
+    <a:masterClrMapping/>
+  </p:clrMapOvr>
+</p:sld>
+</file>
+
+<file path=ppt/slides/slide3.xml><?xml version="1.0" encoding="utf-8"?>
+<p:sld xmlns:a="http://schemas.openxmlformats.org/drawingml/2006/main" xmlns:r="http://schemas.openxmlformats.org/officeDocument/2006/relationships" xmlns:p="http://schemas.openxmlformats.org/presentationml/2006/main">
+  <p:cSld>
+    <p:spTree>
+      <p:nvGrpSpPr>
+        <p:cNvPr id="1" name=""/>
+        <p:cNvGrpSpPr/>
+        <p:nvPr/>
+      </p:nvGrpSpPr>
+      <p:grpSpPr>
+        <a:xfrm>
+          <a:off x="0" y="0"/>
+          <a:ext cx="0" cy="0"/>
+          <a:chOff x="0" y="0"/>
+          <a:chExt cx="0" cy="0"/>
+        </a:xfrm>
+      </p:grpSpPr>
+      <p:sp>
+        <p:nvSpPr>
+          <p:cNvPr id="2" name="タイトル 1">
+            <a:extLst>
+              <a:ext uri="{FF2B5EF4-FFF2-40B4-BE49-F238E27FC236}">
+                <a16:creationId xmlns:a16="http://schemas.microsoft.com/office/drawing/2014/main" id="{D35A0C2D-3556-3B46-A878-2F18F6719D12}"/>
+              </a:ext>
+            </a:extLst>
+          </p:cNvPr>
+          <p:cNvSpPr>
+            <a:spLocks noGrp="1"/>
+          </p:cNvSpPr>
+          <p:nvPr>
+            <p:ph type="title"/>
+          </p:nvPr>
+        </p:nvSpPr>
+        <p:spPr/>
+        <p:txBody>
+          <a:bodyPr/>
+          <a:lstStyle/>
+          <a:p>
+            <a:r>
+              <a:rPr kumimoji="1" lang="en-US" altLang="ja-JP" dirty="0"/>
+              <a:t>DDO</a:t>
+            </a:r>
+            <a:r>
+              <a:rPr kumimoji="1" lang="ja-JP" altLang="en-US"/>
+              <a:t>処理</a:t>
+            </a:r>
+          </a:p>
+        </p:txBody>
+      </p:sp>
+      <mc:AlternateContent xmlns:mc="http://schemas.openxmlformats.org/markup-compatibility/2006">
+        <mc:Choice xmlns:a14="http://schemas.microsoft.com/office/drawing/2010/main" Requires="a14">
+          <p:sp>
+            <p:nvSpPr>
+              <p:cNvPr id="3" name="コンテンツ プレースホルダー 2">
+                <a:extLst>
+                  <a:ext uri="{FF2B5EF4-FFF2-40B4-BE49-F238E27FC236}">
+                    <a16:creationId xmlns:a16="http://schemas.microsoft.com/office/drawing/2014/main" id="{FFF99B68-0E5C-3341-B678-989367741158}"/>
+                  </a:ext>
+                </a:extLst>
+              </p:cNvPr>
+              <p:cNvSpPr>
+                <a:spLocks noGrp="1"/>
+              </p:cNvSpPr>
+              <p:nvPr>
+                <p:ph idx="1"/>
+              </p:nvPr>
+            </p:nvSpPr>
+            <p:spPr/>
+            <p:txBody>
+              <a:bodyPr/>
+              <a:lstStyle/>
+              <a:p>
+                <a:r>
+                  <a:rPr kumimoji="1" lang="en-US" altLang="ja-JP" dirty="0"/>
+                  <a:t>parent</a:t>
+                </a:r>
+                <a:r>
+                  <a:rPr kumimoji="1" lang="ja-JP" altLang="en-US"/>
+                  <a:t>軸によるチェック</a:t>
+                </a:r>
+                <a:endParaRPr kumimoji="1" lang="en-US" altLang="ja-JP" dirty="0"/>
+              </a:p>
+              <a:p>
+                <a:pPr lvl="1"/>
+                <a:r>
+                  <a:rPr lang="ja-JP" altLang="en-US"/>
+                  <a:t>重複処理のみ</a:t>
+                </a:r>
+                <a:endParaRPr lang="en-US" altLang="ja-JP" dirty="0"/>
+              </a:p>
+              <a:p>
+                <a:pPr lvl="1"/>
+                <a:endParaRPr lang="en-US" altLang="ja-JP" dirty="0"/>
+              </a:p>
+              <a:p>
+                <a:r>
+                  <a:rPr lang="en-US" altLang="ja-JP" dirty="0"/>
+                  <a:t>self</a:t>
+                </a:r>
+                <a:r>
+                  <a:rPr lang="ja-JP" altLang="en-US"/>
+                  <a:t>軸によるチェック</a:t>
+                </a:r>
+                <a:endParaRPr lang="en-US" altLang="ja-JP" dirty="0"/>
+              </a:p>
+              <a:p>
+                <a:pPr lvl="1"/>
+                <a:r>
+                  <a:rPr lang="ja-JP" altLang="en-US"/>
+                  <a:t>重複処理と文書順</a:t>
+                </a:r>
+                <a:endParaRPr lang="en-US" altLang="ja-JP" dirty="0"/>
+              </a:p>
+              <a:p>
+                <a:pPr lvl="1"/>
+                <a14:m>
+                  <m:oMath xmlns:m="http://schemas.openxmlformats.org/officeDocument/2006/math">
+                    <m:r>
+                      <a:rPr lang="en-US" altLang="ja-JP" b="0" i="1" smtClean="0">
+                        <a:latin typeface="Cambria Math" panose="02040503050406030204" pitchFamily="18" charset="0"/>
+                      </a:rPr>
+                      <m:t>(</m:t>
+                    </m:r>
+                    <m:sSub>
+                      <m:sSubPr>
+                        <m:ctrlPr>
+                          <a:rPr lang="en-US" altLang="ja-JP" b="0" i="1" smtClean="0">
+                            <a:latin typeface="Cambria Math" panose="02040503050406030204" pitchFamily="18" charset="0"/>
+                          </a:rPr>
+                        </m:ctrlPr>
+                      </m:sSubPr>
+                      <m:e>
+                        <m:r>
+                          <a:rPr lang="en-US" altLang="ja-JP" b="0" i="1" smtClean="0">
+                            <a:latin typeface="Cambria Math" panose="02040503050406030204" pitchFamily="18" charset="0"/>
+                          </a:rPr>
+                          <m:t>𝑞</m:t>
+                        </m:r>
+                      </m:e>
+                      <m:sub>
+                        <m:r>
+                          <a:rPr lang="en-US" altLang="ja-JP" b="0" i="1" smtClean="0">
+                            <a:latin typeface="Cambria Math" panose="02040503050406030204" pitchFamily="18" charset="0"/>
+                          </a:rPr>
+                          <m:t>1</m:t>
+                        </m:r>
+                      </m:sub>
+                    </m:sSub>
+                    <m:r>
+                      <a:rPr lang="en-US" altLang="ja-JP" b="0" i="1" smtClean="0">
+                        <a:latin typeface="Cambria Math" panose="02040503050406030204" pitchFamily="18" charset="0"/>
+                      </a:rPr>
+                      <m:t>, </m:t>
+                    </m:r>
+                    <m:sSub>
+                      <m:sSubPr>
+                        <m:ctrlPr>
+                          <a:rPr lang="en-US" altLang="ja-JP" b="0" i="1" smtClean="0">
+                            <a:latin typeface="Cambria Math" panose="02040503050406030204" pitchFamily="18" charset="0"/>
+                          </a:rPr>
+                        </m:ctrlPr>
+                      </m:sSubPr>
+                      <m:e>
+                        <m:r>
+                          <a:rPr lang="en-US" altLang="ja-JP" b="0" i="1" smtClean="0">
+                            <a:latin typeface="Cambria Math" panose="02040503050406030204" pitchFamily="18" charset="0"/>
+                          </a:rPr>
+                          <m:t>𝑞</m:t>
+                        </m:r>
+                      </m:e>
+                      <m:sub>
+                        <m:r>
+                          <a:rPr lang="en-US" altLang="ja-JP" b="0" i="1" smtClean="0">
+                            <a:latin typeface="Cambria Math" panose="02040503050406030204" pitchFamily="18" charset="0"/>
+                          </a:rPr>
+                          <m:t>2</m:t>
+                        </m:r>
+                      </m:sub>
+                    </m:sSub>
+                    <m:r>
+                      <a:rPr lang="en-US" altLang="ja-JP" b="0" i="1" smtClean="0">
+                        <a:latin typeface="Cambria Math" panose="02040503050406030204" pitchFamily="18" charset="0"/>
+                      </a:rPr>
+                      <m:t>)/</m:t>
+                    </m:r>
+                    <m:r>
+                      <a:rPr lang="en-US" altLang="ja-JP" b="0" i="1" smtClean="0">
+                        <a:latin typeface="Cambria Math" panose="02040503050406030204" pitchFamily="18" charset="0"/>
+                      </a:rPr>
+                      <m:t>𝑠𝑒𝑙𝑓</m:t>
+                    </m:r>
+                    <m:r>
+                      <a:rPr lang="en-US" altLang="ja-JP" i="1" dirty="0" smtClean="0">
+                        <a:latin typeface="Cambria Math" panose="02040503050406030204" pitchFamily="18" charset="0"/>
+                      </a:rPr>
+                      <m:t>::</m:t>
+                    </m:r>
+                    <m:r>
+                      <a:rPr lang="en-US" altLang="ja-JP" b="0" i="1" dirty="0" smtClean="0">
+                        <a:latin typeface="Cambria Math" panose="02040503050406030204" pitchFamily="18" charset="0"/>
+                      </a:rPr>
+                      <m:t>∗</m:t>
+                    </m:r>
+                  </m:oMath>
+                </a14:m>
+                <a:endParaRPr lang="en-US" altLang="ja-JP" dirty="0"/>
+              </a:p>
+            </p:txBody>
+          </p:sp>
+        </mc:Choice>
+        <mc:Fallback>
+          <p:sp>
+            <p:nvSpPr>
+              <p:cNvPr id="3" name="コンテンツ プレースホルダー 2">
+                <a:extLst>
+                  <a:ext uri="{FF2B5EF4-FFF2-40B4-BE49-F238E27FC236}">
+                    <a16:creationId xmlns:a16="http://schemas.microsoft.com/office/drawing/2014/main" id="{FFF99B68-0E5C-3341-B678-989367741158}"/>
+                  </a:ext>
+                </a:extLst>
+              </p:cNvPr>
+              <p:cNvSpPr>
+                <a:spLocks noGrp="1" noRot="1" noChangeAspect="1" noMove="1" noResize="1" noEditPoints="1" noAdjustHandles="1" noChangeArrowheads="1" noChangeShapeType="1" noTextEdit="1"/>
+              </p:cNvSpPr>
+              <p:nvPr>
+                <p:ph idx="1"/>
+              </p:nvPr>
+            </p:nvSpPr>
+            <p:spPr>
+              <a:blipFill>
+                <a:blip r:embed="rId2"/>
+                <a:stretch>
+                  <a:fillRect l="-2090" t="-3562"/>
+                </a:stretch>
+              </a:blipFill>
+            </p:spPr>
+            <p:txBody>
+              <a:bodyPr/>
+              <a:lstStyle/>
+              <a:p>
+                <a:r>
+                  <a:rPr lang="ja-JP" altLang="en-US">
+                    <a:noFill/>
+                  </a:rPr>
+                  <a:t> </a:t>
+                </a:r>
+              </a:p>
+            </p:txBody>
+          </p:sp>
+        </mc:Fallback>
+      </mc:AlternateContent>
+    </p:spTree>
+    <p:extLst>
+      <p:ext uri="{BB962C8B-B14F-4D97-AF65-F5344CB8AC3E}">
+        <p14:creationId xmlns:p14="http://schemas.microsoft.com/office/powerpoint/2010/main" val="896742851"/>
+      </p:ext>
+    </p:extLst>
+  </p:cSld>
+  <p:clrMapOvr>
+    <a:masterClrMapping/>
+  </p:clrMapOvr>
+</p:sld>
+</file>
+
+<file path=ppt/slides/slide4.xml><?xml version="1.0" encoding="utf-8"?>
+<p:sld xmlns:a="http://schemas.openxmlformats.org/drawingml/2006/main" xmlns:r="http://schemas.openxmlformats.org/officeDocument/2006/relationships" xmlns:p="http://schemas.openxmlformats.org/presentationml/2006/main">
+  <p:cSld>
+    <p:spTree>
+      <p:nvGrpSpPr>
+        <p:cNvPr id="1" name=""/>
+        <p:cNvGrpSpPr/>
+        <p:nvPr/>
+      </p:nvGrpSpPr>
+      <p:grpSpPr>
+        <a:xfrm>
+          <a:off x="0" y="0"/>
+          <a:ext cx="0" cy="0"/>
+          <a:chOff x="0" y="0"/>
+          <a:chExt cx="0" cy="0"/>
+        </a:xfrm>
+      </p:grpSpPr>
+      <p:sp>
+        <p:nvSpPr>
+          <p:cNvPr id="2" name="タイトル 1">
+            <a:extLst>
+              <a:ext uri="{FF2B5EF4-FFF2-40B4-BE49-F238E27FC236}">
+                <a16:creationId xmlns:a16="http://schemas.microsoft.com/office/drawing/2014/main" id="{DD6425F3-DA1F-DD4C-B948-59B2298D888B}"/>
+              </a:ext>
+            </a:extLst>
+          </p:cNvPr>
+          <p:cNvSpPr>
+            <a:spLocks noGrp="1"/>
+          </p:cNvSpPr>
+          <p:nvPr>
+            <p:ph type="title"/>
+          </p:nvPr>
+        </p:nvSpPr>
+        <p:spPr/>
+        <p:txBody>
+          <a:bodyPr/>
+          <a:lstStyle/>
+          <a:p>
+            <a:r>
+              <a:rPr kumimoji="1" lang="en-US" altLang="ja-JP" dirty="0"/>
+              <a:t>self</a:t>
+            </a:r>
+            <a:r>
+              <a:rPr kumimoji="1" lang="ja-JP" altLang="en-US"/>
+              <a:t>軸によるチェック</a:t>
+            </a:r>
+          </a:p>
+        </p:txBody>
+      </p:sp>
+      <mc:AlternateContent xmlns:mc="http://schemas.openxmlformats.org/markup-compatibility/2006">
+        <mc:Choice xmlns:a14="http://schemas.microsoft.com/office/drawing/2010/main" Requires="a14">
+          <p:sp>
+            <p:nvSpPr>
+              <p:cNvPr id="3" name="コンテンツ プレースホルダー 2">
+                <a:extLst>
+                  <a:ext uri="{FF2B5EF4-FFF2-40B4-BE49-F238E27FC236}">
+                    <a16:creationId xmlns:a16="http://schemas.microsoft.com/office/drawing/2014/main" id="{FC4C6EA7-4297-B741-AC97-15E0C48E1484}"/>
+                  </a:ext>
+                </a:extLst>
+              </p:cNvPr>
+              <p:cNvSpPr>
+                <a:spLocks noGrp="1"/>
+              </p:cNvSpPr>
+              <p:nvPr>
+                <p:ph idx="1"/>
+              </p:nvPr>
+            </p:nvSpPr>
+            <p:spPr/>
+            <p:txBody>
+              <a:bodyPr/>
+              <a:lstStyle/>
+              <a:p>
+                <a:r>
+                  <a:rPr kumimoji="1" lang="en-US" altLang="ja-JP" dirty="0"/>
+                  <a:t>3</a:t>
+                </a:r>
+                <a:r>
+                  <a:rPr kumimoji="1" lang="ja-JP" altLang="en-US"/>
+                  <a:t>つのチェック方法</a:t>
+                </a:r>
+                <a:endParaRPr kumimoji="1" lang="en-US" altLang="ja-JP" dirty="0"/>
+              </a:p>
+              <a:p>
+                <a:pPr marL="914400" lvl="1" indent="-457200">
+                  <a:buFont typeface="+mj-lt"/>
+                  <a:buAutoNum type="arabicPeriod"/>
+                </a:pPr>
+                <a14:m>
+                  <m:oMath xmlns:m="http://schemas.openxmlformats.org/officeDocument/2006/math">
+                    <m:r>
+                      <a:rPr kumimoji="1" lang="en-US" altLang="ja-JP" b="0" i="0" smtClean="0">
+                        <a:latin typeface="Cambria Math" panose="02040503050406030204" pitchFamily="18" charset="0"/>
+                      </a:rPr>
+                      <m:t>(</m:t>
+                    </m:r>
+                    <m:r>
+                      <m:rPr>
+                        <m:nor/>
+                      </m:rPr>
+                      <a:rPr kumimoji="1" lang="en-US" altLang="ja-JP" b="0" smtClean="0">
+                        <a:latin typeface="Cambria Math" panose="02040503050406030204" pitchFamily="18" charset="0"/>
+                      </a:rPr>
+                      <m:t>//</m:t>
+                    </m:r>
+                    <m:r>
+                      <m:rPr>
+                        <m:nor/>
+                      </m:rPr>
+                      <a:rPr kumimoji="1" lang="en-US" altLang="ja-JP" b="0" smtClean="0">
+                        <a:latin typeface="Cambria Math" panose="02040503050406030204" pitchFamily="18" charset="0"/>
+                      </a:rPr>
+                      <m:t>reference</m:t>
+                    </m:r>
+                    <m:r>
+                      <m:rPr>
+                        <m:nor/>
+                      </m:rPr>
+                      <a:rPr kumimoji="1" lang="en-US" altLang="ja-JP" b="0" smtClean="0">
+                        <a:latin typeface="Cambria Math" panose="02040503050406030204" pitchFamily="18" charset="0"/>
+                      </a:rPr>
+                      <m:t>, //</m:t>
+                    </m:r>
+                    <m:r>
+                      <m:rPr>
+                        <m:nor/>
+                      </m:rPr>
+                      <a:rPr kumimoji="1" lang="en-US" altLang="ja-JP" b="0" smtClean="0">
+                        <a:latin typeface="Cambria Math" panose="02040503050406030204" pitchFamily="18" charset="0"/>
+                      </a:rPr>
+                      <m:t>reference</m:t>
+                    </m:r>
+                    <m:r>
+                      <m:rPr>
+                        <m:nor/>
+                      </m:rPr>
+                      <a:rPr kumimoji="1" lang="en-US" altLang="ja-JP" b="0" smtClean="0">
+                        <a:latin typeface="Cambria Math" panose="02040503050406030204" pitchFamily="18" charset="0"/>
+                      </a:rPr>
+                      <m:t>)/</m:t>
+                    </m:r>
+                    <m:r>
+                      <m:rPr>
+                        <m:nor/>
+                      </m:rPr>
+                      <a:rPr kumimoji="1" lang="en-US" altLang="ja-JP" b="0" smtClean="0">
+                        <a:latin typeface="Cambria Math" panose="02040503050406030204" pitchFamily="18" charset="0"/>
+                      </a:rPr>
+                      <m:t>self</m:t>
+                    </m:r>
+                    <m:r>
+                      <m:rPr>
+                        <m:nor/>
+                      </m:rPr>
+                      <a:rPr kumimoji="1" lang="en-US" altLang="ja-JP" b="0" smtClean="0">
+                        <a:latin typeface="Cambria Math" panose="02040503050406030204" pitchFamily="18" charset="0"/>
+                      </a:rPr>
+                      <m:t>::*</m:t>
+                    </m:r>
+                  </m:oMath>
+                </a14:m>
+                <a:endParaRPr kumimoji="1" lang="en-US" altLang="ja-JP" dirty="0"/>
+              </a:p>
+              <a:p>
+                <a:pPr marL="914400" lvl="1" indent="-457200">
+                  <a:buFont typeface="+mj-lt"/>
+                  <a:buAutoNum type="arabicPeriod"/>
+                </a:pPr>
+                <a14:m>
+                  <m:oMath xmlns:m="http://schemas.openxmlformats.org/officeDocument/2006/math">
+                    <m:r>
+                      <m:rPr>
+                        <m:nor/>
+                      </m:rPr>
+                      <a:rPr kumimoji="1" lang="en-US" altLang="ja-JP" b="0" smtClean="0">
+                        <a:latin typeface="Cambria Math" panose="02040503050406030204" pitchFamily="18" charset="0"/>
+                      </a:rPr>
+                      <m:t>(//</m:t>
+                    </m:r>
+                    <m:r>
+                      <m:rPr>
+                        <m:nor/>
+                      </m:rPr>
+                      <a:rPr kumimoji="1" lang="en-US" altLang="ja-JP" b="0" smtClean="0">
+                        <a:latin typeface="Cambria Math" panose="02040503050406030204" pitchFamily="18" charset="0"/>
+                      </a:rPr>
+                      <m:t>reference</m:t>
+                    </m:r>
+                    <m:r>
+                      <m:rPr>
+                        <m:nor/>
+                      </m:rPr>
+                      <a:rPr kumimoji="1" lang="en-US" altLang="ja-JP" b="0" smtClean="0">
+                        <a:latin typeface="Cambria Math" panose="02040503050406030204" pitchFamily="18" charset="0"/>
+                      </a:rPr>
+                      <m:t>, //</m:t>
+                    </m:r>
+                    <m:r>
+                      <m:rPr>
+                        <m:nor/>
+                      </m:rPr>
+                      <a:rPr kumimoji="1" lang="en-US" altLang="ja-JP" b="0" smtClean="0">
+                        <a:latin typeface="Cambria Math" panose="02040503050406030204" pitchFamily="18" charset="0"/>
+                      </a:rPr>
+                      <m:t>source</m:t>
+                    </m:r>
+                    <m:r>
+                      <m:rPr>
+                        <m:nor/>
+                      </m:rPr>
+                      <a:rPr kumimoji="1" lang="en-US" altLang="ja-JP" b="0" smtClean="0">
+                        <a:latin typeface="Cambria Math" panose="02040503050406030204" pitchFamily="18" charset="0"/>
+                      </a:rPr>
+                      <m:t>)/</m:t>
+                    </m:r>
+                    <m:r>
+                      <m:rPr>
+                        <m:nor/>
+                      </m:rPr>
+                      <a:rPr kumimoji="1" lang="en-US" altLang="ja-JP" b="0" smtClean="0">
+                        <a:latin typeface="Cambria Math" panose="02040503050406030204" pitchFamily="18" charset="0"/>
+                      </a:rPr>
+                      <m:t>self</m:t>
+                    </m:r>
+                    <m:r>
+                      <m:rPr>
+                        <m:nor/>
+                      </m:rPr>
+                      <a:rPr kumimoji="1" lang="en-US" altLang="ja-JP" b="0" smtClean="0">
+                        <a:latin typeface="Cambria Math" panose="02040503050406030204" pitchFamily="18" charset="0"/>
+                      </a:rPr>
+                      <m:t>::*</m:t>
+                    </m:r>
+                  </m:oMath>
+                </a14:m>
+                <a:endParaRPr kumimoji="1" lang="en-US" altLang="ja-JP" b="0" dirty="0"/>
+              </a:p>
+              <a:p>
+                <a:pPr marL="914400" lvl="1" indent="-457200">
+                  <a:buFont typeface="+mj-lt"/>
+                  <a:buAutoNum type="arabicPeriod"/>
+                </a:pPr>
+                <a14:m>
+                  <m:oMath xmlns:m="http://schemas.openxmlformats.org/officeDocument/2006/math">
+                    <m:r>
+                      <a:rPr kumimoji="1" lang="en-US" altLang="ja-JP" b="0" i="0" smtClean="0">
+                        <a:latin typeface="Cambria Math" panose="02040503050406030204" pitchFamily="18" charset="0"/>
+                      </a:rPr>
+                      <m:t>(</m:t>
+                    </m:r>
+                    <m:r>
+                      <m:rPr>
+                        <m:nor/>
+                      </m:rPr>
+                      <a:rPr kumimoji="1" lang="en-US" altLang="ja-JP" b="0" smtClean="0">
+                        <a:latin typeface="Cambria Math" panose="02040503050406030204" pitchFamily="18" charset="0"/>
+                      </a:rPr>
+                      <m:t>//</m:t>
+                    </m:r>
+                    <m:r>
+                      <m:rPr>
+                        <m:nor/>
+                      </m:rPr>
+                      <a:rPr kumimoji="1" lang="en-US" altLang="ja-JP" b="0" smtClean="0">
+                        <a:latin typeface="Cambria Math" panose="02040503050406030204" pitchFamily="18" charset="0"/>
+                      </a:rPr>
+                      <m:t>source</m:t>
+                    </m:r>
+                    <m:r>
+                      <m:rPr>
+                        <m:nor/>
+                      </m:rPr>
+                      <a:rPr kumimoji="1" lang="en-US" altLang="ja-JP" b="0" smtClean="0">
+                        <a:latin typeface="Cambria Math" panose="02040503050406030204" pitchFamily="18" charset="0"/>
+                      </a:rPr>
+                      <m:t>, //</m:t>
+                    </m:r>
+                    <m:r>
+                      <m:rPr>
+                        <m:nor/>
+                      </m:rPr>
+                      <a:rPr kumimoji="1" lang="en-US" altLang="ja-JP" b="0" smtClean="0">
+                        <a:latin typeface="Cambria Math" panose="02040503050406030204" pitchFamily="18" charset="0"/>
+                      </a:rPr>
+                      <m:t>reference</m:t>
+                    </m:r>
+                    <m:r>
+                      <m:rPr>
+                        <m:nor/>
+                      </m:rPr>
+                      <a:rPr kumimoji="1" lang="en-US" altLang="ja-JP" b="0" smtClean="0">
+                        <a:latin typeface="Cambria Math" panose="02040503050406030204" pitchFamily="18" charset="0"/>
+                      </a:rPr>
+                      <m:t>)/</m:t>
+                    </m:r>
+                    <m:r>
+                      <m:rPr>
+                        <m:nor/>
+                      </m:rPr>
+                      <a:rPr kumimoji="1" lang="en-US" altLang="ja-JP" b="0" smtClean="0">
+                        <a:latin typeface="Cambria Math" panose="02040503050406030204" pitchFamily="18" charset="0"/>
+                      </a:rPr>
+                      <m:t>self</m:t>
+                    </m:r>
+                    <m:r>
+                      <m:rPr>
+                        <m:nor/>
+                      </m:rPr>
+                      <a:rPr kumimoji="1" lang="en-US" altLang="ja-JP" b="0" smtClean="0">
+                        <a:latin typeface="Cambria Math" panose="02040503050406030204" pitchFamily="18" charset="0"/>
+                      </a:rPr>
+                      <m:t>::*</m:t>
+                    </m:r>
+                  </m:oMath>
+                </a14:m>
+                <a:endParaRPr kumimoji="1" lang="ja-JP" altLang="en-US"/>
+              </a:p>
+            </p:txBody>
+          </p:sp>
+        </mc:Choice>
+        <mc:Fallback>
+          <p:sp>
+            <p:nvSpPr>
+              <p:cNvPr id="3" name="コンテンツ プレースホルダー 2">
+                <a:extLst>
+                  <a:ext uri="{FF2B5EF4-FFF2-40B4-BE49-F238E27FC236}">
+                    <a16:creationId xmlns:a16="http://schemas.microsoft.com/office/drawing/2014/main" id="{FC4C6EA7-4297-B741-AC97-15E0C48E1484}"/>
+                  </a:ext>
+                </a:extLst>
+              </p:cNvPr>
+              <p:cNvSpPr>
+                <a:spLocks noGrp="1" noRot="1" noChangeAspect="1" noMove="1" noResize="1" noEditPoints="1" noAdjustHandles="1" noChangeArrowheads="1" noChangeShapeType="1" noTextEdit="1"/>
+              </p:cNvSpPr>
+              <p:nvPr>
+                <p:ph idx="1"/>
+              </p:nvPr>
+            </p:nvSpPr>
+            <p:spPr>
+              <a:blipFill>
+                <a:blip r:embed="rId2"/>
+                <a:stretch>
+                  <a:fillRect l="-2090" t="-3562"/>
+                </a:stretch>
+              </a:blipFill>
+            </p:spPr>
+            <p:txBody>
+              <a:bodyPr/>
+              <a:lstStyle/>
+              <a:p>
+                <a:r>
+                  <a:rPr lang="ja-JP" altLang="en-US">
+                    <a:noFill/>
+                  </a:rPr>
+                  <a:t> </a:t>
+                </a:r>
+              </a:p>
+            </p:txBody>
+          </p:sp>
+        </mc:Fallback>
+      </mc:AlternateContent>
+      <p:sp>
+        <p:nvSpPr>
+          <p:cNvPr id="4" name="テキスト ボックス 3">
+            <a:extLst>
+              <a:ext uri="{FF2B5EF4-FFF2-40B4-BE49-F238E27FC236}">
+                <a16:creationId xmlns:a16="http://schemas.microsoft.com/office/drawing/2014/main" id="{E70C0097-7663-EF40-84AB-F81FB3E6237F}"/>
+              </a:ext>
+            </a:extLst>
+          </p:cNvPr>
+          <p:cNvSpPr txBox="1"/>
+          <p:nvPr/>
+        </p:nvSpPr>
+        <p:spPr>
+          <a:xfrm>
+            <a:off x="3287949" y="3541191"/>
+            <a:ext cx="2149813" cy="2462213"/>
+          </a:xfrm>
+          <a:prstGeom prst="rect">
+            <a:avLst/>
+          </a:prstGeom>
+        </p:spPr>
+        <p:style>
+          <a:lnRef idx="2">
+            <a:schemeClr val="dk1"/>
+          </a:lnRef>
+          <a:fillRef idx="1">
+            <a:schemeClr val="lt1"/>
+          </a:fillRef>
+          <a:effectRef idx="0">
+            <a:schemeClr val="dk1"/>
+          </a:effectRef>
+          <a:fontRef idx="minor">
+            <a:schemeClr val="dk1"/>
+          </a:fontRef>
+        </p:style>
+        <p:txBody>
+          <a:bodyPr wrap="square" rtlCol="0">
+            <a:spAutoFit/>
+          </a:bodyPr>
+          <a:lstStyle/>
+          <a:p>
+            <a:r>
+              <a:rPr lang="ja-JP" altLang="en-US" sz="2200"/>
+              <a:t>・・・</a:t>
+            </a:r>
+            <a:endParaRPr lang="en-US" altLang="ja-JP" sz="2200" dirty="0"/>
+          </a:p>
+          <a:p>
+            <a:r>
+              <a:rPr kumimoji="1" lang="en-US" altLang="ja-JP" sz="2200" dirty="0"/>
+              <a:t>&lt;referenc</a:t>
+            </a:r>
+            <a:r>
+              <a:rPr lang="en-US" altLang="ja-JP" sz="2200" dirty="0"/>
+              <a:t>e&gt;</a:t>
+            </a:r>
+          </a:p>
+          <a:p>
+            <a:r>
+              <a:rPr lang="en-US" altLang="ja-JP" sz="2200" dirty="0"/>
+              <a:t>        &lt;source&gt;</a:t>
+            </a:r>
+          </a:p>
+          <a:p>
+            <a:r>
+              <a:rPr kumimoji="1" lang="en-US" altLang="ja-JP" sz="2200" dirty="0"/>
+              <a:t>        </a:t>
+            </a:r>
+            <a:r>
+              <a:rPr lang="ja-JP" altLang="en-US" sz="2200"/>
+              <a:t>・・・</a:t>
+            </a:r>
+            <a:endParaRPr lang="en-US" altLang="ja-JP" sz="2200" dirty="0"/>
+          </a:p>
+          <a:p>
+            <a:r>
+              <a:rPr lang="en-US" altLang="ja-JP" sz="2200" dirty="0"/>
+              <a:t>        &lt;/source&gt;</a:t>
+            </a:r>
+          </a:p>
+          <a:p>
+            <a:r>
+              <a:rPr kumimoji="1" lang="en-US" altLang="ja-JP" sz="2200" dirty="0"/>
+              <a:t>&lt;/</a:t>
+            </a:r>
+            <a:r>
+              <a:rPr lang="en-US" altLang="ja-JP" sz="2200" dirty="0"/>
+              <a:t>reference&gt;</a:t>
+            </a:r>
+          </a:p>
+          <a:p>
+            <a:r>
+              <a:rPr kumimoji="1" lang="ja-JP" altLang="en-US" sz="2200"/>
+              <a:t>・・・</a:t>
+            </a:r>
+          </a:p>
+        </p:txBody>
+      </p:sp>
+      <p:sp>
+        <p:nvSpPr>
+          <p:cNvPr id="6" name="テキスト ボックス 5">
+            <a:extLst>
+              <a:ext uri="{FF2B5EF4-FFF2-40B4-BE49-F238E27FC236}">
+                <a16:creationId xmlns:a16="http://schemas.microsoft.com/office/drawing/2014/main" id="{74AD6730-7B1C-104D-866F-C76649AD42F8}"/>
+              </a:ext>
+            </a:extLst>
+          </p:cNvPr>
+          <p:cNvSpPr txBox="1"/>
+          <p:nvPr/>
+        </p:nvSpPr>
+        <p:spPr>
+          <a:xfrm>
+            <a:off x="2936823" y="6063688"/>
+            <a:ext cx="2852063" cy="400110"/>
+          </a:xfrm>
+          <a:prstGeom prst="rect">
+            <a:avLst/>
+          </a:prstGeom>
+          <a:noFill/>
+        </p:spPr>
+        <p:txBody>
+          <a:bodyPr wrap="none" rtlCol="0">
+            <a:spAutoFit/>
+          </a:bodyPr>
+          <a:lstStyle/>
+          <a:p>
+            <a:r>
+              <a:rPr kumimoji="1" lang="ja-JP" altLang="en-US" sz="2000">
+                <a:latin typeface="Hiragino Kaku Gothic Pro W3" panose="020B0300000000000000" pitchFamily="34" charset="-128"/>
+                <a:ea typeface="Hiragino Kaku Gothic Pro W3" panose="020B0300000000000000" pitchFamily="34" charset="-128"/>
+              </a:rPr>
+              <a:t>対象文書（</a:t>
+            </a:r>
+            <a:r>
+              <a:rPr kumimoji="1" lang="en-US" altLang="ja-JP" sz="2000" dirty="0" err="1">
+                <a:latin typeface="Hiragino Kaku Gothic Pro W3" panose="020B0300000000000000" pitchFamily="34" charset="-128"/>
+                <a:ea typeface="Hiragino Kaku Gothic Pro W3" panose="020B0300000000000000" pitchFamily="34" charset="-128"/>
+              </a:rPr>
+              <a:t>Nasa.xml</a:t>
+            </a:r>
+            <a:r>
+              <a:rPr kumimoji="1" lang="ja-JP" altLang="en-US" sz="2000">
+                <a:latin typeface="Hiragino Kaku Gothic Pro W3" panose="020B0300000000000000" pitchFamily="34" charset="-128"/>
+                <a:ea typeface="Hiragino Kaku Gothic Pro W3" panose="020B0300000000000000" pitchFamily="34" charset="-128"/>
+              </a:rPr>
+              <a:t>）</a:t>
+            </a:r>
+          </a:p>
+        </p:txBody>
+      </p:sp>
+    </p:spTree>
+    <p:extLst>
+      <p:ext uri="{BB962C8B-B14F-4D97-AF65-F5344CB8AC3E}">
+        <p14:creationId xmlns:p14="http://schemas.microsoft.com/office/powerpoint/2010/main" val="502130583"/>
+      </p:ext>
+    </p:extLst>
+  </p:cSld>
+  <p:clrMapOvr>
+    <a:masterClrMapping/>
+  </p:clrMapOvr>
+</p:sld>
+</file>
+
+<file path=ppt/slides/slide5.xml><?xml version="1.0" encoding="utf-8"?>
+<p:sld xmlns:a="http://schemas.openxmlformats.org/drawingml/2006/main" xmlns:r="http://schemas.openxmlformats.org/officeDocument/2006/relationships" xmlns:p="http://schemas.openxmlformats.org/presentationml/2006/main">
+  <p:cSld>
+    <p:spTree>
+      <p:nvGrpSpPr>
+        <p:cNvPr id="1" name=""/>
+        <p:cNvGrpSpPr/>
+        <p:nvPr/>
+      </p:nvGrpSpPr>
+      <p:grpSpPr>
+        <a:xfrm>
+          <a:off x="0" y="0"/>
+          <a:ext cx="0" cy="0"/>
+          <a:chOff x="0" y="0"/>
+          <a:chExt cx="0" cy="0"/>
+        </a:xfrm>
+      </p:grpSpPr>
+      <p:sp>
+        <p:nvSpPr>
+          <p:cNvPr id="2" name="タイトル 1">
+            <a:extLst>
+              <a:ext uri="{FF2B5EF4-FFF2-40B4-BE49-F238E27FC236}">
+                <a16:creationId xmlns:a16="http://schemas.microsoft.com/office/drawing/2014/main" id="{173CB082-395B-2C4B-B68F-4E6DE8D57E32}"/>
+              </a:ext>
+            </a:extLst>
+          </p:cNvPr>
+          <p:cNvSpPr>
+            <a:spLocks noGrp="1"/>
+          </p:cNvSpPr>
+          <p:nvPr>
+            <p:ph type="title"/>
+          </p:nvPr>
+        </p:nvSpPr>
+        <p:spPr/>
+        <p:txBody>
+          <a:bodyPr/>
+          <a:lstStyle/>
+          <a:p>
+            <a:r>
+              <a:rPr kumimoji="1" lang="en-US" altLang="ja-JP" dirty="0"/>
+              <a:t>self</a:t>
+            </a:r>
+            <a:r>
+              <a:rPr kumimoji="1" lang="ja-JP" altLang="en-US"/>
+              <a:t>軸によるチェック</a:t>
+            </a:r>
+            <a:r>
+              <a:rPr kumimoji="1" lang="en-US" altLang="ja-JP" dirty="0"/>
+              <a:t> </a:t>
+            </a:r>
+            <a:r>
+              <a:rPr kumimoji="1" lang="ja-JP" altLang="en-US"/>
+              <a:t>その</a:t>
+            </a:r>
+            <a:r>
+              <a:rPr kumimoji="1" lang="en-US" altLang="ja-JP" dirty="0"/>
+              <a:t>1</a:t>
+            </a:r>
+            <a:endParaRPr kumimoji="1" lang="ja-JP" altLang="en-US"/>
+          </a:p>
+        </p:txBody>
+      </p:sp>
+      <mc:AlternateContent xmlns:mc="http://schemas.openxmlformats.org/markup-compatibility/2006">
+        <mc:Choice xmlns:a14="http://schemas.microsoft.com/office/drawing/2010/main" Requires="a14">
+          <p:sp>
+            <p:nvSpPr>
+              <p:cNvPr id="3" name="コンテンツ プレースホルダー 2">
+                <a:extLst>
+                  <a:ext uri="{FF2B5EF4-FFF2-40B4-BE49-F238E27FC236}">
+                    <a16:creationId xmlns:a16="http://schemas.microsoft.com/office/drawing/2014/main" id="{D4D96E8D-9319-7D41-AAE4-48126DA9D6D3}"/>
+                  </a:ext>
+                </a:extLst>
+              </p:cNvPr>
+              <p:cNvSpPr>
+                <a:spLocks noGrp="1"/>
+              </p:cNvSpPr>
+              <p:nvPr>
+                <p:ph idx="1"/>
+              </p:nvPr>
+            </p:nvSpPr>
+            <p:spPr/>
+            <p:txBody>
+              <a:bodyPr/>
+              <a:lstStyle/>
+              <a:p>
+                <a14:m>
+                  <m:oMath xmlns:m="http://schemas.openxmlformats.org/officeDocument/2006/math">
+                    <m:r>
+                      <a:rPr lang="en-US" altLang="ja-JP" b="0">
+                        <a:latin typeface="Cambria Math" panose="02040503050406030204" pitchFamily="18" charset="0"/>
+                      </a:rPr>
+                      <m:t>(</m:t>
+                    </m:r>
+                    <m:r>
+                      <m:rPr>
+                        <m:nor/>
+                      </m:rPr>
+                      <a:rPr lang="en-US" altLang="ja-JP" b="0">
+                        <a:latin typeface="Cambria Math" panose="02040503050406030204" pitchFamily="18" charset="0"/>
+                      </a:rPr>
+                      <m:t>//</m:t>
+                    </m:r>
+                    <m:r>
+                      <m:rPr>
+                        <m:nor/>
+                      </m:rPr>
+                      <a:rPr lang="en-US" altLang="ja-JP" b="0">
+                        <a:latin typeface="Cambria Math" panose="02040503050406030204" pitchFamily="18" charset="0"/>
+                      </a:rPr>
+                      <m:t>reference</m:t>
+                    </m:r>
+                    <m:r>
+                      <m:rPr>
+                        <m:nor/>
+                      </m:rPr>
+                      <a:rPr lang="en-US" altLang="ja-JP" b="0">
+                        <a:latin typeface="Cambria Math" panose="02040503050406030204" pitchFamily="18" charset="0"/>
+                      </a:rPr>
+                      <m:t>, //</m:t>
+                    </m:r>
+                    <m:r>
+                      <m:rPr>
+                        <m:nor/>
+                      </m:rPr>
+                      <a:rPr lang="en-US" altLang="ja-JP" b="0">
+                        <a:latin typeface="Cambria Math" panose="02040503050406030204" pitchFamily="18" charset="0"/>
+                      </a:rPr>
+                      <m:t>reference</m:t>
+                    </m:r>
+                    <m:r>
+                      <m:rPr>
+                        <m:nor/>
+                      </m:rPr>
+                      <a:rPr lang="en-US" altLang="ja-JP" b="0">
+                        <a:latin typeface="Cambria Math" panose="02040503050406030204" pitchFamily="18" charset="0"/>
+                      </a:rPr>
+                      <m:t>)/</m:t>
+                    </m:r>
+                    <m:r>
+                      <m:rPr>
+                        <m:nor/>
+                      </m:rPr>
+                      <a:rPr lang="en-US" altLang="ja-JP" b="0">
+                        <a:latin typeface="Cambria Math" panose="02040503050406030204" pitchFamily="18" charset="0"/>
+                      </a:rPr>
+                      <m:t>self</m:t>
+                    </m:r>
+                    <m:r>
+                      <m:rPr>
+                        <m:nor/>
+                      </m:rPr>
+                      <a:rPr lang="en-US" altLang="ja-JP" b="0">
+                        <a:latin typeface="Cambria Math" panose="02040503050406030204" pitchFamily="18" charset="0"/>
+                      </a:rPr>
+                      <m:t>::∗</m:t>
+                    </m:r>
+                  </m:oMath>
+                </a14:m>
+                <a:endParaRPr lang="en-US" altLang="ja-JP" dirty="0"/>
+              </a:p>
+              <a:p>
+                <a:pPr lvl="1"/>
+                <a:r>
+                  <a:rPr kumimoji="1" lang="ja-JP" altLang="en-US"/>
+                  <a:t>重複処理のみ</a:t>
+                </a:r>
+                <a:endParaRPr lang="en-US" altLang="ja-JP" dirty="0"/>
+              </a:p>
+              <a:p>
+                <a:pPr lvl="1"/>
+                <a:r>
+                  <a:rPr kumimoji="1" lang="ja-JP" altLang="en-US"/>
+                  <a:t>処理は正常に完了</a:t>
+                </a:r>
+                <a:endParaRPr kumimoji="1" lang="en-US" altLang="ja-JP" dirty="0"/>
+              </a:p>
+            </p:txBody>
+          </p:sp>
+        </mc:Choice>
+        <mc:Fallback>
+          <p:sp>
+            <p:nvSpPr>
+              <p:cNvPr id="3" name="コンテンツ プレースホルダー 2">
+                <a:extLst>
+                  <a:ext uri="{FF2B5EF4-FFF2-40B4-BE49-F238E27FC236}">
+                    <a16:creationId xmlns:a16="http://schemas.microsoft.com/office/drawing/2014/main" id="{D4D96E8D-9319-7D41-AAE4-48126DA9D6D3}"/>
+                  </a:ext>
+                </a:extLst>
+              </p:cNvPr>
+              <p:cNvSpPr>
+                <a:spLocks noGrp="1" noRot="1" noChangeAspect="1" noMove="1" noResize="1" noEditPoints="1" noAdjustHandles="1" noChangeArrowheads="1" noChangeShapeType="1" noTextEdit="1"/>
+              </p:cNvSpPr>
+              <p:nvPr>
+                <p:ph idx="1"/>
+              </p:nvPr>
+            </p:nvSpPr>
+            <p:spPr>
+              <a:blipFill>
+                <a:blip r:embed="rId2"/>
+                <a:stretch>
+                  <a:fillRect l="-2090" t="-3562"/>
+                </a:stretch>
+              </a:blipFill>
+            </p:spPr>
+            <p:txBody>
+              <a:bodyPr/>
+              <a:lstStyle/>
+              <a:p>
+                <a:r>
+                  <a:rPr lang="ja-JP" altLang="en-US">
+                    <a:noFill/>
+                  </a:rPr>
+                  <a:t> </a:t>
+                </a:r>
+              </a:p>
+            </p:txBody>
+          </p:sp>
+        </mc:Fallback>
+      </mc:AlternateContent>
+      <p:grpSp>
+        <p:nvGrpSpPr>
+          <p:cNvPr id="4" name="グループ化 3">
+            <a:extLst>
+              <a:ext uri="{FF2B5EF4-FFF2-40B4-BE49-F238E27FC236}">
+                <a16:creationId xmlns:a16="http://schemas.microsoft.com/office/drawing/2014/main" id="{754BFD8F-5784-3C48-8A05-6A824EC014A7}"/>
+              </a:ext>
+            </a:extLst>
+          </p:cNvPr>
+          <p:cNvGrpSpPr/>
+          <p:nvPr/>
+        </p:nvGrpSpPr>
+        <p:grpSpPr>
+          <a:xfrm>
+            <a:off x="1070043" y="3307404"/>
+            <a:ext cx="317716" cy="2504995"/>
+            <a:chOff x="3239311" y="3297677"/>
+            <a:chExt cx="317716" cy="2504995"/>
+          </a:xfrm>
+        </p:grpSpPr>
+        <p:sp>
+          <p:nvSpPr>
+            <p:cNvPr id="5" name="テキスト ボックス 4">
+              <a:extLst>
+                <a:ext uri="{FF2B5EF4-FFF2-40B4-BE49-F238E27FC236}">
+                  <a16:creationId xmlns:a16="http://schemas.microsoft.com/office/drawing/2014/main" id="{90828C96-9CB1-F249-9035-C8E4E91E92E9}"/>
+                </a:ext>
+              </a:extLst>
+            </p:cNvPr>
+            <p:cNvSpPr txBox="1"/>
+            <p:nvPr/>
+          </p:nvSpPr>
+          <p:spPr>
+            <a:xfrm>
+              <a:off x="3239311" y="3297677"/>
+              <a:ext cx="317716" cy="369332"/>
+            </a:xfrm>
+            <a:prstGeom prst="rect">
+              <a:avLst/>
+            </a:prstGeom>
+            <a:noFill/>
+          </p:spPr>
+          <p:txBody>
+            <a:bodyPr wrap="none" rtlCol="0">
+              <a:spAutoFit/>
+            </a:bodyPr>
+            <a:lstStyle/>
+            <a:p>
+              <a:r>
+                <a:rPr kumimoji="1" lang="en-US" altLang="ja-JP" dirty="0"/>
+                <a:t>A</a:t>
+              </a:r>
+              <a:endParaRPr kumimoji="1" lang="ja-JP" altLang="en-US"/>
+            </a:p>
+          </p:txBody>
+        </p:sp>
+        <p:sp>
+          <p:nvSpPr>
+            <p:cNvPr id="6" name="テキスト ボックス 5">
+              <a:extLst>
+                <a:ext uri="{FF2B5EF4-FFF2-40B4-BE49-F238E27FC236}">
+                  <a16:creationId xmlns:a16="http://schemas.microsoft.com/office/drawing/2014/main" id="{13FC36DC-639C-3749-AA38-7F975FC4527D}"/>
+                </a:ext>
+              </a:extLst>
+            </p:cNvPr>
+            <p:cNvSpPr txBox="1"/>
+            <p:nvPr/>
+          </p:nvSpPr>
+          <p:spPr>
+            <a:xfrm>
+              <a:off x="3239311" y="4007912"/>
+              <a:ext cx="309700" cy="369332"/>
+            </a:xfrm>
+            <a:prstGeom prst="rect">
+              <a:avLst/>
+            </a:prstGeom>
+            <a:noFill/>
+          </p:spPr>
+          <p:txBody>
+            <a:bodyPr wrap="none" rtlCol="0">
+              <a:spAutoFit/>
+            </a:bodyPr>
+            <a:lstStyle/>
+            <a:p>
+              <a:r>
+                <a:rPr lang="en-US" altLang="ja-JP" dirty="0"/>
+                <a:t>B</a:t>
+              </a:r>
+              <a:endParaRPr kumimoji="1" lang="ja-JP" altLang="en-US"/>
+            </a:p>
+          </p:txBody>
+        </p:sp>
+        <p:sp>
+          <p:nvSpPr>
+            <p:cNvPr id="7" name="テキスト ボックス 6">
+              <a:extLst>
+                <a:ext uri="{FF2B5EF4-FFF2-40B4-BE49-F238E27FC236}">
+                  <a16:creationId xmlns:a16="http://schemas.microsoft.com/office/drawing/2014/main" id="{D042599C-7953-CD44-A8AB-13CC0524F5A0}"/>
+                </a:ext>
+              </a:extLst>
+            </p:cNvPr>
+            <p:cNvSpPr txBox="1"/>
+            <p:nvPr/>
+          </p:nvSpPr>
+          <p:spPr>
+            <a:xfrm>
+              <a:off x="3239311" y="4723105"/>
+              <a:ext cx="308098" cy="369332"/>
+            </a:xfrm>
+            <a:prstGeom prst="rect">
+              <a:avLst/>
+            </a:prstGeom>
+            <a:noFill/>
+          </p:spPr>
+          <p:txBody>
+            <a:bodyPr wrap="none" rtlCol="0">
+              <a:spAutoFit/>
+            </a:bodyPr>
+            <a:lstStyle/>
+            <a:p>
+              <a:r>
+                <a:rPr lang="en-US" altLang="ja-JP" dirty="0"/>
+                <a:t>C</a:t>
+              </a:r>
+              <a:endParaRPr kumimoji="1" lang="ja-JP" altLang="en-US"/>
+            </a:p>
+          </p:txBody>
+        </p:sp>
+        <p:sp>
+          <p:nvSpPr>
+            <p:cNvPr id="8" name="テキスト ボックス 7">
+              <a:extLst>
+                <a:ext uri="{FF2B5EF4-FFF2-40B4-BE49-F238E27FC236}">
+                  <a16:creationId xmlns:a16="http://schemas.microsoft.com/office/drawing/2014/main" id="{F38CC354-1C2F-514B-A56B-9AADDF65287F}"/>
+                </a:ext>
+              </a:extLst>
+            </p:cNvPr>
+            <p:cNvSpPr txBox="1"/>
+            <p:nvPr/>
+          </p:nvSpPr>
+          <p:spPr>
+            <a:xfrm>
+              <a:off x="3260952" y="5433340"/>
+              <a:ext cx="264816" cy="369332"/>
+            </a:xfrm>
+            <a:prstGeom prst="rect">
+              <a:avLst/>
+            </a:prstGeom>
+            <a:noFill/>
+          </p:spPr>
+          <p:txBody>
+            <a:bodyPr wrap="none" rtlCol="0">
+              <a:spAutoFit/>
+            </a:bodyPr>
+            <a:lstStyle/>
+            <a:p>
+              <a:r>
+                <a:rPr lang="en-US" altLang="ja-JP" dirty="0"/>
+                <a:t>r</a:t>
+              </a:r>
+              <a:endParaRPr kumimoji="1" lang="ja-JP" altLang="en-US"/>
+            </a:p>
+          </p:txBody>
+        </p:sp>
+        <p:cxnSp>
+          <p:nvCxnSpPr>
+            <p:cNvPr id="9" name="直線コネクタ 8">
+              <a:extLst>
+                <a:ext uri="{FF2B5EF4-FFF2-40B4-BE49-F238E27FC236}">
+                  <a16:creationId xmlns:a16="http://schemas.microsoft.com/office/drawing/2014/main" id="{73257908-CF06-D748-AC2D-AC18545116B7}"/>
+                </a:ext>
+              </a:extLst>
+            </p:cNvPr>
+            <p:cNvCxnSpPr>
+              <a:cxnSpLocks/>
+              <a:stCxn id="5" idx="2"/>
+              <a:endCxn id="6" idx="0"/>
+            </p:cNvCxnSpPr>
+            <p:nvPr/>
+          </p:nvCxnSpPr>
+          <p:spPr>
+            <a:xfrm flipH="1">
+              <a:off x="3394161" y="3667009"/>
+              <a:ext cx="4008" cy="340903"/>
+            </a:xfrm>
+            <a:prstGeom prst="line">
+              <a:avLst/>
+            </a:prstGeom>
+          </p:spPr>
+          <p:style>
+            <a:lnRef idx="2">
+              <a:schemeClr val="dk1"/>
+            </a:lnRef>
+            <a:fillRef idx="0">
+              <a:schemeClr val="dk1"/>
+            </a:fillRef>
+            <a:effectRef idx="1">
+              <a:schemeClr val="dk1"/>
+            </a:effectRef>
+            <a:fontRef idx="minor">
+              <a:schemeClr val="tx1"/>
+            </a:fontRef>
+          </p:style>
+        </p:cxnSp>
+        <p:cxnSp>
+          <p:nvCxnSpPr>
+            <p:cNvPr id="10" name="直線コネクタ 9">
+              <a:extLst>
+                <a:ext uri="{FF2B5EF4-FFF2-40B4-BE49-F238E27FC236}">
+                  <a16:creationId xmlns:a16="http://schemas.microsoft.com/office/drawing/2014/main" id="{BE63590D-9485-FE45-81D4-D854CD6A6C10}"/>
+                </a:ext>
+              </a:extLst>
+            </p:cNvPr>
+            <p:cNvCxnSpPr>
+              <a:cxnSpLocks/>
+              <a:stCxn id="7" idx="0"/>
+              <a:endCxn id="6" idx="2"/>
+            </p:cNvCxnSpPr>
+            <p:nvPr/>
+          </p:nvCxnSpPr>
+          <p:spPr>
+            <a:xfrm flipV="1">
+              <a:off x="3393360" y="4377244"/>
+              <a:ext cx="801" cy="345861"/>
+            </a:xfrm>
+            <a:prstGeom prst="line">
+              <a:avLst/>
+            </a:prstGeom>
+          </p:spPr>
+          <p:style>
+            <a:lnRef idx="2">
+              <a:schemeClr val="dk1"/>
+            </a:lnRef>
+            <a:fillRef idx="0">
+              <a:schemeClr val="dk1"/>
+            </a:fillRef>
+            <a:effectRef idx="1">
+              <a:schemeClr val="dk1"/>
+            </a:effectRef>
+            <a:fontRef idx="minor">
+              <a:schemeClr val="tx1"/>
+            </a:fontRef>
+          </p:style>
+        </p:cxnSp>
+        <p:cxnSp>
+          <p:nvCxnSpPr>
+            <p:cNvPr id="11" name="直線コネクタ 10">
+              <a:extLst>
+                <a:ext uri="{FF2B5EF4-FFF2-40B4-BE49-F238E27FC236}">
+                  <a16:creationId xmlns:a16="http://schemas.microsoft.com/office/drawing/2014/main" id="{CE2EAF78-1481-ED4B-BB0A-8C918418B775}"/>
+                </a:ext>
+              </a:extLst>
+            </p:cNvPr>
+            <p:cNvCxnSpPr>
+              <a:cxnSpLocks/>
+              <a:stCxn id="8" idx="0"/>
+              <a:endCxn id="7" idx="2"/>
+            </p:cNvCxnSpPr>
+            <p:nvPr/>
+          </p:nvCxnSpPr>
+          <p:spPr>
+            <a:xfrm flipV="1">
+              <a:off x="3393360" y="5092437"/>
+              <a:ext cx="0" cy="340903"/>
+            </a:xfrm>
+            <a:prstGeom prst="line">
+              <a:avLst/>
+            </a:prstGeom>
+          </p:spPr>
+          <p:style>
+            <a:lnRef idx="2">
+              <a:schemeClr val="dk1"/>
+            </a:lnRef>
+            <a:fillRef idx="0">
+              <a:schemeClr val="dk1"/>
+            </a:fillRef>
+            <a:effectRef idx="1">
+              <a:schemeClr val="dk1"/>
+            </a:effectRef>
+            <a:fontRef idx="minor">
+              <a:schemeClr val="tx1"/>
+            </a:fontRef>
+          </p:style>
+        </p:cxnSp>
+      </p:grpSp>
+      <p:sp>
+        <p:nvSpPr>
+          <p:cNvPr id="18" name="加算記号 17">
+            <a:extLst>
+              <a:ext uri="{FF2B5EF4-FFF2-40B4-BE49-F238E27FC236}">
+                <a16:creationId xmlns:a16="http://schemas.microsoft.com/office/drawing/2014/main" id="{DFCA4D4F-6E2C-4444-B952-84894E07B747}"/>
+              </a:ext>
+            </a:extLst>
+          </p:cNvPr>
+          <p:cNvSpPr/>
+          <p:nvPr/>
+        </p:nvSpPr>
+        <p:spPr>
+          <a:xfrm>
+            <a:off x="1971974" y="4017639"/>
+            <a:ext cx="717286" cy="715193"/>
+          </a:xfrm>
+          <a:prstGeom prst="mathPlus">
+            <a:avLst>
+              <a:gd name="adj1" fmla="val 9919"/>
+            </a:avLst>
+          </a:prstGeom>
+        </p:spPr>
+        <p:style>
+          <a:lnRef idx="2">
+            <a:schemeClr val="dk1">
+              <a:shade val="50000"/>
+            </a:schemeClr>
+          </a:lnRef>
+          <a:fillRef idx="1">
+            <a:schemeClr val="dk1"/>
+          </a:fillRef>
+          <a:effectRef idx="0">
+            <a:schemeClr val="dk1"/>
+          </a:effectRef>
+          <a:fontRef idx="minor">
+            <a:schemeClr val="lt1"/>
+          </a:fontRef>
+        </p:style>
+        <p:txBody>
+          <a:bodyPr rtlCol="0" anchor="ctr"/>
+          <a:lstStyle/>
+          <a:p>
+            <a:pPr algn="ctr"/>
+            <a:endParaRPr kumimoji="1" lang="ja-JP" altLang="en-US"/>
+          </a:p>
+        </p:txBody>
+      </p:sp>
+      <p:sp>
+        <p:nvSpPr>
+          <p:cNvPr id="19" name="等号 18">
+            <a:extLst>
+              <a:ext uri="{FF2B5EF4-FFF2-40B4-BE49-F238E27FC236}">
+                <a16:creationId xmlns:a16="http://schemas.microsoft.com/office/drawing/2014/main" id="{B6E84E01-262A-7D47-A6C5-6EB939B8464D}"/>
+              </a:ext>
+            </a:extLst>
+          </p:cNvPr>
+          <p:cNvSpPr/>
+          <p:nvPr/>
+        </p:nvSpPr>
+        <p:spPr>
+          <a:xfrm>
+            <a:off x="4380335" y="3971595"/>
+            <a:ext cx="700391" cy="807280"/>
+          </a:xfrm>
+          <a:prstGeom prst="mathEqual">
+            <a:avLst>
+              <a:gd name="adj1" fmla="val 7896"/>
+              <a:gd name="adj2" fmla="val 11760"/>
+            </a:avLst>
+          </a:prstGeom>
+        </p:spPr>
+        <p:style>
+          <a:lnRef idx="2">
+            <a:schemeClr val="dk1">
+              <a:shade val="50000"/>
+            </a:schemeClr>
+          </a:lnRef>
+          <a:fillRef idx="1">
+            <a:schemeClr val="dk1"/>
+          </a:fillRef>
+          <a:effectRef idx="0">
+            <a:schemeClr val="dk1"/>
+          </a:effectRef>
+          <a:fontRef idx="minor">
+            <a:schemeClr val="lt1"/>
+          </a:fontRef>
+        </p:style>
+        <p:txBody>
+          <a:bodyPr rtlCol="0" anchor="ctr"/>
+          <a:lstStyle/>
+          <a:p>
+            <a:pPr algn="ctr"/>
+            <a:endParaRPr kumimoji="1" lang="ja-JP" altLang="en-US">
+              <a:solidFill>
+                <a:schemeClr val="tx1"/>
+              </a:solidFill>
+            </a:endParaRPr>
+          </a:p>
+        </p:txBody>
+      </p:sp>
+      <p:grpSp>
+        <p:nvGrpSpPr>
+          <p:cNvPr id="30" name="グループ化 29">
+            <a:extLst>
+              <a:ext uri="{FF2B5EF4-FFF2-40B4-BE49-F238E27FC236}">
+                <a16:creationId xmlns:a16="http://schemas.microsoft.com/office/drawing/2014/main" id="{0416B6A3-3478-9D47-93EF-07EE06CC11BF}"/>
+              </a:ext>
+            </a:extLst>
+          </p:cNvPr>
+          <p:cNvGrpSpPr/>
+          <p:nvPr/>
+        </p:nvGrpSpPr>
+        <p:grpSpPr>
+          <a:xfrm>
+            <a:off x="3266000" y="3307403"/>
+            <a:ext cx="317716" cy="2504995"/>
+            <a:chOff x="3239311" y="3297677"/>
+            <a:chExt cx="317716" cy="2504995"/>
+          </a:xfrm>
+        </p:grpSpPr>
+        <p:sp>
+          <p:nvSpPr>
+            <p:cNvPr id="31" name="テキスト ボックス 30">
+              <a:extLst>
+                <a:ext uri="{FF2B5EF4-FFF2-40B4-BE49-F238E27FC236}">
+                  <a16:creationId xmlns:a16="http://schemas.microsoft.com/office/drawing/2014/main" id="{4E2A55CD-E3D8-3E43-BE2C-A6515D3EADE6}"/>
+                </a:ext>
+              </a:extLst>
+            </p:cNvPr>
+            <p:cNvSpPr txBox="1"/>
+            <p:nvPr/>
+          </p:nvSpPr>
+          <p:spPr>
+            <a:xfrm>
+              <a:off x="3239311" y="3297677"/>
+              <a:ext cx="317716" cy="369332"/>
+            </a:xfrm>
+            <a:prstGeom prst="rect">
+              <a:avLst/>
+            </a:prstGeom>
+            <a:noFill/>
+          </p:spPr>
+          <p:txBody>
+            <a:bodyPr wrap="none" rtlCol="0">
+              <a:spAutoFit/>
+            </a:bodyPr>
+            <a:lstStyle/>
+            <a:p>
+              <a:r>
+                <a:rPr kumimoji="1" lang="en-US" altLang="ja-JP" dirty="0"/>
+                <a:t>A</a:t>
+              </a:r>
+              <a:endParaRPr kumimoji="1" lang="ja-JP" altLang="en-US"/>
+            </a:p>
+          </p:txBody>
+        </p:sp>
+        <p:sp>
+          <p:nvSpPr>
+            <p:cNvPr id="32" name="テキスト ボックス 31">
+              <a:extLst>
+                <a:ext uri="{FF2B5EF4-FFF2-40B4-BE49-F238E27FC236}">
+                  <a16:creationId xmlns:a16="http://schemas.microsoft.com/office/drawing/2014/main" id="{A6B6E425-EACF-284B-8277-29F2C0BE9CF0}"/>
+                </a:ext>
+              </a:extLst>
+            </p:cNvPr>
+            <p:cNvSpPr txBox="1"/>
+            <p:nvPr/>
+          </p:nvSpPr>
+          <p:spPr>
+            <a:xfrm>
+              <a:off x="3239311" y="4007912"/>
+              <a:ext cx="309700" cy="369332"/>
+            </a:xfrm>
+            <a:prstGeom prst="rect">
+              <a:avLst/>
+            </a:prstGeom>
+            <a:noFill/>
+          </p:spPr>
+          <p:txBody>
+            <a:bodyPr wrap="none" rtlCol="0">
+              <a:spAutoFit/>
+            </a:bodyPr>
+            <a:lstStyle/>
+            <a:p>
+              <a:r>
+                <a:rPr lang="en-US" altLang="ja-JP" dirty="0"/>
+                <a:t>B</a:t>
+              </a:r>
+              <a:endParaRPr kumimoji="1" lang="ja-JP" altLang="en-US"/>
+            </a:p>
+          </p:txBody>
+        </p:sp>
+        <p:sp>
+          <p:nvSpPr>
+            <p:cNvPr id="33" name="テキスト ボックス 32">
+              <a:extLst>
+                <a:ext uri="{FF2B5EF4-FFF2-40B4-BE49-F238E27FC236}">
+                  <a16:creationId xmlns:a16="http://schemas.microsoft.com/office/drawing/2014/main" id="{3E54AE32-0E9F-3647-8E5F-06E70223B007}"/>
+                </a:ext>
+              </a:extLst>
+            </p:cNvPr>
+            <p:cNvSpPr txBox="1"/>
+            <p:nvPr/>
+          </p:nvSpPr>
+          <p:spPr>
+            <a:xfrm>
+              <a:off x="3239311" y="4723105"/>
+              <a:ext cx="308098" cy="369332"/>
+            </a:xfrm>
+            <a:prstGeom prst="rect">
+              <a:avLst/>
+            </a:prstGeom>
+            <a:noFill/>
+          </p:spPr>
+          <p:txBody>
+            <a:bodyPr wrap="none" rtlCol="0">
+              <a:spAutoFit/>
+            </a:bodyPr>
+            <a:lstStyle/>
+            <a:p>
+              <a:r>
+                <a:rPr lang="en-US" altLang="ja-JP" dirty="0"/>
+                <a:t>C</a:t>
+              </a:r>
+              <a:endParaRPr kumimoji="1" lang="ja-JP" altLang="en-US"/>
+            </a:p>
+          </p:txBody>
+        </p:sp>
+        <p:sp>
+          <p:nvSpPr>
+            <p:cNvPr id="34" name="テキスト ボックス 33">
+              <a:extLst>
+                <a:ext uri="{FF2B5EF4-FFF2-40B4-BE49-F238E27FC236}">
+                  <a16:creationId xmlns:a16="http://schemas.microsoft.com/office/drawing/2014/main" id="{41CBD735-1D4A-AB48-B404-0B153F6546AF}"/>
+                </a:ext>
+              </a:extLst>
+            </p:cNvPr>
+            <p:cNvSpPr txBox="1"/>
+            <p:nvPr/>
+          </p:nvSpPr>
+          <p:spPr>
+            <a:xfrm>
+              <a:off x="3260952" y="5433340"/>
+              <a:ext cx="264816" cy="369332"/>
+            </a:xfrm>
+            <a:prstGeom prst="rect">
+              <a:avLst/>
+            </a:prstGeom>
+            <a:noFill/>
+          </p:spPr>
+          <p:txBody>
+            <a:bodyPr wrap="none" rtlCol="0">
+              <a:spAutoFit/>
+            </a:bodyPr>
+            <a:lstStyle/>
+            <a:p>
+              <a:r>
+                <a:rPr lang="en-US" altLang="ja-JP" dirty="0"/>
+                <a:t>r</a:t>
+              </a:r>
+              <a:endParaRPr kumimoji="1" lang="ja-JP" altLang="en-US"/>
+            </a:p>
+          </p:txBody>
+        </p:sp>
+        <p:cxnSp>
+          <p:nvCxnSpPr>
+            <p:cNvPr id="35" name="直線コネクタ 34">
+              <a:extLst>
+                <a:ext uri="{FF2B5EF4-FFF2-40B4-BE49-F238E27FC236}">
+                  <a16:creationId xmlns:a16="http://schemas.microsoft.com/office/drawing/2014/main" id="{FC442E2F-09B3-9E4D-8428-2D074087F53F}"/>
+                </a:ext>
+              </a:extLst>
+            </p:cNvPr>
+            <p:cNvCxnSpPr>
+              <a:cxnSpLocks/>
+              <a:stCxn id="31" idx="2"/>
+              <a:endCxn id="32" idx="0"/>
+            </p:cNvCxnSpPr>
+            <p:nvPr/>
+          </p:nvCxnSpPr>
+          <p:spPr>
+            <a:xfrm flipH="1">
+              <a:off x="3394161" y="3667009"/>
+              <a:ext cx="4008" cy="340903"/>
+            </a:xfrm>
+            <a:prstGeom prst="line">
+              <a:avLst/>
+            </a:prstGeom>
+          </p:spPr>
+          <p:style>
+            <a:lnRef idx="2">
+              <a:schemeClr val="dk1"/>
+            </a:lnRef>
+            <a:fillRef idx="0">
+              <a:schemeClr val="dk1"/>
+            </a:fillRef>
+            <a:effectRef idx="1">
+              <a:schemeClr val="dk1"/>
+            </a:effectRef>
+            <a:fontRef idx="minor">
+              <a:schemeClr val="tx1"/>
+            </a:fontRef>
+          </p:style>
+        </p:cxnSp>
+        <p:cxnSp>
+          <p:nvCxnSpPr>
+            <p:cNvPr id="36" name="直線コネクタ 35">
+              <a:extLst>
+                <a:ext uri="{FF2B5EF4-FFF2-40B4-BE49-F238E27FC236}">
+                  <a16:creationId xmlns:a16="http://schemas.microsoft.com/office/drawing/2014/main" id="{5549F349-66EB-0346-A849-F2F0085690D8}"/>
+                </a:ext>
+              </a:extLst>
+            </p:cNvPr>
+            <p:cNvCxnSpPr>
+              <a:cxnSpLocks/>
+              <a:stCxn id="33" idx="0"/>
+              <a:endCxn id="32" idx="2"/>
+            </p:cNvCxnSpPr>
+            <p:nvPr/>
+          </p:nvCxnSpPr>
+          <p:spPr>
+            <a:xfrm flipV="1">
+              <a:off x="3393360" y="4377244"/>
+              <a:ext cx="801" cy="345861"/>
+            </a:xfrm>
+            <a:prstGeom prst="line">
+              <a:avLst/>
+            </a:prstGeom>
+          </p:spPr>
+          <p:style>
+            <a:lnRef idx="2">
+              <a:schemeClr val="dk1"/>
+            </a:lnRef>
+            <a:fillRef idx="0">
+              <a:schemeClr val="dk1"/>
+            </a:fillRef>
+            <a:effectRef idx="1">
+              <a:schemeClr val="dk1"/>
+            </a:effectRef>
+            <a:fontRef idx="minor">
+              <a:schemeClr val="tx1"/>
+            </a:fontRef>
+          </p:style>
+        </p:cxnSp>
+        <p:cxnSp>
+          <p:nvCxnSpPr>
+            <p:cNvPr id="37" name="直線コネクタ 36">
+              <a:extLst>
+                <a:ext uri="{FF2B5EF4-FFF2-40B4-BE49-F238E27FC236}">
+                  <a16:creationId xmlns:a16="http://schemas.microsoft.com/office/drawing/2014/main" id="{4478812F-FFB6-9A46-88A3-2C6AAB1542C0}"/>
+                </a:ext>
+              </a:extLst>
+            </p:cNvPr>
+            <p:cNvCxnSpPr>
+              <a:cxnSpLocks/>
+              <a:stCxn id="34" idx="0"/>
+              <a:endCxn id="33" idx="2"/>
+            </p:cNvCxnSpPr>
+            <p:nvPr/>
+          </p:nvCxnSpPr>
+          <p:spPr>
+            <a:xfrm flipV="1">
+              <a:off x="3393360" y="5092437"/>
+              <a:ext cx="0" cy="340903"/>
+            </a:xfrm>
+            <a:prstGeom prst="line">
+              <a:avLst/>
+            </a:prstGeom>
+          </p:spPr>
+          <p:style>
+            <a:lnRef idx="2">
+              <a:schemeClr val="dk1"/>
+            </a:lnRef>
+            <a:fillRef idx="0">
+              <a:schemeClr val="dk1"/>
+            </a:fillRef>
+            <a:effectRef idx="1">
+              <a:schemeClr val="dk1"/>
+            </a:effectRef>
+            <a:fontRef idx="minor">
+              <a:schemeClr val="tx1"/>
+            </a:fontRef>
+          </p:style>
+        </p:cxnSp>
+      </p:grpSp>
+      <p:grpSp>
+        <p:nvGrpSpPr>
+          <p:cNvPr id="38" name="グループ化 37">
+            <a:extLst>
+              <a:ext uri="{FF2B5EF4-FFF2-40B4-BE49-F238E27FC236}">
+                <a16:creationId xmlns:a16="http://schemas.microsoft.com/office/drawing/2014/main" id="{39CAAB22-A1D2-DC40-B350-AA7B87CEA3E3}"/>
+              </a:ext>
+            </a:extLst>
+          </p:cNvPr>
+          <p:cNvGrpSpPr/>
+          <p:nvPr/>
+        </p:nvGrpSpPr>
+        <p:grpSpPr>
+          <a:xfrm>
+            <a:off x="5736626" y="3307403"/>
+            <a:ext cx="317716" cy="2504995"/>
+            <a:chOff x="3239311" y="3297677"/>
+            <a:chExt cx="317716" cy="2504995"/>
+          </a:xfrm>
+        </p:grpSpPr>
+        <p:sp>
+          <p:nvSpPr>
+            <p:cNvPr id="39" name="テキスト ボックス 38">
+              <a:extLst>
+                <a:ext uri="{FF2B5EF4-FFF2-40B4-BE49-F238E27FC236}">
+                  <a16:creationId xmlns:a16="http://schemas.microsoft.com/office/drawing/2014/main" id="{814381FF-2065-1E40-BE8E-89CEA46B53E7}"/>
+                </a:ext>
+              </a:extLst>
+            </p:cNvPr>
+            <p:cNvSpPr txBox="1"/>
+            <p:nvPr/>
+          </p:nvSpPr>
+          <p:spPr>
+            <a:xfrm>
+              <a:off x="3239311" y="3297677"/>
+              <a:ext cx="317716" cy="369332"/>
+            </a:xfrm>
+            <a:prstGeom prst="rect">
+              <a:avLst/>
+            </a:prstGeom>
+            <a:noFill/>
+          </p:spPr>
+          <p:txBody>
+            <a:bodyPr wrap="none" rtlCol="0">
+              <a:spAutoFit/>
+            </a:bodyPr>
+            <a:lstStyle/>
+            <a:p>
+              <a:r>
+                <a:rPr kumimoji="1" lang="en-US" altLang="ja-JP" dirty="0"/>
+                <a:t>A</a:t>
+              </a:r>
+              <a:endParaRPr kumimoji="1" lang="ja-JP" altLang="en-US"/>
+            </a:p>
+          </p:txBody>
+        </p:sp>
+        <p:sp>
+          <p:nvSpPr>
+            <p:cNvPr id="40" name="テキスト ボックス 39">
+              <a:extLst>
+                <a:ext uri="{FF2B5EF4-FFF2-40B4-BE49-F238E27FC236}">
+                  <a16:creationId xmlns:a16="http://schemas.microsoft.com/office/drawing/2014/main" id="{337080F7-61C7-5946-B4CE-BAD13E9CF2BD}"/>
+                </a:ext>
+              </a:extLst>
+            </p:cNvPr>
+            <p:cNvSpPr txBox="1"/>
+            <p:nvPr/>
+          </p:nvSpPr>
+          <p:spPr>
+            <a:xfrm>
+              <a:off x="3239311" y="4007912"/>
+              <a:ext cx="309700" cy="369332"/>
+            </a:xfrm>
+            <a:prstGeom prst="rect">
+              <a:avLst/>
+            </a:prstGeom>
+            <a:noFill/>
+          </p:spPr>
+          <p:txBody>
+            <a:bodyPr wrap="none" rtlCol="0">
+              <a:spAutoFit/>
+            </a:bodyPr>
+            <a:lstStyle/>
+            <a:p>
+              <a:r>
+                <a:rPr lang="en-US" altLang="ja-JP" dirty="0"/>
+                <a:t>B</a:t>
+              </a:r>
+              <a:endParaRPr kumimoji="1" lang="ja-JP" altLang="en-US"/>
+            </a:p>
+          </p:txBody>
+        </p:sp>
+        <p:sp>
+          <p:nvSpPr>
+            <p:cNvPr id="41" name="テキスト ボックス 40">
+              <a:extLst>
+                <a:ext uri="{FF2B5EF4-FFF2-40B4-BE49-F238E27FC236}">
+                  <a16:creationId xmlns:a16="http://schemas.microsoft.com/office/drawing/2014/main" id="{8197D6B0-8F7E-1A41-BFE1-EED8BBFE3140}"/>
+                </a:ext>
+              </a:extLst>
+            </p:cNvPr>
+            <p:cNvSpPr txBox="1"/>
+            <p:nvPr/>
+          </p:nvSpPr>
+          <p:spPr>
+            <a:xfrm>
+              <a:off x="3239311" y="4723105"/>
+              <a:ext cx="308098" cy="369332"/>
+            </a:xfrm>
+            <a:prstGeom prst="rect">
+              <a:avLst/>
+            </a:prstGeom>
+            <a:noFill/>
+          </p:spPr>
+          <p:txBody>
+            <a:bodyPr wrap="none" rtlCol="0">
+              <a:spAutoFit/>
+            </a:bodyPr>
+            <a:lstStyle/>
+            <a:p>
+              <a:r>
+                <a:rPr lang="en-US" altLang="ja-JP" dirty="0"/>
+                <a:t>C</a:t>
+              </a:r>
+              <a:endParaRPr kumimoji="1" lang="ja-JP" altLang="en-US"/>
+            </a:p>
+          </p:txBody>
+        </p:sp>
+        <p:sp>
+          <p:nvSpPr>
+            <p:cNvPr id="42" name="テキスト ボックス 41">
+              <a:extLst>
+                <a:ext uri="{FF2B5EF4-FFF2-40B4-BE49-F238E27FC236}">
+                  <a16:creationId xmlns:a16="http://schemas.microsoft.com/office/drawing/2014/main" id="{83E543AF-616E-5C41-A8E8-5BA6791E00EB}"/>
+                </a:ext>
+              </a:extLst>
+            </p:cNvPr>
+            <p:cNvSpPr txBox="1"/>
+            <p:nvPr/>
+          </p:nvSpPr>
+          <p:spPr>
+            <a:xfrm>
+              <a:off x="3260952" y="5433340"/>
+              <a:ext cx="264816" cy="369332"/>
+            </a:xfrm>
+            <a:prstGeom prst="rect">
+              <a:avLst/>
+            </a:prstGeom>
+            <a:noFill/>
+          </p:spPr>
+          <p:txBody>
+            <a:bodyPr wrap="none" rtlCol="0">
+              <a:spAutoFit/>
+            </a:bodyPr>
+            <a:lstStyle/>
+            <a:p>
+              <a:r>
+                <a:rPr lang="en-US" altLang="ja-JP" dirty="0"/>
+                <a:t>r</a:t>
+              </a:r>
+              <a:endParaRPr kumimoji="1" lang="ja-JP" altLang="en-US"/>
+            </a:p>
+          </p:txBody>
+        </p:sp>
+        <p:cxnSp>
+          <p:nvCxnSpPr>
+            <p:cNvPr id="43" name="直線コネクタ 42">
+              <a:extLst>
+                <a:ext uri="{FF2B5EF4-FFF2-40B4-BE49-F238E27FC236}">
+                  <a16:creationId xmlns:a16="http://schemas.microsoft.com/office/drawing/2014/main" id="{8E3B8FB6-6F2A-AE40-8E37-E82EDF5554DE}"/>
+                </a:ext>
+              </a:extLst>
+            </p:cNvPr>
+            <p:cNvCxnSpPr>
+              <a:cxnSpLocks/>
+              <a:stCxn id="39" idx="2"/>
+              <a:endCxn id="40" idx="0"/>
+            </p:cNvCxnSpPr>
+            <p:nvPr/>
+          </p:nvCxnSpPr>
+          <p:spPr>
+            <a:xfrm flipH="1">
+              <a:off x="3394161" y="3667009"/>
+              <a:ext cx="4008" cy="340903"/>
+            </a:xfrm>
+            <a:prstGeom prst="line">
+              <a:avLst/>
+            </a:prstGeom>
+          </p:spPr>
+          <p:style>
+            <a:lnRef idx="2">
+              <a:schemeClr val="dk1"/>
+            </a:lnRef>
+            <a:fillRef idx="0">
+              <a:schemeClr val="dk1"/>
+            </a:fillRef>
+            <a:effectRef idx="1">
+              <a:schemeClr val="dk1"/>
+            </a:effectRef>
+            <a:fontRef idx="minor">
+              <a:schemeClr val="tx1"/>
+            </a:fontRef>
+          </p:style>
+        </p:cxnSp>
+        <p:cxnSp>
+          <p:nvCxnSpPr>
+            <p:cNvPr id="44" name="直線コネクタ 43">
+              <a:extLst>
+                <a:ext uri="{FF2B5EF4-FFF2-40B4-BE49-F238E27FC236}">
+                  <a16:creationId xmlns:a16="http://schemas.microsoft.com/office/drawing/2014/main" id="{0237A59D-61C4-3741-A14A-345CAC753B2C}"/>
+                </a:ext>
+              </a:extLst>
+            </p:cNvPr>
+            <p:cNvCxnSpPr>
+              <a:cxnSpLocks/>
+              <a:stCxn id="41" idx="0"/>
+              <a:endCxn id="40" idx="2"/>
+            </p:cNvCxnSpPr>
+            <p:nvPr/>
+          </p:nvCxnSpPr>
+          <p:spPr>
+            <a:xfrm flipV="1">
+              <a:off x="3393360" y="4377244"/>
+              <a:ext cx="801" cy="345861"/>
+            </a:xfrm>
+            <a:prstGeom prst="line">
+              <a:avLst/>
+            </a:prstGeom>
+          </p:spPr>
+          <p:style>
+            <a:lnRef idx="2">
+              <a:schemeClr val="dk1"/>
+            </a:lnRef>
+            <a:fillRef idx="0">
+              <a:schemeClr val="dk1"/>
+            </a:fillRef>
+            <a:effectRef idx="1">
+              <a:schemeClr val="dk1"/>
+            </a:effectRef>
+            <a:fontRef idx="minor">
+              <a:schemeClr val="tx1"/>
+            </a:fontRef>
+          </p:style>
+        </p:cxnSp>
+        <p:cxnSp>
+          <p:nvCxnSpPr>
+            <p:cNvPr id="45" name="直線コネクタ 44">
+              <a:extLst>
+                <a:ext uri="{FF2B5EF4-FFF2-40B4-BE49-F238E27FC236}">
+                  <a16:creationId xmlns:a16="http://schemas.microsoft.com/office/drawing/2014/main" id="{C9646EE7-50AB-BA41-B1E0-79567A05B4CD}"/>
+                </a:ext>
+              </a:extLst>
+            </p:cNvPr>
+            <p:cNvCxnSpPr>
+              <a:cxnSpLocks/>
+              <a:stCxn id="42" idx="0"/>
+              <a:endCxn id="41" idx="2"/>
+            </p:cNvCxnSpPr>
+            <p:nvPr/>
+          </p:nvCxnSpPr>
+          <p:spPr>
+            <a:xfrm flipV="1">
+              <a:off x="3393360" y="5092437"/>
+              <a:ext cx="0" cy="340903"/>
+            </a:xfrm>
+            <a:prstGeom prst="line">
+              <a:avLst/>
+            </a:prstGeom>
+          </p:spPr>
+          <p:style>
+            <a:lnRef idx="2">
+              <a:schemeClr val="dk1"/>
+            </a:lnRef>
+            <a:fillRef idx="0">
+              <a:schemeClr val="dk1"/>
+            </a:fillRef>
+            <a:effectRef idx="1">
+              <a:schemeClr val="dk1"/>
+            </a:effectRef>
+            <a:fontRef idx="minor">
+              <a:schemeClr val="tx1"/>
+            </a:fontRef>
+          </p:style>
+        </p:cxnSp>
+      </p:grpSp>
+    </p:spTree>
+    <p:extLst>
+      <p:ext uri="{BB962C8B-B14F-4D97-AF65-F5344CB8AC3E}">
+        <p14:creationId xmlns:p14="http://schemas.microsoft.com/office/powerpoint/2010/main" val="2840119090"/>
+      </p:ext>
+    </p:extLst>
+  </p:cSld>
+  <p:clrMapOvr>
+    <a:masterClrMapping/>
+  </p:clrMapOvr>
+</p:sld>
+</file>
+
+<file path=ppt/slides/slide6.xml><?xml version="1.0" encoding="utf-8"?>
+<p:sld xmlns:a="http://schemas.openxmlformats.org/drawingml/2006/main" xmlns:r="http://schemas.openxmlformats.org/officeDocument/2006/relationships" xmlns:p="http://schemas.openxmlformats.org/presentationml/2006/main">
+  <p:cSld>
+    <p:spTree>
+      <p:nvGrpSpPr>
+        <p:cNvPr id="1" name=""/>
+        <p:cNvGrpSpPr/>
+        <p:nvPr/>
+      </p:nvGrpSpPr>
+      <p:grpSpPr>
+        <a:xfrm>
+          <a:off x="0" y="0"/>
+          <a:ext cx="0" cy="0"/>
+          <a:chOff x="0" y="0"/>
+          <a:chExt cx="0" cy="0"/>
+        </a:xfrm>
+      </p:grpSpPr>
+      <p:sp>
+        <p:nvSpPr>
+          <p:cNvPr id="2" name="タイトル 1">
+            <a:extLst>
+              <a:ext uri="{FF2B5EF4-FFF2-40B4-BE49-F238E27FC236}">
+                <a16:creationId xmlns:a16="http://schemas.microsoft.com/office/drawing/2014/main" id="{1E270932-2D1D-A84B-9789-7DC7D36A3265}"/>
+              </a:ext>
+            </a:extLst>
+          </p:cNvPr>
+          <p:cNvSpPr>
+            <a:spLocks noGrp="1"/>
+          </p:cNvSpPr>
+          <p:nvPr>
+            <p:ph type="title"/>
+          </p:nvPr>
+        </p:nvSpPr>
+        <p:spPr/>
+        <p:txBody>
+          <a:bodyPr/>
+          <a:lstStyle/>
+          <a:p>
+            <a:r>
+              <a:rPr lang="en-US" altLang="ja-JP" dirty="0"/>
+              <a:t>self</a:t>
+            </a:r>
+            <a:r>
+              <a:rPr lang="ja-JP" altLang="en-US"/>
+              <a:t>軸によるチェック</a:t>
+            </a:r>
+            <a:r>
+              <a:rPr lang="en-US" altLang="ja-JP" dirty="0"/>
+              <a:t> </a:t>
+            </a:r>
+            <a:r>
+              <a:rPr lang="ja-JP" altLang="en-US"/>
+              <a:t>その</a:t>
+            </a:r>
+            <a:r>
+              <a:rPr lang="en-US" altLang="ja-JP" dirty="0"/>
+              <a:t>2</a:t>
+            </a:r>
+            <a:endParaRPr kumimoji="1" lang="ja-JP" altLang="en-US"/>
+          </a:p>
+        </p:txBody>
+      </p:sp>
+      <mc:AlternateContent xmlns:mc="http://schemas.openxmlformats.org/markup-compatibility/2006">
+        <mc:Choice xmlns:a14="http://schemas.microsoft.com/office/drawing/2010/main" Requires="a14">
+          <p:sp>
+            <p:nvSpPr>
+              <p:cNvPr id="3" name="コンテンツ プレースホルダー 2">
+                <a:extLst>
+                  <a:ext uri="{FF2B5EF4-FFF2-40B4-BE49-F238E27FC236}">
+                    <a16:creationId xmlns:a16="http://schemas.microsoft.com/office/drawing/2014/main" id="{6045C16A-FE40-0F46-B839-DF340E3B828B}"/>
+                  </a:ext>
+                </a:extLst>
+              </p:cNvPr>
+              <p:cNvSpPr>
+                <a:spLocks noGrp="1"/>
+              </p:cNvSpPr>
+              <p:nvPr>
+                <p:ph idx="1"/>
+              </p:nvPr>
+            </p:nvSpPr>
+            <p:spPr/>
+            <p:txBody>
+              <a:bodyPr/>
+              <a:lstStyle/>
+              <a:p>
+                <a14:m>
+                  <m:oMath xmlns:m="http://schemas.openxmlformats.org/officeDocument/2006/math">
+                    <m:r>
+                      <m:rPr>
+                        <m:nor/>
+                      </m:rPr>
+                      <a:rPr lang="en-US" altLang="ja-JP" b="0">
+                        <a:latin typeface="Cambria Math" panose="02040503050406030204" pitchFamily="18" charset="0"/>
+                      </a:rPr>
+                      <m:t>(//</m:t>
+                    </m:r>
+                    <m:r>
+                      <m:rPr>
+                        <m:nor/>
+                      </m:rPr>
+                      <a:rPr lang="en-US" altLang="ja-JP" b="0">
+                        <a:latin typeface="Cambria Math" panose="02040503050406030204" pitchFamily="18" charset="0"/>
+                      </a:rPr>
+                      <m:t>reference</m:t>
+                    </m:r>
+                    <m:r>
+                      <m:rPr>
+                        <m:nor/>
+                      </m:rPr>
+                      <a:rPr lang="en-US" altLang="ja-JP" b="0">
+                        <a:latin typeface="Cambria Math" panose="02040503050406030204" pitchFamily="18" charset="0"/>
+                      </a:rPr>
+                      <m:t>, //</m:t>
+                    </m:r>
+                    <m:r>
+                      <m:rPr>
+                        <m:nor/>
+                      </m:rPr>
+                      <a:rPr lang="en-US" altLang="ja-JP" b="0">
+                        <a:latin typeface="Cambria Math" panose="02040503050406030204" pitchFamily="18" charset="0"/>
+                      </a:rPr>
+                      <m:t>source</m:t>
+                    </m:r>
+                    <m:r>
+                      <m:rPr>
+                        <m:nor/>
+                      </m:rPr>
+                      <a:rPr lang="en-US" altLang="ja-JP" b="0">
+                        <a:latin typeface="Cambria Math" panose="02040503050406030204" pitchFamily="18" charset="0"/>
+                      </a:rPr>
+                      <m:t>)/</m:t>
+                    </m:r>
+                    <m:r>
+                      <m:rPr>
+                        <m:nor/>
+                      </m:rPr>
+                      <a:rPr lang="en-US" altLang="ja-JP" b="0">
+                        <a:latin typeface="Cambria Math" panose="02040503050406030204" pitchFamily="18" charset="0"/>
+                      </a:rPr>
+                      <m:t>self</m:t>
+                    </m:r>
+                    <m:r>
+                      <m:rPr>
+                        <m:nor/>
+                      </m:rPr>
+                      <a:rPr lang="en-US" altLang="ja-JP" b="0">
+                        <a:latin typeface="Cambria Math" panose="02040503050406030204" pitchFamily="18" charset="0"/>
+                      </a:rPr>
+                      <m:t>::∗</m:t>
+                    </m:r>
+                  </m:oMath>
+                </a14:m>
+                <a:endParaRPr lang="en-US" altLang="ja-JP" b="0" dirty="0"/>
+              </a:p>
+              <a:p>
+                <a:pPr lvl="1"/>
+                <a:r>
+                  <a:rPr kumimoji="1" lang="ja-JP" altLang="en-US"/>
+                  <a:t>重複処理と文書順</a:t>
+                </a:r>
+                <a:endParaRPr kumimoji="1" lang="en-US" altLang="ja-JP" dirty="0"/>
+              </a:p>
+              <a:p>
+                <a:pPr lvl="1"/>
+                <a:r>
+                  <a:rPr lang="ja-JP" altLang="en-US"/>
+                  <a:t>重複処理と文書順は正常に完了</a:t>
+                </a:r>
+                <a:endParaRPr kumimoji="1" lang="ja-JP" altLang="en-US"/>
+              </a:p>
+            </p:txBody>
+          </p:sp>
+        </mc:Choice>
+        <mc:Fallback>
+          <p:sp>
+            <p:nvSpPr>
+              <p:cNvPr id="3" name="コンテンツ プレースホルダー 2">
+                <a:extLst>
+                  <a:ext uri="{FF2B5EF4-FFF2-40B4-BE49-F238E27FC236}">
+                    <a16:creationId xmlns:a16="http://schemas.microsoft.com/office/drawing/2014/main" id="{6045C16A-FE40-0F46-B839-DF340E3B828B}"/>
+                  </a:ext>
+                </a:extLst>
+              </p:cNvPr>
+              <p:cNvSpPr>
+                <a:spLocks noGrp="1" noRot="1" noChangeAspect="1" noMove="1" noResize="1" noEditPoints="1" noAdjustHandles="1" noChangeArrowheads="1" noChangeShapeType="1" noTextEdit="1"/>
+              </p:cNvSpPr>
+              <p:nvPr>
+                <p:ph idx="1"/>
+              </p:nvPr>
+            </p:nvSpPr>
+            <p:spPr>
+              <a:blipFill>
+                <a:blip r:embed="rId2"/>
+                <a:stretch>
+                  <a:fillRect l="-2090" t="-3562"/>
+                </a:stretch>
+              </a:blipFill>
+            </p:spPr>
+            <p:txBody>
+              <a:bodyPr/>
+              <a:lstStyle/>
+              <a:p>
+                <a:r>
+                  <a:rPr lang="ja-JP" altLang="en-US">
+                    <a:noFill/>
+                  </a:rPr>
+                  <a:t> </a:t>
+                </a:r>
+              </a:p>
+            </p:txBody>
+          </p:sp>
+        </mc:Fallback>
+      </mc:AlternateContent>
+      <p:grpSp>
+        <p:nvGrpSpPr>
+          <p:cNvPr id="16" name="グループ化 15">
+            <a:extLst>
+              <a:ext uri="{FF2B5EF4-FFF2-40B4-BE49-F238E27FC236}">
+                <a16:creationId xmlns:a16="http://schemas.microsoft.com/office/drawing/2014/main" id="{EDBEE426-F3C9-8A44-AFED-43C5A3AC71B2}"/>
+              </a:ext>
+            </a:extLst>
+          </p:cNvPr>
+          <p:cNvGrpSpPr/>
+          <p:nvPr/>
+        </p:nvGrpSpPr>
+        <p:grpSpPr>
+          <a:xfrm>
+            <a:off x="1070043" y="3307404"/>
+            <a:ext cx="317716" cy="2504995"/>
+            <a:chOff x="3239311" y="3297677"/>
+            <a:chExt cx="317716" cy="2504995"/>
+          </a:xfrm>
+        </p:grpSpPr>
+        <p:sp>
+          <p:nvSpPr>
+            <p:cNvPr id="4" name="テキスト ボックス 3">
+              <a:extLst>
+                <a:ext uri="{FF2B5EF4-FFF2-40B4-BE49-F238E27FC236}">
+                  <a16:creationId xmlns:a16="http://schemas.microsoft.com/office/drawing/2014/main" id="{0A682160-92A7-BC44-8050-837B886C6C16}"/>
+                </a:ext>
+              </a:extLst>
+            </p:cNvPr>
+            <p:cNvSpPr txBox="1"/>
+            <p:nvPr/>
+          </p:nvSpPr>
+          <p:spPr>
+            <a:xfrm>
+              <a:off x="3239311" y="3297677"/>
+              <a:ext cx="317716" cy="369332"/>
+            </a:xfrm>
+            <a:prstGeom prst="rect">
+              <a:avLst/>
+            </a:prstGeom>
+            <a:noFill/>
+          </p:spPr>
+          <p:txBody>
+            <a:bodyPr wrap="none" rtlCol="0">
+              <a:spAutoFit/>
+            </a:bodyPr>
+            <a:lstStyle/>
+            <a:p>
+              <a:r>
+                <a:rPr kumimoji="1" lang="en-US" altLang="ja-JP" dirty="0"/>
+                <a:t>A</a:t>
+              </a:r>
+              <a:endParaRPr kumimoji="1" lang="ja-JP" altLang="en-US"/>
+            </a:p>
+          </p:txBody>
+        </p:sp>
+        <p:sp>
+          <p:nvSpPr>
+            <p:cNvPr id="5" name="テキスト ボックス 4">
+              <a:extLst>
+                <a:ext uri="{FF2B5EF4-FFF2-40B4-BE49-F238E27FC236}">
+                  <a16:creationId xmlns:a16="http://schemas.microsoft.com/office/drawing/2014/main" id="{27174FFD-FEC0-BC4B-8488-7C249853C919}"/>
+                </a:ext>
+              </a:extLst>
+            </p:cNvPr>
+            <p:cNvSpPr txBox="1"/>
+            <p:nvPr/>
+          </p:nvSpPr>
+          <p:spPr>
+            <a:xfrm>
+              <a:off x="3239311" y="4007912"/>
+              <a:ext cx="309700" cy="369332"/>
+            </a:xfrm>
+            <a:prstGeom prst="rect">
+              <a:avLst/>
+            </a:prstGeom>
+            <a:noFill/>
+          </p:spPr>
+          <p:txBody>
+            <a:bodyPr wrap="none" rtlCol="0">
+              <a:spAutoFit/>
+            </a:bodyPr>
+            <a:lstStyle/>
+            <a:p>
+              <a:r>
+                <a:rPr lang="en-US" altLang="ja-JP" dirty="0"/>
+                <a:t>B</a:t>
+              </a:r>
+              <a:endParaRPr kumimoji="1" lang="ja-JP" altLang="en-US"/>
+            </a:p>
+          </p:txBody>
+        </p:sp>
+        <p:sp>
+          <p:nvSpPr>
+            <p:cNvPr id="6" name="テキスト ボックス 5">
+              <a:extLst>
+                <a:ext uri="{FF2B5EF4-FFF2-40B4-BE49-F238E27FC236}">
+                  <a16:creationId xmlns:a16="http://schemas.microsoft.com/office/drawing/2014/main" id="{0C467ACE-B36B-C64E-A62D-B0576278F9FD}"/>
+                </a:ext>
+              </a:extLst>
+            </p:cNvPr>
+            <p:cNvSpPr txBox="1"/>
+            <p:nvPr/>
+          </p:nvSpPr>
+          <p:spPr>
+            <a:xfrm>
+              <a:off x="3239311" y="4723105"/>
+              <a:ext cx="308098" cy="369332"/>
+            </a:xfrm>
+            <a:prstGeom prst="rect">
+              <a:avLst/>
+            </a:prstGeom>
+            <a:noFill/>
+          </p:spPr>
+          <p:txBody>
+            <a:bodyPr wrap="none" rtlCol="0">
+              <a:spAutoFit/>
+            </a:bodyPr>
+            <a:lstStyle/>
+            <a:p>
+              <a:r>
+                <a:rPr lang="en-US" altLang="ja-JP" dirty="0"/>
+                <a:t>C</a:t>
+              </a:r>
+              <a:endParaRPr kumimoji="1" lang="ja-JP" altLang="en-US"/>
+            </a:p>
+          </p:txBody>
+        </p:sp>
+        <p:sp>
+          <p:nvSpPr>
+            <p:cNvPr id="7" name="テキスト ボックス 6">
+              <a:extLst>
+                <a:ext uri="{FF2B5EF4-FFF2-40B4-BE49-F238E27FC236}">
+                  <a16:creationId xmlns:a16="http://schemas.microsoft.com/office/drawing/2014/main" id="{A3C1BA10-CD5D-7849-BFAC-0F05AE74EE6D}"/>
+                </a:ext>
+              </a:extLst>
+            </p:cNvPr>
+            <p:cNvSpPr txBox="1"/>
+            <p:nvPr/>
+          </p:nvSpPr>
+          <p:spPr>
+            <a:xfrm>
+              <a:off x="3260952" y="5433340"/>
+              <a:ext cx="264816" cy="369332"/>
+            </a:xfrm>
+            <a:prstGeom prst="rect">
+              <a:avLst/>
+            </a:prstGeom>
+            <a:noFill/>
+          </p:spPr>
+          <p:txBody>
+            <a:bodyPr wrap="none" rtlCol="0">
+              <a:spAutoFit/>
+            </a:bodyPr>
+            <a:lstStyle/>
+            <a:p>
+              <a:r>
+                <a:rPr lang="en-US" altLang="ja-JP" dirty="0"/>
+                <a:t>r</a:t>
+              </a:r>
+              <a:endParaRPr kumimoji="1" lang="ja-JP" altLang="en-US"/>
+            </a:p>
+          </p:txBody>
+        </p:sp>
+        <p:cxnSp>
+          <p:nvCxnSpPr>
+            <p:cNvPr id="9" name="直線コネクタ 8">
+              <a:extLst>
+                <a:ext uri="{FF2B5EF4-FFF2-40B4-BE49-F238E27FC236}">
+                  <a16:creationId xmlns:a16="http://schemas.microsoft.com/office/drawing/2014/main" id="{B7D16F79-DB55-2649-8E66-5E4F0CFE0659}"/>
+                </a:ext>
+              </a:extLst>
+            </p:cNvPr>
+            <p:cNvCxnSpPr>
+              <a:stCxn id="4" idx="2"/>
+              <a:endCxn id="5" idx="0"/>
+            </p:cNvCxnSpPr>
+            <p:nvPr/>
+          </p:nvCxnSpPr>
+          <p:spPr>
+            <a:xfrm flipH="1">
+              <a:off x="3394161" y="3667009"/>
+              <a:ext cx="4008" cy="340903"/>
+            </a:xfrm>
+            <a:prstGeom prst="line">
+              <a:avLst/>
+            </a:prstGeom>
+          </p:spPr>
+          <p:style>
+            <a:lnRef idx="2">
+              <a:schemeClr val="dk1"/>
+            </a:lnRef>
+            <a:fillRef idx="0">
+              <a:schemeClr val="dk1"/>
+            </a:fillRef>
+            <a:effectRef idx="1">
+              <a:schemeClr val="dk1"/>
+            </a:effectRef>
+            <a:fontRef idx="minor">
+              <a:schemeClr val="tx1"/>
+            </a:fontRef>
+          </p:style>
+        </p:cxnSp>
+        <p:cxnSp>
+          <p:nvCxnSpPr>
+            <p:cNvPr id="10" name="直線コネクタ 9">
+              <a:extLst>
+                <a:ext uri="{FF2B5EF4-FFF2-40B4-BE49-F238E27FC236}">
+                  <a16:creationId xmlns:a16="http://schemas.microsoft.com/office/drawing/2014/main" id="{17455BFF-F492-2C4B-89AA-DE0524183ADC}"/>
+                </a:ext>
+              </a:extLst>
+            </p:cNvPr>
+            <p:cNvCxnSpPr>
+              <a:cxnSpLocks/>
+              <a:stCxn id="6" idx="0"/>
+              <a:endCxn id="5" idx="2"/>
+            </p:cNvCxnSpPr>
+            <p:nvPr/>
+          </p:nvCxnSpPr>
+          <p:spPr>
+            <a:xfrm flipV="1">
+              <a:off x="3393360" y="4377244"/>
+              <a:ext cx="801" cy="345861"/>
+            </a:xfrm>
+            <a:prstGeom prst="line">
+              <a:avLst/>
+            </a:prstGeom>
+          </p:spPr>
+          <p:style>
+            <a:lnRef idx="2">
+              <a:schemeClr val="dk1"/>
+            </a:lnRef>
+            <a:fillRef idx="0">
+              <a:schemeClr val="dk1"/>
+            </a:fillRef>
+            <a:effectRef idx="1">
+              <a:schemeClr val="dk1"/>
+            </a:effectRef>
+            <a:fontRef idx="minor">
+              <a:schemeClr val="tx1"/>
+            </a:fontRef>
+          </p:style>
+        </p:cxnSp>
+        <p:cxnSp>
+          <p:nvCxnSpPr>
+            <p:cNvPr id="13" name="直線コネクタ 12">
+              <a:extLst>
+                <a:ext uri="{FF2B5EF4-FFF2-40B4-BE49-F238E27FC236}">
+                  <a16:creationId xmlns:a16="http://schemas.microsoft.com/office/drawing/2014/main" id="{3FACFAFC-0883-6145-9A1E-F0FEF1D09B34}"/>
+                </a:ext>
+              </a:extLst>
+            </p:cNvPr>
+            <p:cNvCxnSpPr>
+              <a:cxnSpLocks/>
+              <a:stCxn id="7" idx="0"/>
+              <a:endCxn id="6" idx="2"/>
+            </p:cNvCxnSpPr>
+            <p:nvPr/>
+          </p:nvCxnSpPr>
+          <p:spPr>
+            <a:xfrm flipV="1">
+              <a:off x="3393360" y="5092437"/>
+              <a:ext cx="0" cy="340903"/>
+            </a:xfrm>
+            <a:prstGeom prst="line">
+              <a:avLst/>
+            </a:prstGeom>
+          </p:spPr>
+          <p:style>
+            <a:lnRef idx="2">
+              <a:schemeClr val="dk1"/>
+            </a:lnRef>
+            <a:fillRef idx="0">
+              <a:schemeClr val="dk1"/>
+            </a:fillRef>
+            <a:effectRef idx="1">
+              <a:schemeClr val="dk1"/>
+            </a:effectRef>
+            <a:fontRef idx="minor">
+              <a:schemeClr val="tx1"/>
+            </a:fontRef>
+          </p:style>
+        </p:cxnSp>
+      </p:grpSp>
+      <p:grpSp>
+        <p:nvGrpSpPr>
+          <p:cNvPr id="18" name="グループ化 17">
+            <a:extLst>
+              <a:ext uri="{FF2B5EF4-FFF2-40B4-BE49-F238E27FC236}">
+                <a16:creationId xmlns:a16="http://schemas.microsoft.com/office/drawing/2014/main" id="{14183C12-4A1C-4344-BB05-EB3334A7DFA3}"/>
+              </a:ext>
+            </a:extLst>
+          </p:cNvPr>
+          <p:cNvGrpSpPr/>
+          <p:nvPr/>
+        </p:nvGrpSpPr>
+        <p:grpSpPr>
+          <a:xfrm>
+            <a:off x="3440349" y="3307404"/>
+            <a:ext cx="317716" cy="1794760"/>
+            <a:chOff x="3239311" y="3297677"/>
+            <a:chExt cx="317716" cy="1794760"/>
+          </a:xfrm>
+        </p:grpSpPr>
+        <p:sp>
+          <p:nvSpPr>
+            <p:cNvPr id="19" name="テキスト ボックス 18">
+              <a:extLst>
+                <a:ext uri="{FF2B5EF4-FFF2-40B4-BE49-F238E27FC236}">
+                  <a16:creationId xmlns:a16="http://schemas.microsoft.com/office/drawing/2014/main" id="{57A6041B-5C60-894E-84F5-8283D209FDF1}"/>
+                </a:ext>
+              </a:extLst>
+            </p:cNvPr>
+            <p:cNvSpPr txBox="1"/>
+            <p:nvPr/>
+          </p:nvSpPr>
+          <p:spPr>
+            <a:xfrm>
+              <a:off x="3239311" y="3297677"/>
+              <a:ext cx="317716" cy="369332"/>
+            </a:xfrm>
+            <a:prstGeom prst="rect">
+              <a:avLst/>
+            </a:prstGeom>
+            <a:noFill/>
+          </p:spPr>
+          <p:txBody>
+            <a:bodyPr wrap="none" rtlCol="0">
+              <a:spAutoFit/>
+            </a:bodyPr>
+            <a:lstStyle/>
+            <a:p>
+              <a:r>
+                <a:rPr kumimoji="1" lang="en-US" altLang="ja-JP" dirty="0"/>
+                <a:t>A</a:t>
+              </a:r>
+              <a:endParaRPr kumimoji="1" lang="ja-JP" altLang="en-US"/>
+            </a:p>
+          </p:txBody>
+        </p:sp>
+        <p:sp>
+          <p:nvSpPr>
+            <p:cNvPr id="20" name="テキスト ボックス 19">
+              <a:extLst>
+                <a:ext uri="{FF2B5EF4-FFF2-40B4-BE49-F238E27FC236}">
+                  <a16:creationId xmlns:a16="http://schemas.microsoft.com/office/drawing/2014/main" id="{4BE2BE35-FA57-0F42-937B-9E611F426BC7}"/>
+                </a:ext>
+              </a:extLst>
+            </p:cNvPr>
+            <p:cNvSpPr txBox="1"/>
+            <p:nvPr/>
+          </p:nvSpPr>
+          <p:spPr>
+            <a:xfrm>
+              <a:off x="3239311" y="4007912"/>
+              <a:ext cx="309700" cy="369332"/>
+            </a:xfrm>
+            <a:prstGeom prst="rect">
+              <a:avLst/>
+            </a:prstGeom>
+            <a:noFill/>
+          </p:spPr>
+          <p:txBody>
+            <a:bodyPr wrap="none" rtlCol="0">
+              <a:spAutoFit/>
+            </a:bodyPr>
+            <a:lstStyle/>
+            <a:p>
+              <a:r>
+                <a:rPr lang="en-US" altLang="ja-JP" dirty="0"/>
+                <a:t>B</a:t>
+              </a:r>
+              <a:endParaRPr kumimoji="1" lang="ja-JP" altLang="en-US"/>
+            </a:p>
+          </p:txBody>
+        </p:sp>
+        <p:sp>
+          <p:nvSpPr>
+            <p:cNvPr id="21" name="テキスト ボックス 20">
+              <a:extLst>
+                <a:ext uri="{FF2B5EF4-FFF2-40B4-BE49-F238E27FC236}">
+                  <a16:creationId xmlns:a16="http://schemas.microsoft.com/office/drawing/2014/main" id="{42D9EA3A-C702-3F41-B7AD-8F74AE23F3A2}"/>
+                </a:ext>
+              </a:extLst>
+            </p:cNvPr>
+            <p:cNvSpPr txBox="1"/>
+            <p:nvPr/>
+          </p:nvSpPr>
+          <p:spPr>
+            <a:xfrm>
+              <a:off x="3256944" y="4723105"/>
+              <a:ext cx="274434" cy="369332"/>
+            </a:xfrm>
+            <a:prstGeom prst="rect">
+              <a:avLst/>
+            </a:prstGeom>
+            <a:noFill/>
+          </p:spPr>
+          <p:txBody>
+            <a:bodyPr wrap="none" rtlCol="0">
+              <a:spAutoFit/>
+            </a:bodyPr>
+            <a:lstStyle/>
+            <a:p>
+              <a:r>
+                <a:rPr kumimoji="1" lang="en-US" altLang="ja-JP" dirty="0"/>
+                <a:t>s</a:t>
+              </a:r>
+              <a:endParaRPr kumimoji="1" lang="ja-JP" altLang="en-US"/>
+            </a:p>
+          </p:txBody>
+        </p:sp>
+        <p:cxnSp>
+          <p:nvCxnSpPr>
+            <p:cNvPr id="23" name="直線コネクタ 22">
+              <a:extLst>
+                <a:ext uri="{FF2B5EF4-FFF2-40B4-BE49-F238E27FC236}">
+                  <a16:creationId xmlns:a16="http://schemas.microsoft.com/office/drawing/2014/main" id="{ABF2DF8C-78ED-FF40-A887-98EE8B2CCF74}"/>
+                </a:ext>
+              </a:extLst>
+            </p:cNvPr>
+            <p:cNvCxnSpPr>
+              <a:stCxn id="19" idx="2"/>
+              <a:endCxn id="20" idx="0"/>
+            </p:cNvCxnSpPr>
+            <p:nvPr/>
+          </p:nvCxnSpPr>
+          <p:spPr>
+            <a:xfrm flipH="1">
+              <a:off x="3394161" y="3667009"/>
+              <a:ext cx="4008" cy="340903"/>
+            </a:xfrm>
+            <a:prstGeom prst="line">
+              <a:avLst/>
+            </a:prstGeom>
+          </p:spPr>
+          <p:style>
+            <a:lnRef idx="2">
+              <a:schemeClr val="dk1"/>
+            </a:lnRef>
+            <a:fillRef idx="0">
+              <a:schemeClr val="dk1"/>
+            </a:fillRef>
+            <a:effectRef idx="1">
+              <a:schemeClr val="dk1"/>
+            </a:effectRef>
+            <a:fontRef idx="minor">
+              <a:schemeClr val="tx1"/>
+            </a:fontRef>
+          </p:style>
+        </p:cxnSp>
+        <p:cxnSp>
+          <p:nvCxnSpPr>
+            <p:cNvPr id="24" name="直線コネクタ 23">
+              <a:extLst>
+                <a:ext uri="{FF2B5EF4-FFF2-40B4-BE49-F238E27FC236}">
+                  <a16:creationId xmlns:a16="http://schemas.microsoft.com/office/drawing/2014/main" id="{4EB715FC-1E04-204E-A5DA-A7AFF5D1143B}"/>
+                </a:ext>
+              </a:extLst>
+            </p:cNvPr>
+            <p:cNvCxnSpPr>
+              <a:cxnSpLocks/>
+              <a:stCxn id="21" idx="0"/>
+              <a:endCxn id="20" idx="2"/>
+            </p:cNvCxnSpPr>
+            <p:nvPr/>
+          </p:nvCxnSpPr>
+          <p:spPr>
+            <a:xfrm flipV="1">
+              <a:off x="3394161" y="4377244"/>
+              <a:ext cx="0" cy="345861"/>
+            </a:xfrm>
+            <a:prstGeom prst="line">
+              <a:avLst/>
+            </a:prstGeom>
+          </p:spPr>
+          <p:style>
+            <a:lnRef idx="2">
+              <a:schemeClr val="dk1"/>
+            </a:lnRef>
+            <a:fillRef idx="0">
+              <a:schemeClr val="dk1"/>
+            </a:fillRef>
+            <a:effectRef idx="1">
+              <a:schemeClr val="dk1"/>
+            </a:effectRef>
+            <a:fontRef idx="minor">
+              <a:schemeClr val="tx1"/>
+            </a:fontRef>
+          </p:style>
+        </p:cxnSp>
+      </p:grpSp>
+      <p:sp>
+        <p:nvSpPr>
+          <p:cNvPr id="27" name="加算記号 26">
+            <a:extLst>
+              <a:ext uri="{FF2B5EF4-FFF2-40B4-BE49-F238E27FC236}">
+                <a16:creationId xmlns:a16="http://schemas.microsoft.com/office/drawing/2014/main" id="{C758E39B-7291-824F-B822-88C2932A5618}"/>
+              </a:ext>
+            </a:extLst>
+          </p:cNvPr>
+          <p:cNvSpPr/>
+          <p:nvPr/>
+        </p:nvSpPr>
+        <p:spPr>
+          <a:xfrm>
+            <a:off x="1971974" y="4017639"/>
+            <a:ext cx="717286" cy="715193"/>
+          </a:xfrm>
+          <a:prstGeom prst="mathPlus">
+            <a:avLst>
+              <a:gd name="adj1" fmla="val 9919"/>
+            </a:avLst>
+          </a:prstGeom>
+        </p:spPr>
+        <p:style>
+          <a:lnRef idx="2">
+            <a:schemeClr val="dk1">
+              <a:shade val="50000"/>
+            </a:schemeClr>
+          </a:lnRef>
+          <a:fillRef idx="1">
+            <a:schemeClr val="dk1"/>
+          </a:fillRef>
+          <a:effectRef idx="0">
+            <a:schemeClr val="dk1"/>
+          </a:effectRef>
+          <a:fontRef idx="minor">
+            <a:schemeClr val="lt1"/>
+          </a:fontRef>
+        </p:style>
+        <p:txBody>
+          <a:bodyPr rtlCol="0" anchor="ctr"/>
+          <a:lstStyle/>
+          <a:p>
+            <a:pPr algn="ctr"/>
+            <a:endParaRPr kumimoji="1" lang="ja-JP" altLang="en-US"/>
+          </a:p>
+        </p:txBody>
+      </p:sp>
+      <p:sp>
+        <p:nvSpPr>
+          <p:cNvPr id="28" name="等号 27">
+            <a:extLst>
+              <a:ext uri="{FF2B5EF4-FFF2-40B4-BE49-F238E27FC236}">
+                <a16:creationId xmlns:a16="http://schemas.microsoft.com/office/drawing/2014/main" id="{D8BA18B0-969E-124C-94BF-F39D282CC133}"/>
+              </a:ext>
+            </a:extLst>
+          </p:cNvPr>
+          <p:cNvSpPr/>
+          <p:nvPr/>
+        </p:nvSpPr>
+        <p:spPr>
+          <a:xfrm>
+            <a:off x="4380335" y="3971595"/>
+            <a:ext cx="700391" cy="807280"/>
+          </a:xfrm>
+          <a:prstGeom prst="mathEqual">
+            <a:avLst>
+              <a:gd name="adj1" fmla="val 7896"/>
+              <a:gd name="adj2" fmla="val 11760"/>
+            </a:avLst>
+          </a:prstGeom>
+        </p:spPr>
+        <p:style>
+          <a:lnRef idx="2">
+            <a:schemeClr val="dk1">
+              <a:shade val="50000"/>
+            </a:schemeClr>
+          </a:lnRef>
+          <a:fillRef idx="1">
+            <a:schemeClr val="dk1"/>
+          </a:fillRef>
+          <a:effectRef idx="0">
+            <a:schemeClr val="dk1"/>
+          </a:effectRef>
+          <a:fontRef idx="minor">
+            <a:schemeClr val="lt1"/>
+          </a:fontRef>
+        </p:style>
+        <p:txBody>
+          <a:bodyPr rtlCol="0" anchor="ctr"/>
+          <a:lstStyle/>
+          <a:p>
+            <a:pPr algn="ctr"/>
+            <a:endParaRPr kumimoji="1" lang="ja-JP" altLang="en-US">
+              <a:solidFill>
+                <a:schemeClr val="tx1"/>
+              </a:solidFill>
+            </a:endParaRPr>
+          </a:p>
+        </p:txBody>
+      </p:sp>
+      <p:grpSp>
+        <p:nvGrpSpPr>
+          <p:cNvPr id="29" name="グループ化 28">
+            <a:extLst>
+              <a:ext uri="{FF2B5EF4-FFF2-40B4-BE49-F238E27FC236}">
+                <a16:creationId xmlns:a16="http://schemas.microsoft.com/office/drawing/2014/main" id="{58ED46DD-5540-D04A-A05C-86FDBBD6E67E}"/>
+              </a:ext>
+            </a:extLst>
+          </p:cNvPr>
+          <p:cNvGrpSpPr/>
+          <p:nvPr/>
+        </p:nvGrpSpPr>
+        <p:grpSpPr>
+          <a:xfrm>
+            <a:off x="5996241" y="3326859"/>
+            <a:ext cx="637812" cy="2504995"/>
+            <a:chOff x="2919215" y="3297677"/>
+            <a:chExt cx="637812" cy="2504995"/>
+          </a:xfrm>
+        </p:grpSpPr>
+        <p:sp>
+          <p:nvSpPr>
+            <p:cNvPr id="30" name="テキスト ボックス 29">
+              <a:extLst>
+                <a:ext uri="{FF2B5EF4-FFF2-40B4-BE49-F238E27FC236}">
+                  <a16:creationId xmlns:a16="http://schemas.microsoft.com/office/drawing/2014/main" id="{0CE8339E-F984-0743-A74F-A0D7298ADE4C}"/>
+                </a:ext>
+              </a:extLst>
+            </p:cNvPr>
+            <p:cNvSpPr txBox="1"/>
+            <p:nvPr/>
+          </p:nvSpPr>
+          <p:spPr>
+            <a:xfrm>
+              <a:off x="3239311" y="3297677"/>
+              <a:ext cx="317716" cy="369332"/>
+            </a:xfrm>
+            <a:prstGeom prst="rect">
+              <a:avLst/>
+            </a:prstGeom>
+            <a:noFill/>
+          </p:spPr>
+          <p:txBody>
+            <a:bodyPr wrap="none" rtlCol="0">
+              <a:spAutoFit/>
+            </a:bodyPr>
+            <a:lstStyle/>
+            <a:p>
+              <a:r>
+                <a:rPr kumimoji="1" lang="en-US" altLang="ja-JP" dirty="0"/>
+                <a:t>A</a:t>
+              </a:r>
+              <a:endParaRPr kumimoji="1" lang="ja-JP" altLang="en-US"/>
+            </a:p>
+          </p:txBody>
+        </p:sp>
+        <p:sp>
+          <p:nvSpPr>
+            <p:cNvPr id="31" name="テキスト ボックス 30">
+              <a:extLst>
+                <a:ext uri="{FF2B5EF4-FFF2-40B4-BE49-F238E27FC236}">
+                  <a16:creationId xmlns:a16="http://schemas.microsoft.com/office/drawing/2014/main" id="{0DE15CE7-91AA-0B45-B9FB-6987E2BA7CBD}"/>
+                </a:ext>
+              </a:extLst>
+            </p:cNvPr>
+            <p:cNvSpPr txBox="1"/>
+            <p:nvPr/>
+          </p:nvSpPr>
+          <p:spPr>
+            <a:xfrm>
+              <a:off x="3239311" y="4007912"/>
+              <a:ext cx="309700" cy="369332"/>
+            </a:xfrm>
+            <a:prstGeom prst="rect">
+              <a:avLst/>
+            </a:prstGeom>
+            <a:noFill/>
+          </p:spPr>
+          <p:txBody>
+            <a:bodyPr wrap="none" rtlCol="0">
+              <a:spAutoFit/>
+            </a:bodyPr>
+            <a:lstStyle/>
+            <a:p>
+              <a:r>
+                <a:rPr lang="en-US" altLang="ja-JP" dirty="0"/>
+                <a:t>B</a:t>
+              </a:r>
+              <a:endParaRPr kumimoji="1" lang="ja-JP" altLang="en-US"/>
+            </a:p>
+          </p:txBody>
+        </p:sp>
+        <p:sp>
+          <p:nvSpPr>
+            <p:cNvPr id="32" name="テキスト ボックス 31">
+              <a:extLst>
+                <a:ext uri="{FF2B5EF4-FFF2-40B4-BE49-F238E27FC236}">
+                  <a16:creationId xmlns:a16="http://schemas.microsoft.com/office/drawing/2014/main" id="{2F77D94B-8A29-734E-87CA-5DF2156D0A23}"/>
+                </a:ext>
+              </a:extLst>
+            </p:cNvPr>
+            <p:cNvSpPr txBox="1"/>
+            <p:nvPr/>
+          </p:nvSpPr>
+          <p:spPr>
+            <a:xfrm>
+              <a:off x="2919215" y="4723105"/>
+              <a:ext cx="308098" cy="369332"/>
+            </a:xfrm>
+            <a:prstGeom prst="rect">
+              <a:avLst/>
+            </a:prstGeom>
+            <a:noFill/>
+          </p:spPr>
+          <p:txBody>
+            <a:bodyPr wrap="none" rtlCol="0">
+              <a:spAutoFit/>
+            </a:bodyPr>
+            <a:lstStyle/>
+            <a:p>
+              <a:r>
+                <a:rPr lang="en-US" altLang="ja-JP" dirty="0"/>
+                <a:t>C</a:t>
+              </a:r>
+              <a:endParaRPr kumimoji="1" lang="ja-JP" altLang="en-US"/>
+            </a:p>
+          </p:txBody>
+        </p:sp>
+        <p:sp>
+          <p:nvSpPr>
+            <p:cNvPr id="33" name="テキスト ボックス 32">
+              <a:extLst>
+                <a:ext uri="{FF2B5EF4-FFF2-40B4-BE49-F238E27FC236}">
+                  <a16:creationId xmlns:a16="http://schemas.microsoft.com/office/drawing/2014/main" id="{3C815F7B-F8C3-7A49-87BA-4C36D4E7570B}"/>
+                </a:ext>
+              </a:extLst>
+            </p:cNvPr>
+            <p:cNvSpPr txBox="1"/>
+            <p:nvPr/>
+          </p:nvSpPr>
+          <p:spPr>
+            <a:xfrm>
+              <a:off x="2940856" y="5433340"/>
+              <a:ext cx="264816" cy="369332"/>
+            </a:xfrm>
+            <a:prstGeom prst="rect">
+              <a:avLst/>
+            </a:prstGeom>
+            <a:noFill/>
+          </p:spPr>
+          <p:txBody>
+            <a:bodyPr wrap="none" rtlCol="0">
+              <a:spAutoFit/>
+            </a:bodyPr>
+            <a:lstStyle/>
+            <a:p>
+              <a:r>
+                <a:rPr lang="en-US" altLang="ja-JP" dirty="0"/>
+                <a:t>r</a:t>
+              </a:r>
+              <a:endParaRPr kumimoji="1" lang="ja-JP" altLang="en-US"/>
+            </a:p>
+          </p:txBody>
+        </p:sp>
+        <p:cxnSp>
+          <p:nvCxnSpPr>
+            <p:cNvPr id="34" name="直線コネクタ 33">
+              <a:extLst>
+                <a:ext uri="{FF2B5EF4-FFF2-40B4-BE49-F238E27FC236}">
+                  <a16:creationId xmlns:a16="http://schemas.microsoft.com/office/drawing/2014/main" id="{5BB6F448-8C92-0B48-B349-A31C256FADA1}"/>
+                </a:ext>
+              </a:extLst>
+            </p:cNvPr>
+            <p:cNvCxnSpPr>
+              <a:stCxn id="30" idx="2"/>
+              <a:endCxn id="31" idx="0"/>
+            </p:cNvCxnSpPr>
+            <p:nvPr/>
+          </p:nvCxnSpPr>
+          <p:spPr>
+            <a:xfrm flipH="1">
+              <a:off x="3394161" y="3667009"/>
+              <a:ext cx="4008" cy="340903"/>
+            </a:xfrm>
+            <a:prstGeom prst="line">
+              <a:avLst/>
+            </a:prstGeom>
+          </p:spPr>
+          <p:style>
+            <a:lnRef idx="2">
+              <a:schemeClr val="dk1"/>
+            </a:lnRef>
+            <a:fillRef idx="0">
+              <a:schemeClr val="dk1"/>
+            </a:fillRef>
+            <a:effectRef idx="1">
+              <a:schemeClr val="dk1"/>
+            </a:effectRef>
+            <a:fontRef idx="minor">
+              <a:schemeClr val="tx1"/>
+            </a:fontRef>
+          </p:style>
+        </p:cxnSp>
+        <p:cxnSp>
+          <p:nvCxnSpPr>
+            <p:cNvPr id="35" name="直線コネクタ 34">
+              <a:extLst>
+                <a:ext uri="{FF2B5EF4-FFF2-40B4-BE49-F238E27FC236}">
+                  <a16:creationId xmlns:a16="http://schemas.microsoft.com/office/drawing/2014/main" id="{8880B00F-346E-0547-ABC9-AE48924AFF93}"/>
+                </a:ext>
+              </a:extLst>
+            </p:cNvPr>
+            <p:cNvCxnSpPr>
+              <a:cxnSpLocks/>
+              <a:stCxn id="32" idx="0"/>
+              <a:endCxn id="31" idx="2"/>
+            </p:cNvCxnSpPr>
+            <p:nvPr/>
+          </p:nvCxnSpPr>
+          <p:spPr>
+            <a:xfrm flipV="1">
+              <a:off x="3073264" y="4377244"/>
+              <a:ext cx="320897" cy="345861"/>
+            </a:xfrm>
+            <a:prstGeom prst="line">
+              <a:avLst/>
+            </a:prstGeom>
+          </p:spPr>
+          <p:style>
+            <a:lnRef idx="2">
+              <a:schemeClr val="dk1"/>
+            </a:lnRef>
+            <a:fillRef idx="0">
+              <a:schemeClr val="dk1"/>
+            </a:fillRef>
+            <a:effectRef idx="1">
+              <a:schemeClr val="dk1"/>
+            </a:effectRef>
+            <a:fontRef idx="minor">
+              <a:schemeClr val="tx1"/>
+            </a:fontRef>
+          </p:style>
+        </p:cxnSp>
+        <p:cxnSp>
+          <p:nvCxnSpPr>
+            <p:cNvPr id="36" name="直線コネクタ 35">
+              <a:extLst>
+                <a:ext uri="{FF2B5EF4-FFF2-40B4-BE49-F238E27FC236}">
+                  <a16:creationId xmlns:a16="http://schemas.microsoft.com/office/drawing/2014/main" id="{6B5245EF-C3CC-8744-AB84-C9CCF502AFD1}"/>
+                </a:ext>
+              </a:extLst>
+            </p:cNvPr>
+            <p:cNvCxnSpPr>
+              <a:cxnSpLocks/>
+              <a:stCxn id="33" idx="0"/>
+              <a:endCxn id="32" idx="2"/>
+            </p:cNvCxnSpPr>
+            <p:nvPr/>
+          </p:nvCxnSpPr>
+          <p:spPr>
+            <a:xfrm flipV="1">
+              <a:off x="3073264" y="5092437"/>
+              <a:ext cx="0" cy="340903"/>
+            </a:xfrm>
+            <a:prstGeom prst="line">
+              <a:avLst/>
+            </a:prstGeom>
+          </p:spPr>
+          <p:style>
+            <a:lnRef idx="2">
+              <a:schemeClr val="dk1"/>
+            </a:lnRef>
+            <a:fillRef idx="0">
+              <a:schemeClr val="dk1"/>
+            </a:fillRef>
+            <a:effectRef idx="1">
+              <a:schemeClr val="dk1"/>
+            </a:effectRef>
+            <a:fontRef idx="minor">
+              <a:schemeClr val="tx1"/>
+            </a:fontRef>
+          </p:style>
+        </p:cxnSp>
+      </p:grpSp>
+      <p:sp>
+        <p:nvSpPr>
+          <p:cNvPr id="40" name="テキスト ボックス 39">
+            <a:extLst>
+              <a:ext uri="{FF2B5EF4-FFF2-40B4-BE49-F238E27FC236}">
+                <a16:creationId xmlns:a16="http://schemas.microsoft.com/office/drawing/2014/main" id="{6E6E3DEE-E279-AA49-A7DB-7B0D1EFB5B95}"/>
+              </a:ext>
+            </a:extLst>
+          </p:cNvPr>
+          <p:cNvSpPr txBox="1"/>
+          <p:nvPr/>
+        </p:nvSpPr>
+        <p:spPr>
+          <a:xfrm>
+            <a:off x="6634053" y="4751911"/>
+            <a:ext cx="274434" cy="369332"/>
+          </a:xfrm>
+          <a:prstGeom prst="rect">
+            <a:avLst/>
+          </a:prstGeom>
+          <a:noFill/>
+        </p:spPr>
+        <p:txBody>
+          <a:bodyPr wrap="none" rtlCol="0">
+            <a:spAutoFit/>
+          </a:bodyPr>
+          <a:lstStyle/>
+          <a:p>
+            <a:r>
+              <a:rPr kumimoji="1" lang="en-US" altLang="ja-JP" dirty="0"/>
+              <a:t>s</a:t>
+            </a:r>
+            <a:endParaRPr kumimoji="1" lang="ja-JP" altLang="en-US"/>
+          </a:p>
+        </p:txBody>
+      </p:sp>
+      <p:cxnSp>
+        <p:nvCxnSpPr>
+          <p:cNvPr id="41" name="直線コネクタ 40">
+            <a:extLst>
+              <a:ext uri="{FF2B5EF4-FFF2-40B4-BE49-F238E27FC236}">
+                <a16:creationId xmlns:a16="http://schemas.microsoft.com/office/drawing/2014/main" id="{213BB994-4F59-B54F-994F-F1039F66FDB5}"/>
+              </a:ext>
+            </a:extLst>
+          </p:cNvPr>
+          <p:cNvCxnSpPr>
+            <a:cxnSpLocks/>
+            <a:stCxn id="40" idx="0"/>
+            <a:endCxn id="31" idx="2"/>
+          </p:cNvCxnSpPr>
+          <p:nvPr/>
+        </p:nvCxnSpPr>
+        <p:spPr>
+          <a:xfrm flipH="1" flipV="1">
+            <a:off x="6471187" y="4406426"/>
+            <a:ext cx="300083" cy="345485"/>
+          </a:xfrm>
+          <a:prstGeom prst="line">
+            <a:avLst/>
+          </a:prstGeom>
+        </p:spPr>
+        <p:style>
+          <a:lnRef idx="2">
+            <a:schemeClr val="dk1"/>
+          </a:lnRef>
+          <a:fillRef idx="0">
+            <a:schemeClr val="dk1"/>
+          </a:fillRef>
+          <a:effectRef idx="1">
+            <a:schemeClr val="dk1"/>
+          </a:effectRef>
+          <a:fontRef idx="minor">
+            <a:schemeClr val="tx1"/>
+          </a:fontRef>
+        </p:style>
+      </p:cxnSp>
+    </p:spTree>
+    <p:extLst>
+      <p:ext uri="{BB962C8B-B14F-4D97-AF65-F5344CB8AC3E}">
+        <p14:creationId xmlns:p14="http://schemas.microsoft.com/office/powerpoint/2010/main" val="3339672566"/>
+      </p:ext>
+    </p:extLst>
+  </p:cSld>
+  <p:clrMapOvr>
+    <a:masterClrMapping/>
+  </p:clrMapOvr>
+</p:sld>
+</file>
+
+<file path=ppt/slides/slide7.xml><?xml version="1.0" encoding="utf-8"?>
+<p:sld xmlns:a="http://schemas.openxmlformats.org/drawingml/2006/main" xmlns:r="http://schemas.openxmlformats.org/officeDocument/2006/relationships" xmlns:p="http://schemas.openxmlformats.org/presentationml/2006/main">
+  <p:cSld>
+    <p:spTree>
+      <p:nvGrpSpPr>
+        <p:cNvPr id="1" name=""/>
+        <p:cNvGrpSpPr/>
+        <p:nvPr/>
+      </p:nvGrpSpPr>
+      <p:grpSpPr>
+        <a:xfrm>
+          <a:off x="0" y="0"/>
+          <a:ext cx="0" cy="0"/>
+          <a:chOff x="0" y="0"/>
+          <a:chExt cx="0" cy="0"/>
+        </a:xfrm>
+      </p:grpSpPr>
+      <p:sp>
+        <p:nvSpPr>
+          <p:cNvPr id="2" name="タイトル 1">
+            <a:extLst>
+              <a:ext uri="{FF2B5EF4-FFF2-40B4-BE49-F238E27FC236}">
+                <a16:creationId xmlns:a16="http://schemas.microsoft.com/office/drawing/2014/main" id="{07BE5DFE-CAFE-C04A-91D7-57B0D2B4A3E3}"/>
+              </a:ext>
+            </a:extLst>
+          </p:cNvPr>
+          <p:cNvSpPr>
+            <a:spLocks noGrp="1"/>
+          </p:cNvSpPr>
+          <p:nvPr>
+            <p:ph type="title"/>
+          </p:nvPr>
+        </p:nvSpPr>
+        <p:spPr/>
+        <p:txBody>
+          <a:bodyPr/>
+          <a:lstStyle/>
+          <a:p>
+            <a:r>
+              <a:rPr kumimoji="1" lang="en-US" altLang="ja-JP" dirty="0"/>
+              <a:t>self</a:t>
+            </a:r>
+            <a:r>
+              <a:rPr kumimoji="1" lang="ja-JP" altLang="en-US"/>
+              <a:t>軸によるチェック</a:t>
+            </a:r>
+            <a:r>
+              <a:rPr kumimoji="1" lang="en-US" altLang="ja-JP" dirty="0"/>
+              <a:t> </a:t>
+            </a:r>
+            <a:r>
+              <a:rPr kumimoji="1" lang="ja-JP" altLang="en-US"/>
+              <a:t>その</a:t>
+            </a:r>
+            <a:r>
+              <a:rPr kumimoji="1" lang="en-US" altLang="ja-JP" dirty="0"/>
+              <a:t>3</a:t>
+            </a:r>
+            <a:endParaRPr kumimoji="1" lang="ja-JP" altLang="en-US"/>
+          </a:p>
+        </p:txBody>
+      </p:sp>
+      <mc:AlternateContent xmlns:mc="http://schemas.openxmlformats.org/markup-compatibility/2006">
+        <mc:Choice xmlns:a14="http://schemas.microsoft.com/office/drawing/2010/main" Requires="a14">
+          <p:sp>
+            <p:nvSpPr>
+              <p:cNvPr id="3" name="コンテンツ プレースホルダー 2">
+                <a:extLst>
+                  <a:ext uri="{FF2B5EF4-FFF2-40B4-BE49-F238E27FC236}">
+                    <a16:creationId xmlns:a16="http://schemas.microsoft.com/office/drawing/2014/main" id="{98AD85BC-0EB9-0F40-932A-CC81989C882A}"/>
+                  </a:ext>
+                </a:extLst>
+              </p:cNvPr>
+              <p:cNvSpPr>
+                <a:spLocks noGrp="1"/>
+              </p:cNvSpPr>
+              <p:nvPr>
+                <p:ph idx="1"/>
+              </p:nvPr>
+            </p:nvSpPr>
+            <p:spPr/>
+            <p:txBody>
+              <a:bodyPr/>
+              <a:lstStyle/>
+              <a:p>
+                <a14:m>
+                  <m:oMath xmlns:m="http://schemas.openxmlformats.org/officeDocument/2006/math">
+                    <m:r>
+                      <a:rPr lang="en-US" altLang="ja-JP" b="0">
+                        <a:latin typeface="Cambria Math" panose="02040503050406030204" pitchFamily="18" charset="0"/>
+                      </a:rPr>
+                      <m:t>(</m:t>
+                    </m:r>
+                    <m:r>
+                      <m:rPr>
+                        <m:nor/>
+                      </m:rPr>
+                      <a:rPr lang="en-US" altLang="ja-JP" b="0">
+                        <a:latin typeface="Cambria Math" panose="02040503050406030204" pitchFamily="18" charset="0"/>
+                      </a:rPr>
+                      <m:t>//</m:t>
+                    </m:r>
+                    <m:r>
+                      <m:rPr>
+                        <m:nor/>
+                      </m:rPr>
+                      <a:rPr lang="en-US" altLang="ja-JP" b="0">
+                        <a:latin typeface="Cambria Math" panose="02040503050406030204" pitchFamily="18" charset="0"/>
+                      </a:rPr>
+                      <m:t>source</m:t>
+                    </m:r>
+                    <m:r>
+                      <m:rPr>
+                        <m:nor/>
+                      </m:rPr>
+                      <a:rPr lang="en-US" altLang="ja-JP" b="0">
+                        <a:latin typeface="Cambria Math" panose="02040503050406030204" pitchFamily="18" charset="0"/>
+                      </a:rPr>
+                      <m:t>, //</m:t>
+                    </m:r>
+                    <m:r>
+                      <m:rPr>
+                        <m:nor/>
+                      </m:rPr>
+                      <a:rPr lang="en-US" altLang="ja-JP" b="0">
+                        <a:latin typeface="Cambria Math" panose="02040503050406030204" pitchFamily="18" charset="0"/>
+                      </a:rPr>
+                      <m:t>reference</m:t>
+                    </m:r>
+                    <m:r>
+                      <m:rPr>
+                        <m:nor/>
+                      </m:rPr>
+                      <a:rPr lang="en-US" altLang="ja-JP" b="0">
+                        <a:latin typeface="Cambria Math" panose="02040503050406030204" pitchFamily="18" charset="0"/>
+                      </a:rPr>
+                      <m:t>)/</m:t>
+                    </m:r>
+                    <m:r>
+                      <m:rPr>
+                        <m:nor/>
+                      </m:rPr>
+                      <a:rPr lang="en-US" altLang="ja-JP" b="0">
+                        <a:latin typeface="Cambria Math" panose="02040503050406030204" pitchFamily="18" charset="0"/>
+                      </a:rPr>
+                      <m:t>self</m:t>
+                    </m:r>
+                    <m:r>
+                      <m:rPr>
+                        <m:nor/>
+                      </m:rPr>
+                      <a:rPr lang="en-US" altLang="ja-JP" b="0">
+                        <a:latin typeface="Cambria Math" panose="02040503050406030204" pitchFamily="18" charset="0"/>
+                      </a:rPr>
+                      <m:t>::∗</m:t>
+                    </m:r>
+                  </m:oMath>
+                </a14:m>
+                <a:endParaRPr lang="en-US" altLang="ja-JP" dirty="0"/>
+              </a:p>
+              <a:p>
+                <a:pPr lvl="1"/>
+                <a:r>
+                  <a:rPr lang="ja-JP" altLang="en-US"/>
+                  <a:t>重複処理と文書順</a:t>
+                </a:r>
+                <a:endParaRPr lang="en-US" altLang="ja-JP" dirty="0"/>
+              </a:p>
+              <a:p>
+                <a:pPr lvl="1"/>
+                <a:r>
+                  <a:rPr lang="ja-JP" altLang="en-US"/>
+                  <a:t>重複処理は正常に完了</a:t>
+                </a:r>
+                <a:endParaRPr lang="en-US" altLang="ja-JP" dirty="0"/>
+              </a:p>
+              <a:p>
+                <a:pPr lvl="1"/>
+                <a:r>
+                  <a:rPr lang="ja-JP" altLang="en-US"/>
+                  <a:t>文書順はできていない</a:t>
+                </a:r>
+              </a:p>
+            </p:txBody>
+          </p:sp>
+        </mc:Choice>
+        <mc:Fallback>
+          <p:sp>
+            <p:nvSpPr>
+              <p:cNvPr id="3" name="コンテンツ プレースホルダー 2">
+                <a:extLst>
+                  <a:ext uri="{FF2B5EF4-FFF2-40B4-BE49-F238E27FC236}">
+                    <a16:creationId xmlns:a16="http://schemas.microsoft.com/office/drawing/2014/main" id="{98AD85BC-0EB9-0F40-932A-CC81989C882A}"/>
+                  </a:ext>
+                </a:extLst>
+              </p:cNvPr>
+              <p:cNvSpPr>
+                <a:spLocks noGrp="1" noRot="1" noChangeAspect="1" noMove="1" noResize="1" noEditPoints="1" noAdjustHandles="1" noChangeArrowheads="1" noChangeShapeType="1" noTextEdit="1"/>
+              </p:cNvSpPr>
+              <p:nvPr>
+                <p:ph idx="1"/>
+              </p:nvPr>
+            </p:nvSpPr>
+            <p:spPr>
+              <a:blipFill>
+                <a:blip r:embed="rId2"/>
+                <a:stretch>
+                  <a:fillRect l="-2090" t="-3562"/>
+                </a:stretch>
+              </a:blipFill>
+            </p:spPr>
+            <p:txBody>
+              <a:bodyPr/>
+              <a:lstStyle/>
+              <a:p>
+                <a:r>
+                  <a:rPr lang="ja-JP" altLang="en-US">
+                    <a:noFill/>
+                  </a:rPr>
+                  <a:t> </a:t>
+                </a:r>
+              </a:p>
+            </p:txBody>
+          </p:sp>
+        </mc:Fallback>
+      </mc:AlternateContent>
+      <p:grpSp>
+        <p:nvGrpSpPr>
+          <p:cNvPr id="4" name="グループ化 3">
+            <a:extLst>
+              <a:ext uri="{FF2B5EF4-FFF2-40B4-BE49-F238E27FC236}">
+                <a16:creationId xmlns:a16="http://schemas.microsoft.com/office/drawing/2014/main" id="{71484BE7-DB5F-9349-B689-F6B491BF2B18}"/>
+              </a:ext>
+            </a:extLst>
+          </p:cNvPr>
+          <p:cNvGrpSpPr/>
+          <p:nvPr/>
+        </p:nvGrpSpPr>
+        <p:grpSpPr>
+          <a:xfrm>
+            <a:off x="3258888" y="3326670"/>
+            <a:ext cx="317716" cy="2504995"/>
+            <a:chOff x="3239311" y="3297677"/>
+            <a:chExt cx="317716" cy="2504995"/>
+          </a:xfrm>
+        </p:grpSpPr>
+        <p:sp>
+          <p:nvSpPr>
+            <p:cNvPr id="5" name="テキスト ボックス 4">
+              <a:extLst>
+                <a:ext uri="{FF2B5EF4-FFF2-40B4-BE49-F238E27FC236}">
+                  <a16:creationId xmlns:a16="http://schemas.microsoft.com/office/drawing/2014/main" id="{CA9FC2A6-6720-F445-AF79-BFCE0AF6A552}"/>
+                </a:ext>
+              </a:extLst>
+            </p:cNvPr>
+            <p:cNvSpPr txBox="1"/>
+            <p:nvPr/>
+          </p:nvSpPr>
+          <p:spPr>
+            <a:xfrm>
+              <a:off x="3239311" y="3297677"/>
+              <a:ext cx="317716" cy="369332"/>
+            </a:xfrm>
+            <a:prstGeom prst="rect">
+              <a:avLst/>
+            </a:prstGeom>
+            <a:noFill/>
+          </p:spPr>
+          <p:txBody>
+            <a:bodyPr wrap="none" rtlCol="0">
+              <a:spAutoFit/>
+            </a:bodyPr>
+            <a:lstStyle/>
+            <a:p>
+              <a:r>
+                <a:rPr kumimoji="1" lang="en-US" altLang="ja-JP" dirty="0"/>
+                <a:t>A</a:t>
+              </a:r>
+              <a:endParaRPr kumimoji="1" lang="ja-JP" altLang="en-US"/>
+            </a:p>
+          </p:txBody>
+        </p:sp>
+        <p:sp>
+          <p:nvSpPr>
+            <p:cNvPr id="6" name="テキスト ボックス 5">
+              <a:extLst>
+                <a:ext uri="{FF2B5EF4-FFF2-40B4-BE49-F238E27FC236}">
+                  <a16:creationId xmlns:a16="http://schemas.microsoft.com/office/drawing/2014/main" id="{70246223-2220-8146-853B-B537AE1FB038}"/>
+                </a:ext>
+              </a:extLst>
+            </p:cNvPr>
+            <p:cNvSpPr txBox="1"/>
+            <p:nvPr/>
+          </p:nvSpPr>
+          <p:spPr>
+            <a:xfrm>
+              <a:off x="3239311" y="4007912"/>
+              <a:ext cx="309700" cy="369332"/>
+            </a:xfrm>
+            <a:prstGeom prst="rect">
+              <a:avLst/>
+            </a:prstGeom>
+            <a:noFill/>
+          </p:spPr>
+          <p:txBody>
+            <a:bodyPr wrap="none" rtlCol="0">
+              <a:spAutoFit/>
+            </a:bodyPr>
+            <a:lstStyle/>
+            <a:p>
+              <a:r>
+                <a:rPr lang="en-US" altLang="ja-JP" dirty="0"/>
+                <a:t>B</a:t>
+              </a:r>
+              <a:endParaRPr kumimoji="1" lang="ja-JP" altLang="en-US"/>
+            </a:p>
+          </p:txBody>
+        </p:sp>
+        <p:sp>
+          <p:nvSpPr>
+            <p:cNvPr id="7" name="テキスト ボックス 6">
+              <a:extLst>
+                <a:ext uri="{FF2B5EF4-FFF2-40B4-BE49-F238E27FC236}">
+                  <a16:creationId xmlns:a16="http://schemas.microsoft.com/office/drawing/2014/main" id="{58C0E5F2-F2C1-1A46-A1E6-B6ACEB31AC00}"/>
+                </a:ext>
+              </a:extLst>
+            </p:cNvPr>
+            <p:cNvSpPr txBox="1"/>
+            <p:nvPr/>
+          </p:nvSpPr>
+          <p:spPr>
+            <a:xfrm>
+              <a:off x="3239311" y="4723105"/>
+              <a:ext cx="308098" cy="369332"/>
+            </a:xfrm>
+            <a:prstGeom prst="rect">
+              <a:avLst/>
+            </a:prstGeom>
+            <a:noFill/>
+          </p:spPr>
+          <p:txBody>
+            <a:bodyPr wrap="none" rtlCol="0">
+              <a:spAutoFit/>
+            </a:bodyPr>
+            <a:lstStyle/>
+            <a:p>
+              <a:r>
+                <a:rPr lang="en-US" altLang="ja-JP" dirty="0"/>
+                <a:t>C</a:t>
+              </a:r>
+              <a:endParaRPr kumimoji="1" lang="ja-JP" altLang="en-US"/>
+            </a:p>
+          </p:txBody>
+        </p:sp>
+        <p:sp>
+          <p:nvSpPr>
+            <p:cNvPr id="8" name="テキスト ボックス 7">
+              <a:extLst>
+                <a:ext uri="{FF2B5EF4-FFF2-40B4-BE49-F238E27FC236}">
+                  <a16:creationId xmlns:a16="http://schemas.microsoft.com/office/drawing/2014/main" id="{28AA7BC4-FF30-874A-918B-CB4AB72287FA}"/>
+                </a:ext>
+              </a:extLst>
+            </p:cNvPr>
+            <p:cNvSpPr txBox="1"/>
+            <p:nvPr/>
+          </p:nvSpPr>
+          <p:spPr>
+            <a:xfrm>
+              <a:off x="3260952" y="5433340"/>
+              <a:ext cx="264816" cy="369332"/>
+            </a:xfrm>
+            <a:prstGeom prst="rect">
+              <a:avLst/>
+            </a:prstGeom>
+            <a:noFill/>
+          </p:spPr>
+          <p:txBody>
+            <a:bodyPr wrap="none" rtlCol="0">
+              <a:spAutoFit/>
+            </a:bodyPr>
+            <a:lstStyle/>
+            <a:p>
+              <a:r>
+                <a:rPr lang="en-US" altLang="ja-JP" dirty="0"/>
+                <a:t>r</a:t>
+              </a:r>
+              <a:endParaRPr kumimoji="1" lang="ja-JP" altLang="en-US"/>
+            </a:p>
+          </p:txBody>
+        </p:sp>
+        <p:cxnSp>
+          <p:nvCxnSpPr>
+            <p:cNvPr id="9" name="直線コネクタ 8">
+              <a:extLst>
+                <a:ext uri="{FF2B5EF4-FFF2-40B4-BE49-F238E27FC236}">
+                  <a16:creationId xmlns:a16="http://schemas.microsoft.com/office/drawing/2014/main" id="{B1B79A7A-2861-B145-AAF5-CFC238B546AC}"/>
+                </a:ext>
+              </a:extLst>
+            </p:cNvPr>
+            <p:cNvCxnSpPr>
+              <a:stCxn id="5" idx="2"/>
+              <a:endCxn id="6" idx="0"/>
+            </p:cNvCxnSpPr>
+            <p:nvPr/>
+          </p:nvCxnSpPr>
+          <p:spPr>
+            <a:xfrm flipH="1">
+              <a:off x="3394161" y="3667009"/>
+              <a:ext cx="4008" cy="340903"/>
+            </a:xfrm>
+            <a:prstGeom prst="line">
+              <a:avLst/>
+            </a:prstGeom>
+          </p:spPr>
+          <p:style>
+            <a:lnRef idx="2">
+              <a:schemeClr val="dk1"/>
+            </a:lnRef>
+            <a:fillRef idx="0">
+              <a:schemeClr val="dk1"/>
+            </a:fillRef>
+            <a:effectRef idx="1">
+              <a:schemeClr val="dk1"/>
+            </a:effectRef>
+            <a:fontRef idx="minor">
+              <a:schemeClr val="tx1"/>
+            </a:fontRef>
+          </p:style>
+        </p:cxnSp>
+        <p:cxnSp>
+          <p:nvCxnSpPr>
+            <p:cNvPr id="10" name="直線コネクタ 9">
+              <a:extLst>
+                <a:ext uri="{FF2B5EF4-FFF2-40B4-BE49-F238E27FC236}">
+                  <a16:creationId xmlns:a16="http://schemas.microsoft.com/office/drawing/2014/main" id="{0B59A24B-3F67-024D-A54D-D8E688FAD573}"/>
+                </a:ext>
+              </a:extLst>
+            </p:cNvPr>
+            <p:cNvCxnSpPr>
+              <a:cxnSpLocks/>
+              <a:stCxn id="7" idx="0"/>
+              <a:endCxn id="6" idx="2"/>
+            </p:cNvCxnSpPr>
+            <p:nvPr/>
+          </p:nvCxnSpPr>
+          <p:spPr>
+            <a:xfrm flipV="1">
+              <a:off x="3393360" y="4377244"/>
+              <a:ext cx="801" cy="345861"/>
+            </a:xfrm>
+            <a:prstGeom prst="line">
+              <a:avLst/>
+            </a:prstGeom>
+          </p:spPr>
+          <p:style>
+            <a:lnRef idx="2">
+              <a:schemeClr val="dk1"/>
+            </a:lnRef>
+            <a:fillRef idx="0">
+              <a:schemeClr val="dk1"/>
+            </a:fillRef>
+            <a:effectRef idx="1">
+              <a:schemeClr val="dk1"/>
+            </a:effectRef>
+            <a:fontRef idx="minor">
+              <a:schemeClr val="tx1"/>
+            </a:fontRef>
+          </p:style>
+        </p:cxnSp>
+        <p:cxnSp>
+          <p:nvCxnSpPr>
+            <p:cNvPr id="11" name="直線コネクタ 10">
+              <a:extLst>
+                <a:ext uri="{FF2B5EF4-FFF2-40B4-BE49-F238E27FC236}">
+                  <a16:creationId xmlns:a16="http://schemas.microsoft.com/office/drawing/2014/main" id="{8BF9B756-ECD2-A748-8A15-6C48515D3427}"/>
+                </a:ext>
+              </a:extLst>
+            </p:cNvPr>
+            <p:cNvCxnSpPr>
+              <a:cxnSpLocks/>
+              <a:stCxn id="8" idx="0"/>
+              <a:endCxn id="7" idx="2"/>
+            </p:cNvCxnSpPr>
+            <p:nvPr/>
+          </p:nvCxnSpPr>
+          <p:spPr>
+            <a:xfrm flipV="1">
+              <a:off x="3393360" y="5092437"/>
+              <a:ext cx="0" cy="340903"/>
+            </a:xfrm>
+            <a:prstGeom prst="line">
+              <a:avLst/>
+            </a:prstGeom>
+          </p:spPr>
+          <p:style>
+            <a:lnRef idx="2">
+              <a:schemeClr val="dk1"/>
+            </a:lnRef>
+            <a:fillRef idx="0">
+              <a:schemeClr val="dk1"/>
+            </a:fillRef>
+            <a:effectRef idx="1">
+              <a:schemeClr val="dk1"/>
+            </a:effectRef>
+            <a:fontRef idx="minor">
+              <a:schemeClr val="tx1"/>
+            </a:fontRef>
+          </p:style>
+        </p:cxnSp>
+      </p:grpSp>
+      <p:grpSp>
+        <p:nvGrpSpPr>
+          <p:cNvPr id="12" name="グループ化 11">
+            <a:extLst>
+              <a:ext uri="{FF2B5EF4-FFF2-40B4-BE49-F238E27FC236}">
+                <a16:creationId xmlns:a16="http://schemas.microsoft.com/office/drawing/2014/main" id="{C3A2D019-8693-FB4C-A049-8232CEF76056}"/>
+              </a:ext>
+            </a:extLst>
+          </p:cNvPr>
+          <p:cNvGrpSpPr/>
+          <p:nvPr/>
+        </p:nvGrpSpPr>
+        <p:grpSpPr>
+          <a:xfrm>
+            <a:off x="1158625" y="3326670"/>
+            <a:ext cx="317716" cy="1794760"/>
+            <a:chOff x="3239311" y="3297677"/>
+            <a:chExt cx="317716" cy="1794760"/>
+          </a:xfrm>
+        </p:grpSpPr>
+        <p:sp>
+          <p:nvSpPr>
+            <p:cNvPr id="13" name="テキスト ボックス 12">
+              <a:extLst>
+                <a:ext uri="{FF2B5EF4-FFF2-40B4-BE49-F238E27FC236}">
+                  <a16:creationId xmlns:a16="http://schemas.microsoft.com/office/drawing/2014/main" id="{3F817C36-D138-E044-B9C0-53B0FEBBF9AC}"/>
+                </a:ext>
+              </a:extLst>
+            </p:cNvPr>
+            <p:cNvSpPr txBox="1"/>
+            <p:nvPr/>
+          </p:nvSpPr>
+          <p:spPr>
+            <a:xfrm>
+              <a:off x="3239311" y="3297677"/>
+              <a:ext cx="317716" cy="369332"/>
+            </a:xfrm>
+            <a:prstGeom prst="rect">
+              <a:avLst/>
+            </a:prstGeom>
+            <a:noFill/>
+          </p:spPr>
+          <p:txBody>
+            <a:bodyPr wrap="none" rtlCol="0">
+              <a:spAutoFit/>
+            </a:bodyPr>
+            <a:lstStyle/>
+            <a:p>
+              <a:r>
+                <a:rPr kumimoji="1" lang="en-US" altLang="ja-JP" dirty="0"/>
+                <a:t>A</a:t>
+              </a:r>
+              <a:endParaRPr kumimoji="1" lang="ja-JP" altLang="en-US"/>
+            </a:p>
+          </p:txBody>
+        </p:sp>
+        <p:sp>
+          <p:nvSpPr>
+            <p:cNvPr id="14" name="テキスト ボックス 13">
+              <a:extLst>
+                <a:ext uri="{FF2B5EF4-FFF2-40B4-BE49-F238E27FC236}">
+                  <a16:creationId xmlns:a16="http://schemas.microsoft.com/office/drawing/2014/main" id="{4220DE63-A788-B34C-92F6-18D12F8387AF}"/>
+                </a:ext>
+              </a:extLst>
+            </p:cNvPr>
+            <p:cNvSpPr txBox="1"/>
+            <p:nvPr/>
+          </p:nvSpPr>
+          <p:spPr>
+            <a:xfrm>
+              <a:off x="3239311" y="4007912"/>
+              <a:ext cx="309700" cy="369332"/>
+            </a:xfrm>
+            <a:prstGeom prst="rect">
+              <a:avLst/>
+            </a:prstGeom>
+            <a:noFill/>
+          </p:spPr>
+          <p:txBody>
+            <a:bodyPr wrap="none" rtlCol="0">
+              <a:spAutoFit/>
+            </a:bodyPr>
+            <a:lstStyle/>
+            <a:p>
+              <a:r>
+                <a:rPr lang="en-US" altLang="ja-JP" dirty="0"/>
+                <a:t>B</a:t>
+              </a:r>
+              <a:endParaRPr kumimoji="1" lang="ja-JP" altLang="en-US"/>
+            </a:p>
+          </p:txBody>
+        </p:sp>
+        <p:sp>
+          <p:nvSpPr>
+            <p:cNvPr id="15" name="テキスト ボックス 14">
+              <a:extLst>
+                <a:ext uri="{FF2B5EF4-FFF2-40B4-BE49-F238E27FC236}">
+                  <a16:creationId xmlns:a16="http://schemas.microsoft.com/office/drawing/2014/main" id="{369457E8-F866-C74C-8010-6D92393E558C}"/>
+                </a:ext>
+              </a:extLst>
+            </p:cNvPr>
+            <p:cNvSpPr txBox="1"/>
+            <p:nvPr/>
+          </p:nvSpPr>
+          <p:spPr>
+            <a:xfrm>
+              <a:off x="3256944" y="4723105"/>
+              <a:ext cx="274434" cy="369332"/>
+            </a:xfrm>
+            <a:prstGeom prst="rect">
+              <a:avLst/>
+            </a:prstGeom>
+            <a:noFill/>
+          </p:spPr>
+          <p:txBody>
+            <a:bodyPr wrap="none" rtlCol="0">
+              <a:spAutoFit/>
+            </a:bodyPr>
+            <a:lstStyle/>
+            <a:p>
+              <a:r>
+                <a:rPr kumimoji="1" lang="en-US" altLang="ja-JP" dirty="0"/>
+                <a:t>s</a:t>
+              </a:r>
+              <a:endParaRPr kumimoji="1" lang="ja-JP" altLang="en-US"/>
+            </a:p>
+          </p:txBody>
+        </p:sp>
+        <p:cxnSp>
+          <p:nvCxnSpPr>
+            <p:cNvPr id="16" name="直線コネクタ 15">
+              <a:extLst>
+                <a:ext uri="{FF2B5EF4-FFF2-40B4-BE49-F238E27FC236}">
+                  <a16:creationId xmlns:a16="http://schemas.microsoft.com/office/drawing/2014/main" id="{411575A7-40D2-6C42-8D93-F2D66626C33A}"/>
+                </a:ext>
+              </a:extLst>
+            </p:cNvPr>
+            <p:cNvCxnSpPr>
+              <a:stCxn id="13" idx="2"/>
+              <a:endCxn id="14" idx="0"/>
+            </p:cNvCxnSpPr>
+            <p:nvPr/>
+          </p:nvCxnSpPr>
+          <p:spPr>
+            <a:xfrm flipH="1">
+              <a:off x="3394161" y="3667009"/>
+              <a:ext cx="4008" cy="340903"/>
+            </a:xfrm>
+            <a:prstGeom prst="line">
+              <a:avLst/>
+            </a:prstGeom>
+          </p:spPr>
+          <p:style>
+            <a:lnRef idx="2">
+              <a:schemeClr val="dk1"/>
+            </a:lnRef>
+            <a:fillRef idx="0">
+              <a:schemeClr val="dk1"/>
+            </a:fillRef>
+            <a:effectRef idx="1">
+              <a:schemeClr val="dk1"/>
+            </a:effectRef>
+            <a:fontRef idx="minor">
+              <a:schemeClr val="tx1"/>
+            </a:fontRef>
+          </p:style>
+        </p:cxnSp>
+        <p:cxnSp>
+          <p:nvCxnSpPr>
+            <p:cNvPr id="17" name="直線コネクタ 16">
+              <a:extLst>
+                <a:ext uri="{FF2B5EF4-FFF2-40B4-BE49-F238E27FC236}">
+                  <a16:creationId xmlns:a16="http://schemas.microsoft.com/office/drawing/2014/main" id="{D78DC189-E9B7-FB4E-8493-1F704CE236F3}"/>
+                </a:ext>
+              </a:extLst>
+            </p:cNvPr>
+            <p:cNvCxnSpPr>
+              <a:cxnSpLocks/>
+              <a:stCxn id="15" idx="0"/>
+              <a:endCxn id="14" idx="2"/>
+            </p:cNvCxnSpPr>
+            <p:nvPr/>
+          </p:nvCxnSpPr>
+          <p:spPr>
+            <a:xfrm flipV="1">
+              <a:off x="3394161" y="4377244"/>
+              <a:ext cx="0" cy="345861"/>
+            </a:xfrm>
+            <a:prstGeom prst="line">
+              <a:avLst/>
+            </a:prstGeom>
+          </p:spPr>
+          <p:style>
+            <a:lnRef idx="2">
+              <a:schemeClr val="dk1"/>
+            </a:lnRef>
+            <a:fillRef idx="0">
+              <a:schemeClr val="dk1"/>
+            </a:fillRef>
+            <a:effectRef idx="1">
+              <a:schemeClr val="dk1"/>
+            </a:effectRef>
+            <a:fontRef idx="minor">
+              <a:schemeClr val="tx1"/>
+            </a:fontRef>
+          </p:style>
+        </p:cxnSp>
+      </p:grpSp>
+      <p:sp>
+        <p:nvSpPr>
+          <p:cNvPr id="18" name="加算記号 17">
+            <a:extLst>
+              <a:ext uri="{FF2B5EF4-FFF2-40B4-BE49-F238E27FC236}">
+                <a16:creationId xmlns:a16="http://schemas.microsoft.com/office/drawing/2014/main" id="{D365B9CE-E3DA-274C-9FA2-DC1B7D7322A0}"/>
+              </a:ext>
+            </a:extLst>
+          </p:cNvPr>
+          <p:cNvSpPr/>
+          <p:nvPr/>
+        </p:nvSpPr>
+        <p:spPr>
+          <a:xfrm>
+            <a:off x="1971974" y="4017639"/>
+            <a:ext cx="717286" cy="715193"/>
+          </a:xfrm>
+          <a:prstGeom prst="mathPlus">
+            <a:avLst>
+              <a:gd name="adj1" fmla="val 9919"/>
+            </a:avLst>
+          </a:prstGeom>
+        </p:spPr>
+        <p:style>
+          <a:lnRef idx="2">
+            <a:schemeClr val="dk1">
+              <a:shade val="50000"/>
+            </a:schemeClr>
+          </a:lnRef>
+          <a:fillRef idx="1">
+            <a:schemeClr val="dk1"/>
+          </a:fillRef>
+          <a:effectRef idx="0">
+            <a:schemeClr val="dk1"/>
+          </a:effectRef>
+          <a:fontRef idx="minor">
+            <a:schemeClr val="lt1"/>
+          </a:fontRef>
+        </p:style>
+        <p:txBody>
+          <a:bodyPr rtlCol="0" anchor="ctr"/>
+          <a:lstStyle/>
+          <a:p>
+            <a:pPr algn="ctr"/>
+            <a:endParaRPr kumimoji="1" lang="ja-JP" altLang="en-US"/>
+          </a:p>
+        </p:txBody>
+      </p:sp>
+      <p:sp>
+        <p:nvSpPr>
+          <p:cNvPr id="19" name="等号 18">
+            <a:extLst>
+              <a:ext uri="{FF2B5EF4-FFF2-40B4-BE49-F238E27FC236}">
+                <a16:creationId xmlns:a16="http://schemas.microsoft.com/office/drawing/2014/main" id="{52036BA4-C63B-164E-9FAE-6431E0832DFA}"/>
+              </a:ext>
+            </a:extLst>
+          </p:cNvPr>
+          <p:cNvSpPr/>
+          <p:nvPr/>
+        </p:nvSpPr>
+        <p:spPr>
+          <a:xfrm>
+            <a:off x="4380335" y="3971595"/>
+            <a:ext cx="700391" cy="807280"/>
+          </a:xfrm>
+          <a:prstGeom prst="mathEqual">
+            <a:avLst>
+              <a:gd name="adj1" fmla="val 7896"/>
+              <a:gd name="adj2" fmla="val 11760"/>
+            </a:avLst>
+          </a:prstGeom>
+        </p:spPr>
+        <p:style>
+          <a:lnRef idx="2">
+            <a:schemeClr val="dk1">
+              <a:shade val="50000"/>
+            </a:schemeClr>
+          </a:lnRef>
+          <a:fillRef idx="1">
+            <a:schemeClr val="dk1"/>
+          </a:fillRef>
+          <a:effectRef idx="0">
+            <a:schemeClr val="dk1"/>
+          </a:effectRef>
+          <a:fontRef idx="minor">
+            <a:schemeClr val="lt1"/>
+          </a:fontRef>
+        </p:style>
+        <p:txBody>
+          <a:bodyPr rtlCol="0" anchor="ctr"/>
+          <a:lstStyle/>
+          <a:p>
+            <a:pPr algn="ctr"/>
+            <a:endParaRPr kumimoji="1" lang="ja-JP" altLang="en-US">
+              <a:solidFill>
+                <a:schemeClr val="tx1"/>
+              </a:solidFill>
+            </a:endParaRPr>
+          </a:p>
+        </p:txBody>
+      </p:sp>
+      <p:grpSp>
+        <p:nvGrpSpPr>
+          <p:cNvPr id="20" name="グループ化 19">
+            <a:extLst>
+              <a:ext uri="{FF2B5EF4-FFF2-40B4-BE49-F238E27FC236}">
+                <a16:creationId xmlns:a16="http://schemas.microsoft.com/office/drawing/2014/main" id="{BD4E7698-0AE3-8349-A88A-3B8CBE82B211}"/>
+              </a:ext>
+            </a:extLst>
+          </p:cNvPr>
+          <p:cNvGrpSpPr/>
+          <p:nvPr/>
+        </p:nvGrpSpPr>
+        <p:grpSpPr>
+          <a:xfrm>
+            <a:off x="6316337" y="3326859"/>
+            <a:ext cx="617798" cy="2514722"/>
+            <a:chOff x="3239311" y="3297677"/>
+            <a:chExt cx="617798" cy="2514722"/>
+          </a:xfrm>
+        </p:grpSpPr>
+        <p:sp>
+          <p:nvSpPr>
+            <p:cNvPr id="21" name="テキスト ボックス 20">
+              <a:extLst>
+                <a:ext uri="{FF2B5EF4-FFF2-40B4-BE49-F238E27FC236}">
+                  <a16:creationId xmlns:a16="http://schemas.microsoft.com/office/drawing/2014/main" id="{758A19ED-F095-4044-98B8-097C0F29CDA4}"/>
+                </a:ext>
+              </a:extLst>
+            </p:cNvPr>
+            <p:cNvSpPr txBox="1"/>
+            <p:nvPr/>
+          </p:nvSpPr>
+          <p:spPr>
+            <a:xfrm>
+              <a:off x="3239311" y="3297677"/>
+              <a:ext cx="317716" cy="369332"/>
+            </a:xfrm>
+            <a:prstGeom prst="rect">
+              <a:avLst/>
+            </a:prstGeom>
+            <a:noFill/>
+          </p:spPr>
+          <p:txBody>
+            <a:bodyPr wrap="none" rtlCol="0">
+              <a:spAutoFit/>
+            </a:bodyPr>
+            <a:lstStyle/>
+            <a:p>
+              <a:r>
+                <a:rPr kumimoji="1" lang="en-US" altLang="ja-JP" dirty="0"/>
+                <a:t>A</a:t>
+              </a:r>
+              <a:endParaRPr kumimoji="1" lang="ja-JP" altLang="en-US"/>
+            </a:p>
+          </p:txBody>
+        </p:sp>
+        <p:sp>
+          <p:nvSpPr>
+            <p:cNvPr id="22" name="テキスト ボックス 21">
+              <a:extLst>
+                <a:ext uri="{FF2B5EF4-FFF2-40B4-BE49-F238E27FC236}">
+                  <a16:creationId xmlns:a16="http://schemas.microsoft.com/office/drawing/2014/main" id="{EA9F18E0-5B78-D94A-B1F5-9840BC24569F}"/>
+                </a:ext>
+              </a:extLst>
+            </p:cNvPr>
+            <p:cNvSpPr txBox="1"/>
+            <p:nvPr/>
+          </p:nvSpPr>
+          <p:spPr>
+            <a:xfrm>
+              <a:off x="3239311" y="4007912"/>
+              <a:ext cx="309700" cy="369332"/>
+            </a:xfrm>
+            <a:prstGeom prst="rect">
+              <a:avLst/>
+            </a:prstGeom>
+            <a:noFill/>
+          </p:spPr>
+          <p:txBody>
+            <a:bodyPr wrap="none" rtlCol="0">
+              <a:spAutoFit/>
+            </a:bodyPr>
+            <a:lstStyle/>
+            <a:p>
+              <a:r>
+                <a:rPr lang="en-US" altLang="ja-JP" dirty="0"/>
+                <a:t>B</a:t>
+              </a:r>
+              <a:endParaRPr kumimoji="1" lang="ja-JP" altLang="en-US"/>
+            </a:p>
+          </p:txBody>
+        </p:sp>
+        <p:sp>
+          <p:nvSpPr>
+            <p:cNvPr id="23" name="テキスト ボックス 22">
+              <a:extLst>
+                <a:ext uri="{FF2B5EF4-FFF2-40B4-BE49-F238E27FC236}">
+                  <a16:creationId xmlns:a16="http://schemas.microsoft.com/office/drawing/2014/main" id="{293D8081-AB2D-EC42-9432-876895B1EB99}"/>
+                </a:ext>
+              </a:extLst>
+            </p:cNvPr>
+            <p:cNvSpPr txBox="1"/>
+            <p:nvPr/>
+          </p:nvSpPr>
+          <p:spPr>
+            <a:xfrm>
+              <a:off x="3549011" y="4732832"/>
+              <a:ext cx="308098" cy="369332"/>
+            </a:xfrm>
+            <a:prstGeom prst="rect">
+              <a:avLst/>
+            </a:prstGeom>
+            <a:noFill/>
+          </p:spPr>
+          <p:txBody>
+            <a:bodyPr wrap="none" rtlCol="0">
+              <a:spAutoFit/>
+            </a:bodyPr>
+            <a:lstStyle/>
+            <a:p>
+              <a:r>
+                <a:rPr lang="en-US" altLang="ja-JP" dirty="0"/>
+                <a:t>C</a:t>
+              </a:r>
+              <a:endParaRPr kumimoji="1" lang="ja-JP" altLang="en-US"/>
+            </a:p>
+          </p:txBody>
+        </p:sp>
+        <p:sp>
+          <p:nvSpPr>
+            <p:cNvPr id="24" name="テキスト ボックス 23">
+              <a:extLst>
+                <a:ext uri="{FF2B5EF4-FFF2-40B4-BE49-F238E27FC236}">
+                  <a16:creationId xmlns:a16="http://schemas.microsoft.com/office/drawing/2014/main" id="{95ABCB15-E2DC-804A-925F-FF64B8889514}"/>
+                </a:ext>
+              </a:extLst>
+            </p:cNvPr>
+            <p:cNvSpPr txBox="1"/>
+            <p:nvPr/>
+          </p:nvSpPr>
+          <p:spPr>
+            <a:xfrm>
+              <a:off x="3570652" y="5443067"/>
+              <a:ext cx="264816" cy="369332"/>
+            </a:xfrm>
+            <a:prstGeom prst="rect">
+              <a:avLst/>
+            </a:prstGeom>
+            <a:noFill/>
+          </p:spPr>
+          <p:txBody>
+            <a:bodyPr wrap="none" rtlCol="0">
+              <a:spAutoFit/>
+            </a:bodyPr>
+            <a:lstStyle/>
+            <a:p>
+              <a:r>
+                <a:rPr lang="en-US" altLang="ja-JP" dirty="0"/>
+                <a:t>r</a:t>
+              </a:r>
+              <a:endParaRPr kumimoji="1" lang="ja-JP" altLang="en-US"/>
+            </a:p>
+          </p:txBody>
+        </p:sp>
+        <p:cxnSp>
+          <p:nvCxnSpPr>
+            <p:cNvPr id="25" name="直線コネクタ 24">
+              <a:extLst>
+                <a:ext uri="{FF2B5EF4-FFF2-40B4-BE49-F238E27FC236}">
+                  <a16:creationId xmlns:a16="http://schemas.microsoft.com/office/drawing/2014/main" id="{B3B71D78-7B33-204F-AB19-A537CAAC3128}"/>
+                </a:ext>
+              </a:extLst>
+            </p:cNvPr>
+            <p:cNvCxnSpPr>
+              <a:stCxn id="21" idx="2"/>
+              <a:endCxn id="22" idx="0"/>
+            </p:cNvCxnSpPr>
+            <p:nvPr/>
+          </p:nvCxnSpPr>
+          <p:spPr>
+            <a:xfrm flipH="1">
+              <a:off x="3394161" y="3667009"/>
+              <a:ext cx="4008" cy="340903"/>
+            </a:xfrm>
+            <a:prstGeom prst="line">
+              <a:avLst/>
+            </a:prstGeom>
+          </p:spPr>
+          <p:style>
+            <a:lnRef idx="2">
+              <a:schemeClr val="dk1"/>
+            </a:lnRef>
+            <a:fillRef idx="0">
+              <a:schemeClr val="dk1"/>
+            </a:fillRef>
+            <a:effectRef idx="1">
+              <a:schemeClr val="dk1"/>
+            </a:effectRef>
+            <a:fontRef idx="minor">
+              <a:schemeClr val="tx1"/>
+            </a:fontRef>
+          </p:style>
+        </p:cxnSp>
+        <p:cxnSp>
+          <p:nvCxnSpPr>
+            <p:cNvPr id="26" name="直線コネクタ 25">
+              <a:extLst>
+                <a:ext uri="{FF2B5EF4-FFF2-40B4-BE49-F238E27FC236}">
+                  <a16:creationId xmlns:a16="http://schemas.microsoft.com/office/drawing/2014/main" id="{C690293B-F697-A745-A9ED-7DBA570300FF}"/>
+                </a:ext>
+              </a:extLst>
+            </p:cNvPr>
+            <p:cNvCxnSpPr>
+              <a:cxnSpLocks/>
+              <a:stCxn id="23" idx="0"/>
+              <a:endCxn id="22" idx="2"/>
+            </p:cNvCxnSpPr>
+            <p:nvPr/>
+          </p:nvCxnSpPr>
+          <p:spPr>
+            <a:xfrm flipH="1" flipV="1">
+              <a:off x="3394161" y="4377244"/>
+              <a:ext cx="308899" cy="355588"/>
+            </a:xfrm>
+            <a:prstGeom prst="line">
+              <a:avLst/>
+            </a:prstGeom>
+          </p:spPr>
+          <p:style>
+            <a:lnRef idx="2">
+              <a:schemeClr val="dk1"/>
+            </a:lnRef>
+            <a:fillRef idx="0">
+              <a:schemeClr val="dk1"/>
+            </a:fillRef>
+            <a:effectRef idx="1">
+              <a:schemeClr val="dk1"/>
+            </a:effectRef>
+            <a:fontRef idx="minor">
+              <a:schemeClr val="tx1"/>
+            </a:fontRef>
+          </p:style>
+        </p:cxnSp>
+        <p:cxnSp>
+          <p:nvCxnSpPr>
+            <p:cNvPr id="27" name="直線コネクタ 26">
+              <a:extLst>
+                <a:ext uri="{FF2B5EF4-FFF2-40B4-BE49-F238E27FC236}">
+                  <a16:creationId xmlns:a16="http://schemas.microsoft.com/office/drawing/2014/main" id="{242534B0-38C4-AD41-B999-6EAA2A155451}"/>
+                </a:ext>
+              </a:extLst>
+            </p:cNvPr>
+            <p:cNvCxnSpPr>
+              <a:cxnSpLocks/>
+              <a:stCxn id="24" idx="0"/>
+              <a:endCxn id="23" idx="2"/>
+            </p:cNvCxnSpPr>
+            <p:nvPr/>
+          </p:nvCxnSpPr>
+          <p:spPr>
+            <a:xfrm flipV="1">
+              <a:off x="3703060" y="5102164"/>
+              <a:ext cx="0" cy="340903"/>
+            </a:xfrm>
+            <a:prstGeom prst="line">
+              <a:avLst/>
+            </a:prstGeom>
+          </p:spPr>
+          <p:style>
+            <a:lnRef idx="2">
+              <a:schemeClr val="dk1"/>
+            </a:lnRef>
+            <a:fillRef idx="0">
+              <a:schemeClr val="dk1"/>
+            </a:fillRef>
+            <a:effectRef idx="1">
+              <a:schemeClr val="dk1"/>
+            </a:effectRef>
+            <a:fontRef idx="minor">
+              <a:schemeClr val="tx1"/>
+            </a:fontRef>
+          </p:style>
+        </p:cxnSp>
+      </p:grpSp>
+      <p:sp>
+        <p:nvSpPr>
+          <p:cNvPr id="28" name="テキスト ボックス 27">
+            <a:extLst>
+              <a:ext uri="{FF2B5EF4-FFF2-40B4-BE49-F238E27FC236}">
+                <a16:creationId xmlns:a16="http://schemas.microsoft.com/office/drawing/2014/main" id="{FA50983D-BC2D-5A4D-80CB-3CC06F1DF6A6}"/>
+              </a:ext>
+            </a:extLst>
+          </p:cNvPr>
+          <p:cNvSpPr txBox="1"/>
+          <p:nvPr/>
+        </p:nvSpPr>
+        <p:spPr>
+          <a:xfrm>
+            <a:off x="6041903" y="4732832"/>
+            <a:ext cx="274434" cy="369332"/>
+          </a:xfrm>
+          <a:prstGeom prst="rect">
+            <a:avLst/>
+          </a:prstGeom>
+          <a:noFill/>
+        </p:spPr>
+        <p:txBody>
+          <a:bodyPr wrap="none" rtlCol="0">
+            <a:spAutoFit/>
+          </a:bodyPr>
+          <a:lstStyle/>
+          <a:p>
+            <a:r>
+              <a:rPr kumimoji="1" lang="en-US" altLang="ja-JP" dirty="0"/>
+              <a:t>s</a:t>
+            </a:r>
+            <a:endParaRPr kumimoji="1" lang="ja-JP" altLang="en-US"/>
+          </a:p>
+        </p:txBody>
+      </p:sp>
+      <p:cxnSp>
+        <p:nvCxnSpPr>
+          <p:cNvPr id="29" name="直線コネクタ 28">
+            <a:extLst>
+              <a:ext uri="{FF2B5EF4-FFF2-40B4-BE49-F238E27FC236}">
+                <a16:creationId xmlns:a16="http://schemas.microsoft.com/office/drawing/2014/main" id="{05E9A7DE-2548-A04B-B2F9-0106D5AB9571}"/>
+              </a:ext>
+            </a:extLst>
+          </p:cNvPr>
+          <p:cNvCxnSpPr>
+            <a:cxnSpLocks/>
+            <a:stCxn id="28" idx="0"/>
+            <a:endCxn id="22" idx="2"/>
+          </p:cNvCxnSpPr>
+          <p:nvPr/>
+        </p:nvCxnSpPr>
+        <p:spPr>
+          <a:xfrm flipV="1">
+            <a:off x="6179120" y="4406426"/>
+            <a:ext cx="292067" cy="326406"/>
+          </a:xfrm>
+          <a:prstGeom prst="line">
+            <a:avLst/>
+          </a:prstGeom>
+        </p:spPr>
+        <p:style>
+          <a:lnRef idx="2">
+            <a:schemeClr val="dk1"/>
+          </a:lnRef>
+          <a:fillRef idx="0">
+            <a:schemeClr val="dk1"/>
+          </a:fillRef>
+          <a:effectRef idx="1">
+            <a:schemeClr val="dk1"/>
+          </a:effectRef>
+          <a:fontRef idx="minor">
+            <a:schemeClr val="tx1"/>
+          </a:fontRef>
+        </p:style>
+      </p:cxnSp>
+    </p:spTree>
+    <p:extLst>
+      <p:ext uri="{BB962C8B-B14F-4D97-AF65-F5344CB8AC3E}">
+        <p14:creationId xmlns:p14="http://schemas.microsoft.com/office/powerpoint/2010/main" val="2880145834"/>
+      </p:ext>
+    </p:extLst>
+  </p:cSld>
+  <p:clrMapOvr>
+    <a:masterClrMapping/>
+  </p:clrMapOvr>
+</p:sld>
+</file>
+
+<file path=ppt/slides/slide8.xml><?xml version="1.0" encoding="utf-8"?>
+<p:sld xmlns:a="http://schemas.openxmlformats.org/drawingml/2006/main" xmlns:r="http://schemas.openxmlformats.org/officeDocument/2006/relationships" xmlns:p="http://schemas.openxmlformats.org/presentationml/2006/main">
+  <p:cSld>
+    <p:spTree>
+      <p:nvGrpSpPr>
+        <p:cNvPr id="1" name=""/>
+        <p:cNvGrpSpPr/>
+        <p:nvPr/>
+      </p:nvGrpSpPr>
+      <p:grpSpPr>
+        <a:xfrm>
+          <a:off x="0" y="0"/>
+          <a:ext cx="0" cy="0"/>
+          <a:chOff x="0" y="0"/>
+          <a:chExt cx="0" cy="0"/>
+        </a:xfrm>
+      </p:grpSpPr>
+      <p:sp>
+        <p:nvSpPr>
+          <p:cNvPr id="2" name="タイトル 1">
+            <a:extLst>
+              <a:ext uri="{FF2B5EF4-FFF2-40B4-BE49-F238E27FC236}">
+                <a16:creationId xmlns:a16="http://schemas.microsoft.com/office/drawing/2014/main" id="{3AA64653-310E-094B-A649-79A71DF30E49}"/>
+              </a:ext>
+            </a:extLst>
+          </p:cNvPr>
+          <p:cNvSpPr>
+            <a:spLocks noGrp="1"/>
+          </p:cNvSpPr>
+          <p:nvPr>
+            <p:ph type="title"/>
+          </p:nvPr>
+        </p:nvSpPr>
+        <p:spPr/>
+        <p:txBody>
+          <a:bodyPr/>
+          <a:lstStyle/>
+          <a:p>
+            <a:r>
+              <a:rPr kumimoji="1" lang="ja-JP" altLang="en-US"/>
+              <a:t>まとめ</a:t>
+            </a:r>
+          </a:p>
+        </p:txBody>
+      </p:sp>
+      <p:sp>
+        <p:nvSpPr>
+          <p:cNvPr id="3" name="コンテンツ プレースホルダー 2">
+            <a:extLst>
+              <a:ext uri="{FF2B5EF4-FFF2-40B4-BE49-F238E27FC236}">
+                <a16:creationId xmlns:a16="http://schemas.microsoft.com/office/drawing/2014/main" id="{ED8E5C2B-D947-1446-9A11-8DF31A339A99}"/>
+              </a:ext>
+            </a:extLst>
+          </p:cNvPr>
+          <p:cNvSpPr>
+            <a:spLocks noGrp="1"/>
+          </p:cNvSpPr>
+          <p:nvPr>
+            <p:ph idx="1"/>
+          </p:nvPr>
+        </p:nvSpPr>
+        <p:spPr/>
+        <p:txBody>
+          <a:bodyPr/>
+          <a:lstStyle/>
+          <a:p>
+            <a:r>
+              <a:rPr kumimoji="1" lang="ja-JP" altLang="en-US"/>
+              <a:t>重複削除は完成</a:t>
+            </a:r>
+            <a:endParaRPr kumimoji="1" lang="en-US" altLang="ja-JP" dirty="0"/>
+          </a:p>
+          <a:p>
+            <a:pPr lvl="1"/>
+            <a:r>
+              <a:rPr lang="ja-JP" altLang="en-US"/>
+              <a:t>メモリ使用量削減に貢献するはず</a:t>
+            </a:r>
+            <a:endParaRPr kumimoji="1" lang="en-US" altLang="ja-JP" dirty="0"/>
+          </a:p>
+          <a:p>
+            <a:endParaRPr kumimoji="1" lang="en-US" altLang="ja-JP" dirty="0"/>
+          </a:p>
+          <a:p>
+            <a:r>
+              <a:rPr kumimoji="1" lang="ja-JP" altLang="en-US"/>
+              <a:t>入力段階の順序で出力されることがわかった</a:t>
+            </a:r>
+            <a:endParaRPr lang="en-US" altLang="ja-JP" dirty="0"/>
+          </a:p>
+          <a:p>
+            <a:endParaRPr kumimoji="1" lang="en-US" altLang="ja-JP" dirty="0"/>
+          </a:p>
+          <a:p>
+            <a:r>
+              <a:rPr lang="ja-JP" altLang="en-US"/>
+              <a:t>今後は残りの軸の実装と、文書順で出力する手法を考える</a:t>
+            </a:r>
+            <a:endParaRPr kumimoji="1" lang="en-US" altLang="ja-JP" dirty="0"/>
+          </a:p>
+        </p:txBody>
+      </p:sp>
+    </p:spTree>
+    <p:extLst>
+      <p:ext uri="{BB962C8B-B14F-4D97-AF65-F5344CB8AC3E}">
+        <p14:creationId xmlns:p14="http://schemas.microsoft.com/office/powerpoint/2010/main" val="1274559537"/>
       </p:ext>
     </p:extLst>
   </p:cSld>

--- a/meeting/20180518.pptx
+++ b/meeting/20180518.pptx
@@ -12,7 +12,9 @@
     <p:sldId id="260" r:id="rId6"/>
     <p:sldId id="261" r:id="rId7"/>
     <p:sldId id="262" r:id="rId8"/>
-    <p:sldId id="263" r:id="rId9"/>
+    <p:sldId id="264" r:id="rId9"/>
+    <p:sldId id="265" r:id="rId10"/>
+    <p:sldId id="263" r:id="rId11"/>
   </p:sldIdLst>
   <p:sldSz cx="9144000" cy="6858000" type="screen4x3"/>
   <p:notesSz cx="6858000" cy="9144000"/>
@@ -252,7 +254,7 @@
           <a:p>
             <a:fld id="{9F719087-036E-E94B-A49F-CC90E8A82B28}" type="datetimeFigureOut">
               <a:rPr kumimoji="1" lang="ja-JP" altLang="en-US" smtClean="0"/>
-              <a:t>2018/5/17</a:t>
+              <a:t>2018/5/21</a:t>
             </a:fld>
             <a:endParaRPr kumimoji="1" lang="ja-JP" altLang="en-US"/>
           </a:p>
@@ -484,7 +486,7 @@
           <a:p>
             <a:fld id="{9F719087-036E-E94B-A49F-CC90E8A82B28}" type="datetimeFigureOut">
               <a:rPr kumimoji="1" lang="ja-JP" altLang="en-US" smtClean="0"/>
-              <a:t>2018/5/17</a:t>
+              <a:t>2018/5/21</a:t>
             </a:fld>
             <a:endParaRPr kumimoji="1" lang="ja-JP" altLang="en-US"/>
           </a:p>
@@ -691,7 +693,7 @@
           <a:p>
             <a:fld id="{9F719087-036E-E94B-A49F-CC90E8A82B28}" type="datetimeFigureOut">
               <a:rPr kumimoji="1" lang="ja-JP" altLang="en-US" smtClean="0"/>
-              <a:t>2018/5/17</a:t>
+              <a:t>2018/5/21</a:t>
             </a:fld>
             <a:endParaRPr kumimoji="1" lang="ja-JP" altLang="en-US"/>
           </a:p>
@@ -936,7 +938,7 @@
           <a:p>
             <a:fld id="{9F719087-036E-E94B-A49F-CC90E8A82B28}" type="datetimeFigureOut">
               <a:rPr kumimoji="1" lang="ja-JP" altLang="en-US" smtClean="0"/>
-              <a:t>2018/5/17</a:t>
+              <a:t>2018/5/21</a:t>
             </a:fld>
             <a:endParaRPr kumimoji="1" lang="ja-JP" altLang="en-US"/>
           </a:p>
@@ -1175,7 +1177,7 @@
           <a:p>
             <a:fld id="{9F719087-036E-E94B-A49F-CC90E8A82B28}" type="datetimeFigureOut">
               <a:rPr kumimoji="1" lang="ja-JP" altLang="en-US" smtClean="0"/>
-              <a:t>2018/5/17</a:t>
+              <a:t>2018/5/21</a:t>
             </a:fld>
             <a:endParaRPr kumimoji="1" lang="ja-JP" altLang="en-US"/>
           </a:p>
@@ -1466,7 +1468,7 @@
           <a:p>
             <a:fld id="{9F719087-036E-E94B-A49F-CC90E8A82B28}" type="datetimeFigureOut">
               <a:rPr kumimoji="1" lang="ja-JP" altLang="en-US" smtClean="0"/>
-              <a:t>2018/5/17</a:t>
+              <a:t>2018/5/21</a:t>
             </a:fld>
             <a:endParaRPr kumimoji="1" lang="ja-JP" altLang="en-US"/>
           </a:p>
@@ -1892,7 +1894,7 @@
           <a:p>
             <a:fld id="{9F719087-036E-E94B-A49F-CC90E8A82B28}" type="datetimeFigureOut">
               <a:rPr kumimoji="1" lang="ja-JP" altLang="en-US" smtClean="0"/>
-              <a:t>2018/5/17</a:t>
+              <a:t>2018/5/21</a:t>
             </a:fld>
             <a:endParaRPr kumimoji="1" lang="ja-JP" altLang="en-US"/>
           </a:p>
@@ -2005,7 +2007,7 @@
           <a:p>
             <a:fld id="{9F719087-036E-E94B-A49F-CC90E8A82B28}" type="datetimeFigureOut">
               <a:rPr kumimoji="1" lang="ja-JP" altLang="en-US" smtClean="0"/>
-              <a:t>2018/5/17</a:t>
+              <a:t>2018/5/21</a:t>
             </a:fld>
             <a:endParaRPr kumimoji="1" lang="ja-JP" altLang="en-US"/>
           </a:p>
@@ -2095,7 +2097,7 @@
           <a:p>
             <a:fld id="{9F719087-036E-E94B-A49F-CC90E8A82B28}" type="datetimeFigureOut">
               <a:rPr kumimoji="1" lang="ja-JP" altLang="en-US" smtClean="0"/>
-              <a:t>2018/5/17</a:t>
+              <a:t>2018/5/21</a:t>
             </a:fld>
             <a:endParaRPr kumimoji="1" lang="ja-JP" altLang="en-US"/>
           </a:p>
@@ -2399,7 +2401,7 @@
           <a:p>
             <a:fld id="{9F719087-036E-E94B-A49F-CC90E8A82B28}" type="datetimeFigureOut">
               <a:rPr kumimoji="1" lang="ja-JP" altLang="en-US" smtClean="0"/>
-              <a:t>2018/5/17</a:t>
+              <a:t>2018/5/21</a:t>
             </a:fld>
             <a:endParaRPr kumimoji="1" lang="ja-JP" altLang="en-US"/>
           </a:p>
@@ -2651,7 +2653,7 @@
           <a:p>
             <a:fld id="{9F719087-036E-E94B-A49F-CC90E8A82B28}" type="datetimeFigureOut">
               <a:rPr kumimoji="1" lang="ja-JP" altLang="en-US" smtClean="0"/>
-              <a:t>2018/5/17</a:t>
+              <a:t>2018/5/21</a:t>
             </a:fld>
             <a:endParaRPr kumimoji="1" lang="ja-JP" altLang="en-US"/>
           </a:p>
@@ -2891,7 +2893,7 @@
           <a:p>
             <a:fld id="{9F719087-036E-E94B-A49F-CC90E8A82B28}" type="datetimeFigureOut">
               <a:rPr kumimoji="1" lang="ja-JP" altLang="en-US" smtClean="0"/>
-              <a:t>2018/5/17</a:t>
+              <a:t>2018/5/21</a:t>
             </a:fld>
             <a:endParaRPr kumimoji="1" lang="ja-JP" altLang="en-US"/>
           </a:p>
@@ -3372,6 +3374,121 @@
 </p:sld>
 </file>
 
+<file path=ppt/slides/slide10.xml><?xml version="1.0" encoding="utf-8"?>
+<p:sld xmlns:a="http://schemas.openxmlformats.org/drawingml/2006/main" xmlns:r="http://schemas.openxmlformats.org/officeDocument/2006/relationships" xmlns:p="http://schemas.openxmlformats.org/presentationml/2006/main">
+  <p:cSld>
+    <p:spTree>
+      <p:nvGrpSpPr>
+        <p:cNvPr id="1" name=""/>
+        <p:cNvGrpSpPr/>
+        <p:nvPr/>
+      </p:nvGrpSpPr>
+      <p:grpSpPr>
+        <a:xfrm>
+          <a:off x="0" y="0"/>
+          <a:ext cx="0" cy="0"/>
+          <a:chOff x="0" y="0"/>
+          <a:chExt cx="0" cy="0"/>
+        </a:xfrm>
+      </p:grpSpPr>
+      <p:sp>
+        <p:nvSpPr>
+          <p:cNvPr id="2" name="タイトル 1">
+            <a:extLst>
+              <a:ext uri="{FF2B5EF4-FFF2-40B4-BE49-F238E27FC236}">
+                <a16:creationId xmlns:a16="http://schemas.microsoft.com/office/drawing/2014/main" id="{3AA64653-310E-094B-A649-79A71DF30E49}"/>
+              </a:ext>
+            </a:extLst>
+          </p:cNvPr>
+          <p:cNvSpPr>
+            <a:spLocks noGrp="1"/>
+          </p:cNvSpPr>
+          <p:nvPr>
+            <p:ph type="title"/>
+          </p:nvPr>
+        </p:nvSpPr>
+        <p:spPr/>
+        <p:txBody>
+          <a:bodyPr/>
+          <a:lstStyle/>
+          <a:p>
+            <a:r>
+              <a:rPr kumimoji="1" lang="ja-JP" altLang="en-US"/>
+              <a:t>まとめ</a:t>
+            </a:r>
+          </a:p>
+        </p:txBody>
+      </p:sp>
+      <p:sp>
+        <p:nvSpPr>
+          <p:cNvPr id="3" name="コンテンツ プレースホルダー 2">
+            <a:extLst>
+              <a:ext uri="{FF2B5EF4-FFF2-40B4-BE49-F238E27FC236}">
+                <a16:creationId xmlns:a16="http://schemas.microsoft.com/office/drawing/2014/main" id="{ED8E5C2B-D947-1446-9A11-8DF31A339A99}"/>
+              </a:ext>
+            </a:extLst>
+          </p:cNvPr>
+          <p:cNvSpPr>
+            <a:spLocks noGrp="1"/>
+          </p:cNvSpPr>
+          <p:nvPr>
+            <p:ph idx="1"/>
+          </p:nvPr>
+        </p:nvSpPr>
+        <p:spPr/>
+        <p:txBody>
+          <a:bodyPr/>
+          <a:lstStyle/>
+          <a:p>
+            <a:r>
+              <a:rPr kumimoji="1" lang="ja-JP" altLang="en-US"/>
+              <a:t>重複削除は完成</a:t>
+            </a:r>
+            <a:endParaRPr kumimoji="1" lang="en-US" altLang="ja-JP" dirty="0"/>
+          </a:p>
+          <a:p>
+            <a:pPr lvl="1"/>
+            <a:r>
+              <a:rPr lang="ja-JP" altLang="en-US"/>
+              <a:t>メモリ使用量削減に貢献するはず</a:t>
+            </a:r>
+            <a:endParaRPr kumimoji="1" lang="en-US" altLang="ja-JP" dirty="0"/>
+          </a:p>
+          <a:p>
+            <a:endParaRPr kumimoji="1" lang="en-US" altLang="ja-JP" dirty="0"/>
+          </a:p>
+          <a:p>
+            <a:r>
+              <a:rPr kumimoji="1" lang="ja-JP" altLang="en-US"/>
+              <a:t>入力段階の順序で出力されることがわかった</a:t>
+            </a:r>
+            <a:endParaRPr lang="en-US" altLang="ja-JP" dirty="0"/>
+          </a:p>
+          <a:p>
+            <a:endParaRPr kumimoji="1" lang="en-US" altLang="ja-JP" dirty="0"/>
+          </a:p>
+          <a:p>
+            <a:r>
+              <a:rPr lang="ja-JP" altLang="en-US"/>
+              <a:t>今後は残りの軸の実装と、文書順で出力する手法を考える</a:t>
+            </a:r>
+            <a:endParaRPr kumimoji="1" lang="en-US" altLang="ja-JP" dirty="0"/>
+          </a:p>
+        </p:txBody>
+      </p:sp>
+    </p:spTree>
+    <p:extLst>
+      <p:ext uri="{BB962C8B-B14F-4D97-AF65-F5344CB8AC3E}">
+        <p14:creationId xmlns:p14="http://schemas.microsoft.com/office/powerpoint/2010/main" val="1274559537"/>
+      </p:ext>
+    </p:extLst>
+  </p:cSld>
+  <p:clrMapOvr>
+    <a:masterClrMapping/>
+  </p:clrMapOvr>
+</p:sld>
+</file>
+
 <file path=ppt/slides/slide2.xml><?xml version="1.0" encoding="utf-8"?>
 <p:sld xmlns:a="http://schemas.openxmlformats.org/drawingml/2006/main" xmlns:r="http://schemas.openxmlformats.org/officeDocument/2006/relationships" xmlns:p="http://schemas.openxmlformats.org/presentationml/2006/main">
   <p:cSld>
@@ -3554,8 +3671,8 @@
           </a:p>
         </p:txBody>
       </p:sp>
-      <mc:AlternateContent xmlns:mc="http://schemas.openxmlformats.org/markup-compatibility/2006">
-        <mc:Choice xmlns:a14="http://schemas.microsoft.com/office/drawing/2010/main" Requires="a14">
+      <mc:AlternateContent xmlns:mc="http://schemas.openxmlformats.org/markup-compatibility/2006" xmlns:a14="http://schemas.microsoft.com/office/drawing/2010/main">
+        <mc:Choice Requires="a14">
           <p:sp>
             <p:nvSpPr>
               <p:cNvPr id="3" name="コンテンツ プレースホルダー 2">
@@ -3715,7 +3832,7 @@
             </p:txBody>
           </p:sp>
         </mc:Choice>
-        <mc:Fallback>
+        <mc:Fallback xmlns="">
           <p:sp>
             <p:nvSpPr>
               <p:cNvPr id="3" name="コンテンツ プレースホルダー 2">
@@ -3817,8 +3934,8 @@
           </a:p>
         </p:txBody>
       </p:sp>
-      <mc:AlternateContent xmlns:mc="http://schemas.openxmlformats.org/markup-compatibility/2006">
-        <mc:Choice xmlns:a14="http://schemas.microsoft.com/office/drawing/2010/main" Requires="a14">
+      <mc:AlternateContent xmlns:mc="http://schemas.openxmlformats.org/markup-compatibility/2006" xmlns:a14="http://schemas.microsoft.com/office/drawing/2010/main">
+        <mc:Choice Requires="a14">
           <p:sp>
             <p:nvSpPr>
               <p:cNvPr id="3" name="コンテンツ プレースホルダー 2">
@@ -3924,7 +4041,7 @@
                       <a:rPr kumimoji="1" lang="en-US" altLang="ja-JP" b="0" smtClean="0">
                         <a:latin typeface="Cambria Math" panose="02040503050406030204" pitchFamily="18" charset="0"/>
                       </a:rPr>
-                      <m:t>::*</m:t>
+                      <m:t>::∗</m:t>
                     </m:r>
                   </m:oMath>
                 </a14:m>
@@ -3998,7 +4115,7 @@
                       <a:rPr kumimoji="1" lang="en-US" altLang="ja-JP" b="0" smtClean="0">
                         <a:latin typeface="Cambria Math" panose="02040503050406030204" pitchFamily="18" charset="0"/>
                       </a:rPr>
-                      <m:t>::*</m:t>
+                      <m:t>::∗</m:t>
                     </m:r>
                   </m:oMath>
                 </a14:m>
@@ -4078,7 +4195,7 @@
                       <a:rPr kumimoji="1" lang="en-US" altLang="ja-JP" b="0" smtClean="0">
                         <a:latin typeface="Cambria Math" panose="02040503050406030204" pitchFamily="18" charset="0"/>
                       </a:rPr>
-                      <m:t>::*</m:t>
+                      <m:t>::∗</m:t>
                     </m:r>
                   </m:oMath>
                 </a14:m>
@@ -4087,7 +4204,7 @@
             </p:txBody>
           </p:sp>
         </mc:Choice>
-        <mc:Fallback>
+        <mc:Fallback xmlns="">
           <p:sp>
             <p:nvSpPr>
               <p:cNvPr id="3" name="コンテンツ プレースホルダー 2">
@@ -4352,8 +4469,8 @@
           </a:p>
         </p:txBody>
       </p:sp>
-      <mc:AlternateContent xmlns:mc="http://schemas.openxmlformats.org/markup-compatibility/2006">
-        <mc:Choice xmlns:a14="http://schemas.microsoft.com/office/drawing/2010/main" Requires="a14">
+      <mc:AlternateContent xmlns:mc="http://schemas.openxmlformats.org/markup-compatibility/2006" xmlns:a14="http://schemas.microsoft.com/office/drawing/2010/main">
+        <mc:Choice Requires="a14">
           <p:sp>
             <p:nvSpPr>
               <p:cNvPr id="3" name="コンテンツ プレースホルダー 2">
@@ -4469,7 +4586,7 @@
             </p:txBody>
           </p:sp>
         </mc:Choice>
-        <mc:Fallback>
+        <mc:Fallback xmlns="">
           <p:sp>
             <p:nvSpPr>
               <p:cNvPr id="3" name="コンテンツ プレースホルダー 2">
@@ -5540,8 +5657,8 @@
           </a:p>
         </p:txBody>
       </p:sp>
-      <mc:AlternateContent xmlns:mc="http://schemas.openxmlformats.org/markup-compatibility/2006">
-        <mc:Choice xmlns:a14="http://schemas.microsoft.com/office/drawing/2010/main" Requires="a14">
+      <mc:AlternateContent xmlns:mc="http://schemas.openxmlformats.org/markup-compatibility/2006" xmlns:a14="http://schemas.microsoft.com/office/drawing/2010/main">
+        <mc:Choice Requires="a14">
           <p:sp>
             <p:nvSpPr>
               <p:cNvPr id="3" name="コンテンツ プレースホルダー 2">
@@ -5651,7 +5768,7 @@
             </p:txBody>
           </p:sp>
         </mc:Choice>
-        <mc:Fallback>
+        <mc:Fallback xmlns="">
           <p:sp>
             <p:nvSpPr>
               <p:cNvPr id="3" name="コンテンツ プレースホルダー 2">
@@ -6719,8 +6836,8 @@
           </a:p>
         </p:txBody>
       </p:sp>
-      <mc:AlternateContent xmlns:mc="http://schemas.openxmlformats.org/markup-compatibility/2006">
-        <mc:Choice xmlns:a14="http://schemas.microsoft.com/office/drawing/2010/main" Requires="a14">
+      <mc:AlternateContent xmlns:mc="http://schemas.openxmlformats.org/markup-compatibility/2006" xmlns:a14="http://schemas.microsoft.com/office/drawing/2010/main">
+        <mc:Choice Requires="a14">
           <p:sp>
             <p:nvSpPr>
               <p:cNvPr id="3" name="コンテンツ プレースホルダー 2">
@@ -6843,7 +6960,7 @@
             </p:txBody>
           </p:sp>
         </mc:Choice>
-        <mc:Fallback>
+        <mc:Fallback xmlns="">
           <p:sp>
             <p:nvSpPr>
               <p:cNvPr id="3" name="コンテンツ プレースホルダー 2">
@@ -7871,7 +7988,7 @@
           <p:cNvPr id="2" name="タイトル 1">
             <a:extLst>
               <a:ext uri="{FF2B5EF4-FFF2-40B4-BE49-F238E27FC236}">
-                <a16:creationId xmlns:a16="http://schemas.microsoft.com/office/drawing/2014/main" id="{3AA64653-310E-094B-A649-79A71DF30E49}"/>
+                <a16:creationId xmlns:a16="http://schemas.microsoft.com/office/drawing/2014/main" id="{FC166B2B-8173-8740-A8E5-B3A1F971951F}"/>
               </a:ext>
             </a:extLst>
           </p:cNvPr>
@@ -7889,17 +8006,798 @@
           <a:p>
             <a:r>
               <a:rPr kumimoji="1" lang="ja-JP" altLang="en-US"/>
-              <a:t>まとめ</a:t>
-            </a:r>
+              <a:t>実験</a:t>
+            </a:r>
+            <a:r>
+              <a:rPr kumimoji="1" lang="en-US" altLang="ja-JP" dirty="0"/>
+              <a:t>1</a:t>
+            </a:r>
+            <a:endParaRPr kumimoji="1" lang="ja-JP" altLang="en-US"/>
           </a:p>
         </p:txBody>
       </p:sp>
+      <p:graphicFrame>
+        <p:nvGraphicFramePr>
+          <p:cNvPr id="5" name="コンテンツ プレースホルダー 4">
+            <a:extLst>
+              <a:ext uri="{FF2B5EF4-FFF2-40B4-BE49-F238E27FC236}">
+                <a16:creationId xmlns:a16="http://schemas.microsoft.com/office/drawing/2014/main" id="{ABBDCA24-B26B-1043-934E-90B36813E7FF}"/>
+              </a:ext>
+            </a:extLst>
+          </p:cNvPr>
+          <p:cNvGraphicFramePr>
+            <a:graphicFrameLocks noGrp="1"/>
+          </p:cNvGraphicFramePr>
+          <p:nvPr>
+            <p:ph idx="1"/>
+            <p:extLst>
+              <p:ext uri="{D42A27DB-BD31-4B8C-83A1-F6EECF244321}">
+                <p14:modId xmlns:p14="http://schemas.microsoft.com/office/powerpoint/2010/main" val="1598054241"/>
+              </p:ext>
+            </p:extLst>
+          </p:nvPr>
+        </p:nvGraphicFramePr>
+        <p:xfrm>
+          <a:off x="628650" y="3179390"/>
+          <a:ext cx="7886700" cy="2966720"/>
+        </p:xfrm>
+        <a:graphic>
+          <a:graphicData uri="http://schemas.openxmlformats.org/drawingml/2006/table">
+            <a:tbl>
+              <a:tblPr firstRow="1" bandRow="1">
+                <a:tableStyleId>{5C22544A-7EE6-4342-B048-85BDC9FD1C3A}</a:tableStyleId>
+              </a:tblPr>
+              <a:tblGrid>
+                <a:gridCol w="1971675">
+                  <a:extLst>
+                    <a:ext uri="{9D8B030D-6E8A-4147-A177-3AD203B41FA5}">
+                      <a16:colId xmlns:a16="http://schemas.microsoft.com/office/drawing/2014/main" val="923272649"/>
+                    </a:ext>
+                  </a:extLst>
+                </a:gridCol>
+                <a:gridCol w="1971675">
+                  <a:extLst>
+                    <a:ext uri="{9D8B030D-6E8A-4147-A177-3AD203B41FA5}">
+                      <a16:colId xmlns:a16="http://schemas.microsoft.com/office/drawing/2014/main" val="3017391273"/>
+                    </a:ext>
+                  </a:extLst>
+                </a:gridCol>
+                <a:gridCol w="1971675">
+                  <a:extLst>
+                    <a:ext uri="{9D8B030D-6E8A-4147-A177-3AD203B41FA5}">
+                      <a16:colId xmlns:a16="http://schemas.microsoft.com/office/drawing/2014/main" val="3990523909"/>
+                    </a:ext>
+                  </a:extLst>
+                </a:gridCol>
+                <a:gridCol w="1971675">
+                  <a:extLst>
+                    <a:ext uri="{9D8B030D-6E8A-4147-A177-3AD203B41FA5}">
+                      <a16:colId xmlns:a16="http://schemas.microsoft.com/office/drawing/2014/main" val="830010031"/>
+                    </a:ext>
+                  </a:extLst>
+                </a:gridCol>
+              </a:tblGrid>
+              <a:tr h="370840">
+                <a:tc>
+                  <a:txBody>
+                    <a:bodyPr/>
+                    <a:lstStyle/>
+                    <a:p>
+                      <a:endParaRPr kumimoji="1" lang="ja-JP" altLang="en-US"/>
+                    </a:p>
+                  </a:txBody>
+                  <a:tcPr/>
+                </a:tc>
+                <a:tc>
+                  <a:txBody>
+                    <a:bodyPr/>
+                    <a:lstStyle/>
+                    <a:p>
+                      <a:pPr algn="ctr"/>
+                      <a:r>
+                        <a:rPr kumimoji="1" lang="ja-JP" altLang="en-US"/>
+                        <a:t>非圧縮文書</a:t>
+                      </a:r>
+                    </a:p>
+                  </a:txBody>
+                  <a:tcPr/>
+                </a:tc>
+                <a:tc>
+                  <a:txBody>
+                    <a:bodyPr/>
+                    <a:lstStyle/>
+                    <a:p>
+                      <a:pPr algn="ctr"/>
+                      <a:r>
+                        <a:rPr kumimoji="1" lang="ja-JP" altLang="en-US"/>
+                        <a:t>旧手法</a:t>
+                      </a:r>
+                    </a:p>
+                  </a:txBody>
+                  <a:tcPr/>
+                </a:tc>
+                <a:tc>
+                  <a:txBody>
+                    <a:bodyPr/>
+                    <a:lstStyle/>
+                    <a:p>
+                      <a:pPr algn="ctr"/>
+                      <a:r>
+                        <a:rPr kumimoji="1" lang="ja-JP" altLang="en-US"/>
+                        <a:t>新手法</a:t>
+                      </a:r>
+                    </a:p>
+                  </a:txBody>
+                  <a:tcPr/>
+                </a:tc>
+                <a:extLst>
+                  <a:ext uri="{0D108BD9-81ED-4DB2-BD59-A6C34878D82A}">
+                    <a16:rowId xmlns:a16="http://schemas.microsoft.com/office/drawing/2014/main" val="1697801660"/>
+                  </a:ext>
+                </a:extLst>
+              </a:tr>
+              <a:tr h="370840">
+                <a:tc>
+                  <a:txBody>
+                    <a:bodyPr/>
+                    <a:lstStyle/>
+                    <a:p>
+                      <a:r>
+                        <a:rPr kumimoji="1" lang="en-US" altLang="ja-JP" dirty="0"/>
+                        <a:t>//datasets</a:t>
+                      </a:r>
+                      <a:endParaRPr kumimoji="1" lang="ja-JP" altLang="en-US"/>
+                    </a:p>
+                  </a:txBody>
+                  <a:tcPr/>
+                </a:tc>
+                <a:tc>
+                  <a:txBody>
+                    <a:bodyPr/>
+                    <a:lstStyle/>
+                    <a:p>
+                      <a:pPr algn="r"/>
+                      <a:r>
+                        <a:rPr kumimoji="1" lang="en-US" altLang="ja-JP" dirty="0"/>
+                        <a:t>65 (MB)</a:t>
+                      </a:r>
+                      <a:endParaRPr kumimoji="1" lang="ja-JP" altLang="en-US"/>
+                    </a:p>
+                  </a:txBody>
+                  <a:tcPr/>
+                </a:tc>
+                <a:tc>
+                  <a:txBody>
+                    <a:bodyPr/>
+                    <a:lstStyle/>
+                    <a:p>
+                      <a:pPr algn="r"/>
+                      <a:r>
+                        <a:rPr kumimoji="1" lang="en-US" altLang="ja-JP" dirty="0"/>
+                        <a:t>13 (MB)</a:t>
+                      </a:r>
+                      <a:endParaRPr kumimoji="1" lang="ja-JP" altLang="en-US"/>
+                    </a:p>
+                  </a:txBody>
+                  <a:tcPr/>
+                </a:tc>
+                <a:tc>
+                  <a:txBody>
+                    <a:bodyPr/>
+                    <a:lstStyle/>
+                    <a:p>
+                      <a:pPr algn="r"/>
+                      <a:r>
+                        <a:rPr kumimoji="1" lang="en-US" altLang="ja-JP" dirty="0"/>
+                        <a:t>9 (MB)</a:t>
+                      </a:r>
+                      <a:endParaRPr kumimoji="1" lang="ja-JP" altLang="en-US"/>
+                    </a:p>
+                  </a:txBody>
+                  <a:tcPr/>
+                </a:tc>
+                <a:extLst>
+                  <a:ext uri="{0D108BD9-81ED-4DB2-BD59-A6C34878D82A}">
+                    <a16:rowId xmlns:a16="http://schemas.microsoft.com/office/drawing/2014/main" val="1069647609"/>
+                  </a:ext>
+                </a:extLst>
+              </a:tr>
+              <a:tr h="370840">
+                <a:tc>
+                  <a:txBody>
+                    <a:bodyPr/>
+                    <a:lstStyle/>
+                    <a:p>
+                      <a:r>
+                        <a:rPr kumimoji="1" lang="en-US" altLang="ja-JP" dirty="0"/>
+                        <a:t>//</a:t>
+                      </a:r>
+                      <a:r>
+                        <a:rPr kumimoji="1" lang="en-US" altLang="ja-JP" dirty="0" err="1"/>
+                        <a:t>detaset</a:t>
+                      </a:r>
+                      <a:endParaRPr kumimoji="1" lang="ja-JP" altLang="en-US"/>
+                    </a:p>
+                  </a:txBody>
+                  <a:tcPr/>
+                </a:tc>
+                <a:tc>
+                  <a:txBody>
+                    <a:bodyPr/>
+                    <a:lstStyle/>
+                    <a:p>
+                      <a:pPr algn="r"/>
+                      <a:r>
+                        <a:rPr kumimoji="1" lang="en-US" altLang="ja-JP" dirty="0"/>
+                        <a:t>65 (MB)</a:t>
+                      </a:r>
+                      <a:endParaRPr kumimoji="1" lang="ja-JP" altLang="en-US"/>
+                    </a:p>
+                  </a:txBody>
+                  <a:tcPr/>
+                </a:tc>
+                <a:tc>
+                  <a:txBody>
+                    <a:bodyPr/>
+                    <a:lstStyle/>
+                    <a:p>
+                      <a:pPr algn="r"/>
+                      <a:r>
+                        <a:rPr kumimoji="1" lang="en-US" altLang="ja-JP" dirty="0"/>
+                        <a:t>13 (MB)</a:t>
+                      </a:r>
+                      <a:endParaRPr kumimoji="1" lang="ja-JP" altLang="en-US"/>
+                    </a:p>
+                  </a:txBody>
+                  <a:tcPr/>
+                </a:tc>
+                <a:tc>
+                  <a:txBody>
+                    <a:bodyPr/>
+                    <a:lstStyle/>
+                    <a:p>
+                      <a:pPr algn="r"/>
+                      <a:r>
+                        <a:rPr kumimoji="1" lang="en-US" altLang="ja-JP" dirty="0"/>
+                        <a:t>9 (MB)</a:t>
+                      </a:r>
+                      <a:endParaRPr kumimoji="1" lang="ja-JP" altLang="en-US"/>
+                    </a:p>
+                  </a:txBody>
+                  <a:tcPr/>
+                </a:tc>
+                <a:extLst>
+                  <a:ext uri="{0D108BD9-81ED-4DB2-BD59-A6C34878D82A}">
+                    <a16:rowId xmlns:a16="http://schemas.microsoft.com/office/drawing/2014/main" val="2494129923"/>
+                  </a:ext>
+                </a:extLst>
+              </a:tr>
+              <a:tr h="370840">
+                <a:tc>
+                  <a:txBody>
+                    <a:bodyPr/>
+                    <a:lstStyle/>
+                    <a:p>
+                      <a:r>
+                        <a:rPr kumimoji="1" lang="en-US" altLang="ja-JP" dirty="0"/>
+                        <a:t>//reference</a:t>
+                      </a:r>
+                      <a:endParaRPr kumimoji="1" lang="ja-JP" altLang="en-US"/>
+                    </a:p>
+                  </a:txBody>
+                  <a:tcPr/>
+                </a:tc>
+                <a:tc>
+                  <a:txBody>
+                    <a:bodyPr/>
+                    <a:lstStyle/>
+                    <a:p>
+                      <a:pPr algn="r"/>
+                      <a:r>
+                        <a:rPr kumimoji="1" lang="en-US" altLang="ja-JP" dirty="0"/>
+                        <a:t>65 (MB)</a:t>
+                      </a:r>
+                      <a:endParaRPr kumimoji="1" lang="ja-JP" altLang="en-US"/>
+                    </a:p>
+                  </a:txBody>
+                  <a:tcPr/>
+                </a:tc>
+                <a:tc>
+                  <a:txBody>
+                    <a:bodyPr/>
+                    <a:lstStyle/>
+                    <a:p>
+                      <a:pPr algn="r"/>
+                      <a:r>
+                        <a:rPr kumimoji="1" lang="en-US" altLang="ja-JP" dirty="0"/>
+                        <a:t>16 (MB)</a:t>
+                      </a:r>
+                      <a:endParaRPr kumimoji="1" lang="ja-JP" altLang="en-US"/>
+                    </a:p>
+                  </a:txBody>
+                  <a:tcPr/>
+                </a:tc>
+                <a:tc>
+                  <a:txBody>
+                    <a:bodyPr/>
+                    <a:lstStyle/>
+                    <a:p>
+                      <a:pPr algn="r"/>
+                      <a:r>
+                        <a:rPr kumimoji="1" lang="en-US" altLang="ja-JP" dirty="0"/>
+                        <a:t>9 (MB)</a:t>
+                      </a:r>
+                      <a:endParaRPr kumimoji="1" lang="ja-JP" altLang="en-US"/>
+                    </a:p>
+                  </a:txBody>
+                  <a:tcPr/>
+                </a:tc>
+                <a:extLst>
+                  <a:ext uri="{0D108BD9-81ED-4DB2-BD59-A6C34878D82A}">
+                    <a16:rowId xmlns:a16="http://schemas.microsoft.com/office/drawing/2014/main" val="1079446851"/>
+                  </a:ext>
+                </a:extLst>
+              </a:tr>
+              <a:tr h="370840">
+                <a:tc>
+                  <a:txBody>
+                    <a:bodyPr/>
+                    <a:lstStyle/>
+                    <a:p>
+                      <a:r>
+                        <a:rPr kumimoji="1" lang="en-US" altLang="ja-JP" dirty="0"/>
+                        <a:t>//source</a:t>
+                      </a:r>
+                      <a:endParaRPr kumimoji="1" lang="ja-JP" altLang="en-US"/>
+                    </a:p>
+                  </a:txBody>
+                  <a:tcPr/>
+                </a:tc>
+                <a:tc>
+                  <a:txBody>
+                    <a:bodyPr/>
+                    <a:lstStyle/>
+                    <a:p>
+                      <a:pPr algn="r"/>
+                      <a:r>
+                        <a:rPr kumimoji="1" lang="en-US" altLang="ja-JP" dirty="0"/>
+                        <a:t>65 (MB)</a:t>
+                      </a:r>
+                      <a:endParaRPr kumimoji="1" lang="ja-JP" altLang="en-US"/>
+                    </a:p>
+                  </a:txBody>
+                  <a:tcPr/>
+                </a:tc>
+                <a:tc>
+                  <a:txBody>
+                    <a:bodyPr/>
+                    <a:lstStyle/>
+                    <a:p>
+                      <a:pPr algn="r"/>
+                      <a:r>
+                        <a:rPr kumimoji="1" lang="en-US" altLang="ja-JP" dirty="0"/>
+                        <a:t>17 (MB)</a:t>
+                      </a:r>
+                      <a:endParaRPr kumimoji="1" lang="ja-JP" altLang="en-US"/>
+                    </a:p>
+                  </a:txBody>
+                  <a:tcPr/>
+                </a:tc>
+                <a:tc>
+                  <a:txBody>
+                    <a:bodyPr/>
+                    <a:lstStyle/>
+                    <a:p>
+                      <a:pPr algn="r"/>
+                      <a:r>
+                        <a:rPr kumimoji="1" lang="en-US" altLang="ja-JP" dirty="0"/>
+                        <a:t>9 (MB)</a:t>
+                      </a:r>
+                      <a:endParaRPr kumimoji="1" lang="ja-JP" altLang="en-US"/>
+                    </a:p>
+                  </a:txBody>
+                  <a:tcPr/>
+                </a:tc>
+                <a:extLst>
+                  <a:ext uri="{0D108BD9-81ED-4DB2-BD59-A6C34878D82A}">
+                    <a16:rowId xmlns:a16="http://schemas.microsoft.com/office/drawing/2014/main" val="2462759060"/>
+                  </a:ext>
+                </a:extLst>
+              </a:tr>
+              <a:tr h="370840">
+                <a:tc>
+                  <a:txBody>
+                    <a:bodyPr/>
+                    <a:lstStyle/>
+                    <a:p>
+                      <a:r>
+                        <a:rPr kumimoji="1" lang="en-US" altLang="ja-JP" dirty="0"/>
+                        <a:t>//other</a:t>
+                      </a:r>
+                      <a:endParaRPr kumimoji="1" lang="ja-JP" altLang="en-US"/>
+                    </a:p>
+                  </a:txBody>
+                  <a:tcPr/>
+                </a:tc>
+                <a:tc>
+                  <a:txBody>
+                    <a:bodyPr/>
+                    <a:lstStyle/>
+                    <a:p>
+                      <a:pPr algn="r"/>
+                      <a:r>
+                        <a:rPr kumimoji="1" lang="en-US" altLang="ja-JP" dirty="0"/>
+                        <a:t>65 (MB)</a:t>
+                      </a:r>
+                      <a:endParaRPr kumimoji="1" lang="ja-JP" altLang="en-US"/>
+                    </a:p>
+                  </a:txBody>
+                  <a:tcPr/>
+                </a:tc>
+                <a:tc>
+                  <a:txBody>
+                    <a:bodyPr/>
+                    <a:lstStyle/>
+                    <a:p>
+                      <a:pPr algn="r"/>
+                      <a:r>
+                        <a:rPr kumimoji="1" lang="en-US" altLang="ja-JP" dirty="0"/>
+                        <a:t>21 (MB)</a:t>
+                      </a:r>
+                      <a:endParaRPr kumimoji="1" lang="ja-JP" altLang="en-US"/>
+                    </a:p>
+                  </a:txBody>
+                  <a:tcPr/>
+                </a:tc>
+                <a:tc>
+                  <a:txBody>
+                    <a:bodyPr/>
+                    <a:lstStyle/>
+                    <a:p>
+                      <a:pPr algn="r"/>
+                      <a:r>
+                        <a:rPr kumimoji="1" lang="en-US" altLang="ja-JP" dirty="0"/>
+                        <a:t>9 (MB)</a:t>
+                      </a:r>
+                      <a:endParaRPr kumimoji="1" lang="ja-JP" altLang="en-US"/>
+                    </a:p>
+                  </a:txBody>
+                  <a:tcPr/>
+                </a:tc>
+                <a:extLst>
+                  <a:ext uri="{0D108BD9-81ED-4DB2-BD59-A6C34878D82A}">
+                    <a16:rowId xmlns:a16="http://schemas.microsoft.com/office/drawing/2014/main" val="2976642313"/>
+                  </a:ext>
+                </a:extLst>
+              </a:tr>
+              <a:tr h="370840">
+                <a:tc>
+                  <a:txBody>
+                    <a:bodyPr/>
+                    <a:lstStyle/>
+                    <a:p>
+                      <a:r>
+                        <a:rPr kumimoji="1" lang="en-US" altLang="ja-JP" dirty="0"/>
+                        <a:t>//author</a:t>
+                      </a:r>
+                      <a:endParaRPr kumimoji="1" lang="ja-JP" altLang="en-US"/>
+                    </a:p>
+                  </a:txBody>
+                  <a:tcPr/>
+                </a:tc>
+                <a:tc>
+                  <a:txBody>
+                    <a:bodyPr/>
+                    <a:lstStyle/>
+                    <a:p>
+                      <a:pPr algn="r"/>
+                      <a:r>
+                        <a:rPr kumimoji="1" lang="en-US" altLang="ja-JP" dirty="0"/>
+                        <a:t>65 (MB)</a:t>
+                      </a:r>
+                      <a:endParaRPr kumimoji="1" lang="ja-JP" altLang="en-US"/>
+                    </a:p>
+                  </a:txBody>
+                  <a:tcPr/>
+                </a:tc>
+                <a:tc>
+                  <a:txBody>
+                    <a:bodyPr/>
+                    <a:lstStyle/>
+                    <a:p>
+                      <a:pPr algn="r"/>
+                      <a:r>
+                        <a:rPr kumimoji="1" lang="en-US" altLang="ja-JP" dirty="0"/>
+                        <a:t>44 (MB)</a:t>
+                      </a:r>
+                      <a:endParaRPr kumimoji="1" lang="ja-JP" altLang="en-US"/>
+                    </a:p>
+                  </a:txBody>
+                  <a:tcPr/>
+                </a:tc>
+                <a:tc>
+                  <a:txBody>
+                    <a:bodyPr/>
+                    <a:lstStyle/>
+                    <a:p>
+                      <a:pPr algn="r"/>
+                      <a:r>
+                        <a:rPr kumimoji="1" lang="en-US" altLang="ja-JP" dirty="0"/>
+                        <a:t>13 (MB)</a:t>
+                      </a:r>
+                      <a:endParaRPr kumimoji="1" lang="ja-JP" altLang="en-US"/>
+                    </a:p>
+                  </a:txBody>
+                  <a:tcPr/>
+                </a:tc>
+                <a:extLst>
+                  <a:ext uri="{0D108BD9-81ED-4DB2-BD59-A6C34878D82A}">
+                    <a16:rowId xmlns:a16="http://schemas.microsoft.com/office/drawing/2014/main" val="107644519"/>
+                  </a:ext>
+                </a:extLst>
+              </a:tr>
+              <a:tr h="370840">
+                <a:tc>
+                  <a:txBody>
+                    <a:bodyPr/>
+                    <a:lstStyle/>
+                    <a:p>
+                      <a:r>
+                        <a:rPr kumimoji="1" lang="en-US" altLang="ja-JP" dirty="0"/>
+                        <a:t>//</a:t>
+                      </a:r>
+                      <a:r>
+                        <a:rPr kumimoji="1" lang="en-US" altLang="ja-JP" dirty="0" err="1"/>
+                        <a:t>lastname</a:t>
+                      </a:r>
+                      <a:endParaRPr kumimoji="1" lang="ja-JP" altLang="en-US"/>
+                    </a:p>
+                  </a:txBody>
+                  <a:tcPr/>
+                </a:tc>
+                <a:tc>
+                  <a:txBody>
+                    <a:bodyPr/>
+                    <a:lstStyle/>
+                    <a:p>
+                      <a:pPr algn="r"/>
+                      <a:r>
+                        <a:rPr kumimoji="1" lang="en-US" altLang="ja-JP" dirty="0"/>
+                        <a:t>65 (MB)</a:t>
+                      </a:r>
+                      <a:endParaRPr kumimoji="1" lang="ja-JP" altLang="en-US"/>
+                    </a:p>
+                  </a:txBody>
+                  <a:tcPr/>
+                </a:tc>
+                <a:tc>
+                  <a:txBody>
+                    <a:bodyPr/>
+                    <a:lstStyle/>
+                    <a:p>
+                      <a:pPr algn="r"/>
+                      <a:r>
+                        <a:rPr kumimoji="1" lang="en-US" altLang="ja-JP" dirty="0"/>
+                        <a:t>47 (MB)</a:t>
+                      </a:r>
+                      <a:endParaRPr kumimoji="1" lang="ja-JP" altLang="en-US"/>
+                    </a:p>
+                  </a:txBody>
+                  <a:tcPr/>
+                </a:tc>
+                <a:tc>
+                  <a:txBody>
+                    <a:bodyPr/>
+                    <a:lstStyle/>
+                    <a:p>
+                      <a:pPr algn="r"/>
+                      <a:r>
+                        <a:rPr kumimoji="1" lang="en-US" altLang="ja-JP"/>
+                        <a:t>13 (MB)</a:t>
+                      </a:r>
+                      <a:endParaRPr kumimoji="1" lang="ja-JP" altLang="en-US"/>
+                    </a:p>
+                  </a:txBody>
+                  <a:tcPr/>
+                </a:tc>
+                <a:extLst>
+                  <a:ext uri="{0D108BD9-81ED-4DB2-BD59-A6C34878D82A}">
+                    <a16:rowId xmlns:a16="http://schemas.microsoft.com/office/drawing/2014/main" val="3715306659"/>
+                  </a:ext>
+                </a:extLst>
+              </a:tr>
+            </a:tbl>
+          </a:graphicData>
+        </a:graphic>
+      </p:graphicFrame>
       <p:sp>
         <p:nvSpPr>
-          <p:cNvPr id="3" name="コンテンツ プレースホルダー 2">
+          <p:cNvPr id="6" name="テキスト ボックス 5">
             <a:extLst>
               <a:ext uri="{FF2B5EF4-FFF2-40B4-BE49-F238E27FC236}">
-                <a16:creationId xmlns:a16="http://schemas.microsoft.com/office/drawing/2014/main" id="{ED8E5C2B-D947-1446-9A11-8DF31A339A99}"/>
+                <a16:creationId xmlns:a16="http://schemas.microsoft.com/office/drawing/2014/main" id="{2428D710-F02F-F94D-8ADA-1D0B0969CACF}"/>
+              </a:ext>
+            </a:extLst>
+          </p:cNvPr>
+          <p:cNvSpPr txBox="1"/>
+          <p:nvPr/>
+        </p:nvSpPr>
+        <p:spPr>
+          <a:xfrm>
+            <a:off x="551134" y="1524585"/>
+            <a:ext cx="8225329" cy="1569660"/>
+          </a:xfrm>
+          <a:prstGeom prst="rect">
+            <a:avLst/>
+          </a:prstGeom>
+          <a:noFill/>
+        </p:spPr>
+        <p:txBody>
+          <a:bodyPr wrap="none" rtlCol="0">
+            <a:spAutoFit/>
+          </a:bodyPr>
+          <a:lstStyle/>
+          <a:p>
+            <a:pPr marL="342900" indent="-342900">
+              <a:buFont typeface="Arial" panose="020B0604020202020204" pitchFamily="34" charset="0"/>
+              <a:buChar char="•"/>
+            </a:pPr>
+            <a:r>
+              <a:rPr kumimoji="1" lang="ja-JP" altLang="en-US" sz="2400">
+                <a:latin typeface="Hiragino Kaku Gothic Pro W3" panose="020B0300000000000000" pitchFamily="34" charset="-128"/>
+                <a:ea typeface="Hiragino Kaku Gothic Pro W3" panose="020B0300000000000000" pitchFamily="34" charset="-128"/>
+              </a:rPr>
+              <a:t>対象文書：</a:t>
+            </a:r>
+            <a:r>
+              <a:rPr kumimoji="1" lang="en-US" altLang="ja-JP" sz="2400" dirty="0" err="1">
+                <a:latin typeface="Hiragino Kaku Gothic Pro W3" panose="020B0300000000000000" pitchFamily="34" charset="-128"/>
+                <a:ea typeface="Hiragino Kaku Gothic Pro W3" panose="020B0300000000000000" pitchFamily="34" charset="-128"/>
+              </a:rPr>
+              <a:t>Nasa.xml</a:t>
+            </a:r>
+            <a:r>
+              <a:rPr kumimoji="1" lang="en-US" altLang="ja-JP" sz="2400" dirty="0">
+                <a:latin typeface="Hiragino Kaku Gothic Pro W3" panose="020B0300000000000000" pitchFamily="34" charset="-128"/>
+                <a:ea typeface="Hiragino Kaku Gothic Pro W3" panose="020B0300000000000000" pitchFamily="34" charset="-128"/>
+              </a:rPr>
+              <a:t> (25.8MB</a:t>
+            </a:r>
+            <a:r>
+              <a:rPr kumimoji="1" lang="ja-JP" altLang="en-US" sz="2400">
+                <a:latin typeface="Hiragino Kaku Gothic Pro W3" panose="020B0300000000000000" pitchFamily="34" charset="-128"/>
+                <a:ea typeface="Hiragino Kaku Gothic Pro W3" panose="020B0300000000000000" pitchFamily="34" charset="-128"/>
+              </a:rPr>
+              <a:t>）</a:t>
+            </a:r>
+            <a:endParaRPr kumimoji="1" lang="en-US" altLang="ja-JP" sz="2400">
+              <a:latin typeface="Hiragino Kaku Gothic Pro W3" panose="020B0300000000000000" pitchFamily="34" charset="-128"/>
+              <a:ea typeface="Hiragino Kaku Gothic Pro W3" panose="020B0300000000000000" pitchFamily="34" charset="-128"/>
+            </a:endParaRPr>
+          </a:p>
+          <a:p>
+            <a:pPr marL="342900" indent="-342900">
+              <a:buFont typeface="Arial" panose="020B0604020202020204" pitchFamily="34" charset="0"/>
+              <a:buChar char="•"/>
+            </a:pPr>
+            <a:r>
+              <a:rPr kumimoji="1" lang="ja-JP" altLang="en-US" sz="2400">
+                <a:latin typeface="Hiragino Kaku Gothic Pro W3" panose="020B0300000000000000" pitchFamily="34" charset="-128"/>
+                <a:ea typeface="Hiragino Kaku Gothic Pro W3" panose="020B0300000000000000" pitchFamily="34" charset="-128"/>
+              </a:rPr>
+              <a:t>問合せ実行時のヒープサイズを比較（スタックサイズは</a:t>
+            </a:r>
+            <a:br>
+              <a:rPr kumimoji="1" lang="en-US" altLang="ja-JP" sz="2400" dirty="0">
+                <a:latin typeface="Hiragino Kaku Gothic Pro W3" panose="020B0300000000000000" pitchFamily="34" charset="-128"/>
+                <a:ea typeface="Hiragino Kaku Gothic Pro W3" panose="020B0300000000000000" pitchFamily="34" charset="-128"/>
+              </a:rPr>
+            </a:br>
+            <a:r>
+              <a:rPr kumimoji="1" lang="ja-JP" altLang="en-US" sz="2400">
+                <a:latin typeface="Hiragino Kaku Gothic Pro W3" panose="020B0300000000000000" pitchFamily="34" charset="-128"/>
+                <a:ea typeface="Hiragino Kaku Gothic Pro W3" panose="020B0300000000000000" pitchFamily="34" charset="-128"/>
+              </a:rPr>
+              <a:t>実験する</a:t>
+            </a:r>
+            <a:r>
+              <a:rPr kumimoji="1" lang="en-US" altLang="ja-JP" sz="2400" dirty="0">
+                <a:latin typeface="Hiragino Kaku Gothic Pro W3" panose="020B0300000000000000" pitchFamily="34" charset="-128"/>
+                <a:ea typeface="Hiragino Kaku Gothic Pro W3" panose="020B0300000000000000" pitchFamily="34" charset="-128"/>
+              </a:rPr>
+              <a:t>PC</a:t>
+            </a:r>
+            <a:r>
+              <a:rPr kumimoji="1" lang="ja-JP" altLang="en-US" sz="2400">
+                <a:latin typeface="Hiragino Kaku Gothic Pro W3" panose="020B0300000000000000" pitchFamily="34" charset="-128"/>
+                <a:ea typeface="Hiragino Kaku Gothic Pro W3" panose="020B0300000000000000" pitchFamily="34" charset="-128"/>
+              </a:rPr>
+              <a:t>によって変わるため、原因を模索中）</a:t>
+            </a:r>
+            <a:endParaRPr kumimoji="1" lang="en-US" altLang="ja-JP" sz="2400" dirty="0">
+              <a:latin typeface="Hiragino Kaku Gothic Pro W3" panose="020B0300000000000000" pitchFamily="34" charset="-128"/>
+              <a:ea typeface="Hiragino Kaku Gothic Pro W3" panose="020B0300000000000000" pitchFamily="34" charset="-128"/>
+            </a:endParaRPr>
+          </a:p>
+          <a:p>
+            <a:pPr marL="342900" indent="-342900">
+              <a:buFont typeface="Arial" panose="020B0604020202020204" pitchFamily="34" charset="0"/>
+              <a:buChar char="•"/>
+            </a:pPr>
+            <a:r>
+              <a:rPr kumimoji="1" lang="ja-JP" altLang="en-US" sz="2400">
+                <a:latin typeface="Hiragino Kaku Gothic Pro W3" panose="020B0300000000000000" pitchFamily="34" charset="-128"/>
+                <a:ea typeface="Hiragino Kaku Gothic Pro W3" panose="020B0300000000000000" pitchFamily="34" charset="-128"/>
+              </a:rPr>
+              <a:t>問合せ対象ノードは深さ</a:t>
+            </a:r>
+            <a:r>
+              <a:rPr kumimoji="1" lang="en-US" altLang="ja-JP" sz="2400" dirty="0">
+                <a:latin typeface="Hiragino Kaku Gothic Pro W3" panose="020B0300000000000000" pitchFamily="34" charset="-128"/>
+                <a:ea typeface="Hiragino Kaku Gothic Pro W3" panose="020B0300000000000000" pitchFamily="34" charset="-128"/>
+              </a:rPr>
+              <a:t>1~7</a:t>
+            </a:r>
+            <a:r>
+              <a:rPr kumimoji="1" lang="ja-JP" altLang="en-US" sz="2400">
+                <a:latin typeface="Hiragino Kaku Gothic Pro W3" panose="020B0300000000000000" pitchFamily="34" charset="-128"/>
+                <a:ea typeface="Hiragino Kaku Gothic Pro W3" panose="020B0300000000000000" pitchFamily="34" charset="-128"/>
+              </a:rPr>
+              <a:t>を設定（上から深さ</a:t>
+            </a:r>
+            <a:r>
+              <a:rPr kumimoji="1" lang="en-US" altLang="ja-JP" sz="2400" dirty="0">
+                <a:latin typeface="Hiragino Kaku Gothic Pro W3" panose="020B0300000000000000" pitchFamily="34" charset="-128"/>
+                <a:ea typeface="Hiragino Kaku Gothic Pro W3" panose="020B0300000000000000" pitchFamily="34" charset="-128"/>
+              </a:rPr>
+              <a:t>1</a:t>
+            </a:r>
+            <a:r>
+              <a:rPr kumimoji="1" lang="ja-JP" altLang="en-US" sz="2400">
+                <a:latin typeface="Hiragino Kaku Gothic Pro W3" panose="020B0300000000000000" pitchFamily="34" charset="-128"/>
+                <a:ea typeface="Hiragino Kaku Gothic Pro W3" panose="020B0300000000000000" pitchFamily="34" charset="-128"/>
+              </a:rPr>
+              <a:t>）</a:t>
+            </a:r>
+          </a:p>
+        </p:txBody>
+      </p:sp>
+    </p:spTree>
+    <p:extLst>
+      <p:ext uri="{BB962C8B-B14F-4D97-AF65-F5344CB8AC3E}">
+        <p14:creationId xmlns:p14="http://schemas.microsoft.com/office/powerpoint/2010/main" val="1776422149"/>
+      </p:ext>
+    </p:extLst>
+  </p:cSld>
+  <p:clrMapOvr>
+    <a:masterClrMapping/>
+  </p:clrMapOvr>
+</p:sld>
+</file>
+
+<file path=ppt/slides/slide9.xml><?xml version="1.0" encoding="utf-8"?>
+<p:sld xmlns:a="http://schemas.openxmlformats.org/drawingml/2006/main" xmlns:r="http://schemas.openxmlformats.org/officeDocument/2006/relationships" xmlns:p="http://schemas.openxmlformats.org/presentationml/2006/main">
+  <p:cSld>
+    <p:spTree>
+      <p:nvGrpSpPr>
+        <p:cNvPr id="1" name=""/>
+        <p:cNvGrpSpPr/>
+        <p:nvPr/>
+      </p:nvGrpSpPr>
+      <p:grpSpPr>
+        <a:xfrm>
+          <a:off x="0" y="0"/>
+          <a:ext cx="0" cy="0"/>
+          <a:chOff x="0" y="0"/>
+          <a:chExt cx="0" cy="0"/>
+        </a:xfrm>
+      </p:grpSpPr>
+      <p:sp>
+        <p:nvSpPr>
+          <p:cNvPr id="2" name="タイトル 1">
+            <a:extLst>
+              <a:ext uri="{FF2B5EF4-FFF2-40B4-BE49-F238E27FC236}">
+                <a16:creationId xmlns:a16="http://schemas.microsoft.com/office/drawing/2014/main" id="{434F8894-2738-A34B-B63B-F9553787FE2B}"/>
               </a:ext>
             </a:extLst>
           </p:cNvPr>
@@ -7907,7 +8805,7 @@
             <a:spLocks noGrp="1"/>
           </p:cNvSpPr>
           <p:nvPr>
-            <p:ph idx="1"/>
+            <p:ph type="title"/>
           </p:nvPr>
         </p:nvSpPr>
         <p:spPr/>
@@ -7917,44 +8815,428 @@
           <a:p>
             <a:r>
               <a:rPr kumimoji="1" lang="ja-JP" altLang="en-US"/>
-              <a:t>重複削除は完成</a:t>
-            </a:r>
-            <a:endParaRPr kumimoji="1" lang="en-US" altLang="ja-JP" dirty="0"/>
-          </a:p>
-          <a:p>
-            <a:pPr lvl="1"/>
-            <a:r>
-              <a:rPr lang="ja-JP" altLang="en-US"/>
-              <a:t>メモリ使用量削減に貢献するはず</a:t>
-            </a:r>
-            <a:endParaRPr kumimoji="1" lang="en-US" altLang="ja-JP" dirty="0"/>
-          </a:p>
-          <a:p>
-            <a:endParaRPr kumimoji="1" lang="en-US" altLang="ja-JP" dirty="0"/>
-          </a:p>
-          <a:p>
-            <a:r>
-              <a:rPr kumimoji="1" lang="ja-JP" altLang="en-US"/>
-              <a:t>入力段階の順序で出力されることがわかった</a:t>
-            </a:r>
-            <a:endParaRPr lang="en-US" altLang="ja-JP" dirty="0"/>
-          </a:p>
-          <a:p>
-            <a:endParaRPr kumimoji="1" lang="en-US" altLang="ja-JP" dirty="0"/>
-          </a:p>
-          <a:p>
-            <a:r>
-              <a:rPr lang="ja-JP" altLang="en-US"/>
-              <a:t>今後は残りの軸の実装と、文書順で出力する手法を考える</a:t>
-            </a:r>
-            <a:endParaRPr kumimoji="1" lang="en-US" altLang="ja-JP" dirty="0"/>
+              <a:t>実験</a:t>
+            </a:r>
+            <a:r>
+              <a:rPr kumimoji="1" lang="en-US" altLang="ja-JP" dirty="0"/>
+              <a:t>2</a:t>
+            </a:r>
+            <a:endParaRPr kumimoji="1" lang="ja-JP" altLang="en-US"/>
           </a:p>
         </p:txBody>
       </p:sp>
+      <p:sp>
+        <p:nvSpPr>
+          <p:cNvPr id="5" name="テキスト ボックス 4">
+            <a:extLst>
+              <a:ext uri="{FF2B5EF4-FFF2-40B4-BE49-F238E27FC236}">
+                <a16:creationId xmlns:a16="http://schemas.microsoft.com/office/drawing/2014/main" id="{0C7E6294-776A-8E4B-A5CE-6499D2A2BF9F}"/>
+              </a:ext>
+            </a:extLst>
+          </p:cNvPr>
+          <p:cNvSpPr txBox="1"/>
+          <p:nvPr/>
+        </p:nvSpPr>
+        <p:spPr>
+          <a:xfrm>
+            <a:off x="551134" y="1524585"/>
+            <a:ext cx="7029488" cy="830997"/>
+          </a:xfrm>
+          <a:prstGeom prst="rect">
+            <a:avLst/>
+          </a:prstGeom>
+          <a:noFill/>
+        </p:spPr>
+        <p:txBody>
+          <a:bodyPr wrap="none" rtlCol="0">
+            <a:spAutoFit/>
+          </a:bodyPr>
+          <a:lstStyle/>
+          <a:p>
+            <a:pPr marL="342900" indent="-342900">
+              <a:buFont typeface="Arial" panose="020B0604020202020204" pitchFamily="34" charset="0"/>
+              <a:buChar char="•"/>
+            </a:pPr>
+            <a:r>
+              <a:rPr kumimoji="1" lang="ja-JP" altLang="en-US" sz="2400">
+                <a:latin typeface="Hiragino Kaku Gothic Pro W3" panose="020B0300000000000000" pitchFamily="34" charset="-128"/>
+                <a:ea typeface="Hiragino Kaku Gothic Pro W3" panose="020B0300000000000000" pitchFamily="34" charset="-128"/>
+              </a:rPr>
+              <a:t>問合せ対象ノードは</a:t>
+            </a:r>
+            <a:r>
+              <a:rPr lang="ja-JP" altLang="en-US" sz="2400">
+                <a:latin typeface="Hiragino Kaku Gothic Pro W3" panose="020B0300000000000000" pitchFamily="34" charset="-128"/>
+                <a:ea typeface="Hiragino Kaku Gothic Pro W3" panose="020B0300000000000000" pitchFamily="34" charset="-128"/>
+              </a:rPr>
+              <a:t>、</a:t>
+            </a:r>
+            <a:r>
+              <a:rPr lang="en-US" altLang="ja-JP" sz="2400" dirty="0">
+                <a:latin typeface="Hiragino Kaku Gothic Pro W3" panose="020B0300000000000000" pitchFamily="34" charset="-128"/>
+                <a:ea typeface="Hiragino Kaku Gothic Pro W3" panose="020B0300000000000000" pitchFamily="34" charset="-128"/>
+              </a:rPr>
+              <a:t>//reference </a:t>
+            </a:r>
+            <a:r>
+              <a:rPr lang="ja-JP" altLang="en-US" sz="2400">
+                <a:latin typeface="Hiragino Kaku Gothic Pro W3" panose="020B0300000000000000" pitchFamily="34" charset="-128"/>
+                <a:ea typeface="Hiragino Kaku Gothic Pro W3" panose="020B0300000000000000" pitchFamily="34" charset="-128"/>
+              </a:rPr>
+              <a:t>に対する、</a:t>
+            </a:r>
+            <a:br>
+              <a:rPr lang="en-US" altLang="ja-JP" sz="2400" dirty="0">
+                <a:latin typeface="Hiragino Kaku Gothic Pro W3" panose="020B0300000000000000" pitchFamily="34" charset="-128"/>
+                <a:ea typeface="Hiragino Kaku Gothic Pro W3" panose="020B0300000000000000" pitchFamily="34" charset="-128"/>
+              </a:rPr>
+            </a:br>
+            <a:r>
+              <a:rPr lang="en-US" altLang="ja-JP" sz="2400" dirty="0">
+                <a:latin typeface="Hiragino Kaku Gothic Pro W3" panose="020B0300000000000000" pitchFamily="34" charset="-128"/>
+                <a:ea typeface="Hiragino Kaku Gothic Pro W3" panose="020B0300000000000000" pitchFamily="34" charset="-128"/>
+              </a:rPr>
+              <a:t>descendant, child, parent </a:t>
+            </a:r>
+            <a:r>
+              <a:rPr lang="ja-JP" altLang="en-US" sz="2400">
+                <a:latin typeface="Hiragino Kaku Gothic Pro W3" panose="020B0300000000000000" pitchFamily="34" charset="-128"/>
+                <a:ea typeface="Hiragino Kaku Gothic Pro W3" panose="020B0300000000000000" pitchFamily="34" charset="-128"/>
+              </a:rPr>
+              <a:t>の各軸</a:t>
+            </a:r>
+            <a:endParaRPr kumimoji="1" lang="en-US" altLang="ja-JP" sz="2400" dirty="0">
+              <a:latin typeface="Hiragino Kaku Gothic Pro W3" panose="020B0300000000000000" pitchFamily="34" charset="-128"/>
+              <a:ea typeface="Hiragino Kaku Gothic Pro W3" panose="020B0300000000000000" pitchFamily="34" charset="-128"/>
+            </a:endParaRPr>
+          </a:p>
+        </p:txBody>
+      </p:sp>
+      <p:graphicFrame>
+        <p:nvGraphicFramePr>
+          <p:cNvPr id="6" name="表 5">
+            <a:extLst>
+              <a:ext uri="{FF2B5EF4-FFF2-40B4-BE49-F238E27FC236}">
+                <a16:creationId xmlns:a16="http://schemas.microsoft.com/office/drawing/2014/main" id="{8A315865-FA3D-4440-8309-97B5CE539D9B}"/>
+              </a:ext>
+            </a:extLst>
+          </p:cNvPr>
+          <p:cNvGraphicFramePr>
+            <a:graphicFrameLocks noGrp="1"/>
+          </p:cNvGraphicFramePr>
+          <p:nvPr>
+            <p:extLst>
+              <p:ext uri="{D42A27DB-BD31-4B8C-83A1-F6EECF244321}">
+                <p14:modId xmlns:p14="http://schemas.microsoft.com/office/powerpoint/2010/main" val="3912148339"/>
+              </p:ext>
+            </p:extLst>
+          </p:nvPr>
+        </p:nvGraphicFramePr>
+        <p:xfrm>
+          <a:off x="628650" y="2673624"/>
+          <a:ext cx="7886700" cy="1483360"/>
+        </p:xfrm>
+        <a:graphic>
+          <a:graphicData uri="http://schemas.openxmlformats.org/drawingml/2006/table">
+            <a:tbl>
+              <a:tblPr firstRow="1" bandRow="1">
+                <a:tableStyleId>{5C22544A-7EE6-4342-B048-85BDC9FD1C3A}</a:tableStyleId>
+              </a:tblPr>
+              <a:tblGrid>
+                <a:gridCol w="2770533">
+                  <a:extLst>
+                    <a:ext uri="{9D8B030D-6E8A-4147-A177-3AD203B41FA5}">
+                      <a16:colId xmlns:a16="http://schemas.microsoft.com/office/drawing/2014/main" val="995098702"/>
+                    </a:ext>
+                  </a:extLst>
+                </a:gridCol>
+                <a:gridCol w="1705389">
+                  <a:extLst>
+                    <a:ext uri="{9D8B030D-6E8A-4147-A177-3AD203B41FA5}">
+                      <a16:colId xmlns:a16="http://schemas.microsoft.com/office/drawing/2014/main" val="960388303"/>
+                    </a:ext>
+                  </a:extLst>
+                </a:gridCol>
+                <a:gridCol w="1705389">
+                  <a:extLst>
+                    <a:ext uri="{9D8B030D-6E8A-4147-A177-3AD203B41FA5}">
+                      <a16:colId xmlns:a16="http://schemas.microsoft.com/office/drawing/2014/main" val="594756254"/>
+                    </a:ext>
+                  </a:extLst>
+                </a:gridCol>
+                <a:gridCol w="1705389">
+                  <a:extLst>
+                    <a:ext uri="{9D8B030D-6E8A-4147-A177-3AD203B41FA5}">
+                      <a16:colId xmlns:a16="http://schemas.microsoft.com/office/drawing/2014/main" val="3806240506"/>
+                    </a:ext>
+                  </a:extLst>
+                </a:gridCol>
+              </a:tblGrid>
+              <a:tr h="370840">
+                <a:tc>
+                  <a:txBody>
+                    <a:bodyPr/>
+                    <a:lstStyle/>
+                    <a:p>
+                      <a:endParaRPr kumimoji="1" lang="ja-JP" altLang="en-US"/>
+                    </a:p>
+                  </a:txBody>
+                  <a:tcPr/>
+                </a:tc>
+                <a:tc>
+                  <a:txBody>
+                    <a:bodyPr/>
+                    <a:lstStyle/>
+                    <a:p>
+                      <a:pPr algn="ctr"/>
+                      <a:r>
+                        <a:rPr kumimoji="1" lang="ja-JP" altLang="en-US"/>
+                        <a:t>非圧縮文書</a:t>
+                      </a:r>
+                    </a:p>
+                  </a:txBody>
+                  <a:tcPr/>
+                </a:tc>
+                <a:tc>
+                  <a:txBody>
+                    <a:bodyPr/>
+                    <a:lstStyle/>
+                    <a:p>
+                      <a:pPr algn="ctr"/>
+                      <a:r>
+                        <a:rPr kumimoji="1" lang="ja-JP" altLang="en-US"/>
+                        <a:t>旧手法</a:t>
+                      </a:r>
+                    </a:p>
+                  </a:txBody>
+                  <a:tcPr/>
+                </a:tc>
+                <a:tc>
+                  <a:txBody>
+                    <a:bodyPr/>
+                    <a:lstStyle/>
+                    <a:p>
+                      <a:pPr algn="ctr"/>
+                      <a:r>
+                        <a:rPr kumimoji="1" lang="ja-JP" altLang="en-US"/>
+                        <a:t>新手法</a:t>
+                      </a:r>
+                    </a:p>
+                  </a:txBody>
+                  <a:tcPr/>
+                </a:tc>
+                <a:extLst>
+                  <a:ext uri="{0D108BD9-81ED-4DB2-BD59-A6C34878D82A}">
+                    <a16:rowId xmlns:a16="http://schemas.microsoft.com/office/drawing/2014/main" val="2876192496"/>
+                  </a:ext>
+                </a:extLst>
+              </a:tr>
+              <a:tr h="370840">
+                <a:tc>
+                  <a:txBody>
+                    <a:bodyPr/>
+                    <a:lstStyle/>
+                    <a:p>
+                      <a:r>
+                        <a:rPr kumimoji="1" lang="en-US" altLang="ja-JP" dirty="0"/>
+                        <a:t>//reference/child::*</a:t>
+                      </a:r>
+                      <a:endParaRPr kumimoji="1" lang="ja-JP" altLang="en-US"/>
+                    </a:p>
+                  </a:txBody>
+                  <a:tcPr/>
+                </a:tc>
+                <a:tc>
+                  <a:txBody>
+                    <a:bodyPr/>
+                    <a:lstStyle/>
+                    <a:p>
+                      <a:pPr algn="r"/>
+                      <a:r>
+                        <a:rPr kumimoji="1" lang="en-US" altLang="ja-JP" dirty="0"/>
+                        <a:t>65 (MB)</a:t>
+                      </a:r>
+                      <a:endParaRPr kumimoji="1" lang="ja-JP" altLang="en-US"/>
+                    </a:p>
+                  </a:txBody>
+                  <a:tcPr/>
+                </a:tc>
+                <a:tc>
+                  <a:txBody>
+                    <a:bodyPr/>
+                    <a:lstStyle/>
+                    <a:p>
+                      <a:pPr algn="r"/>
+                      <a:r>
+                        <a:rPr kumimoji="1" lang="en-US" altLang="ja-JP" dirty="0"/>
+                        <a:t>20 (MB)</a:t>
+                      </a:r>
+                      <a:endParaRPr kumimoji="1" lang="ja-JP" altLang="en-US"/>
+                    </a:p>
+                  </a:txBody>
+                  <a:tcPr/>
+                </a:tc>
+                <a:tc>
+                  <a:txBody>
+                    <a:bodyPr/>
+                    <a:lstStyle/>
+                    <a:p>
+                      <a:pPr algn="r"/>
+                      <a:r>
+                        <a:rPr kumimoji="1" lang="en-US" altLang="ja-JP" dirty="0"/>
+                        <a:t>11 (MB)</a:t>
+                      </a:r>
+                      <a:endParaRPr kumimoji="1" lang="ja-JP" altLang="en-US"/>
+                    </a:p>
+                  </a:txBody>
+                  <a:tcPr/>
+                </a:tc>
+                <a:extLst>
+                  <a:ext uri="{0D108BD9-81ED-4DB2-BD59-A6C34878D82A}">
+                    <a16:rowId xmlns:a16="http://schemas.microsoft.com/office/drawing/2014/main" val="2427556536"/>
+                  </a:ext>
+                </a:extLst>
+              </a:tr>
+              <a:tr h="370840">
+                <a:tc>
+                  <a:txBody>
+                    <a:bodyPr/>
+                    <a:lstStyle/>
+                    <a:p>
+                      <a:r>
+                        <a:rPr kumimoji="1" lang="en-US" altLang="ja-JP" dirty="0"/>
+                        <a:t>//reference/descendant::*</a:t>
+                      </a:r>
+                      <a:endParaRPr kumimoji="1" lang="ja-JP" altLang="en-US"/>
+                    </a:p>
+                  </a:txBody>
+                  <a:tcPr/>
+                </a:tc>
+                <a:tc>
+                  <a:txBody>
+                    <a:bodyPr/>
+                    <a:lstStyle/>
+                    <a:p>
+                      <a:pPr algn="r"/>
+                      <a:r>
+                        <a:rPr kumimoji="1" lang="en-US" altLang="ja-JP" dirty="0"/>
+                        <a:t>65 (MB)</a:t>
+                      </a:r>
+                      <a:endParaRPr kumimoji="1" lang="ja-JP" altLang="en-US"/>
+                    </a:p>
+                  </a:txBody>
+                  <a:tcPr/>
+                </a:tc>
+                <a:tc>
+                  <a:txBody>
+                    <a:bodyPr/>
+                    <a:lstStyle/>
+                    <a:p>
+                      <a:pPr algn="r"/>
+                      <a:r>
+                        <a:rPr kumimoji="1" lang="en-US" altLang="ja-JP" dirty="0"/>
+                        <a:t>195 (MB)</a:t>
+                      </a:r>
+                      <a:endParaRPr kumimoji="1" lang="ja-JP" altLang="en-US"/>
+                    </a:p>
+                  </a:txBody>
+                  <a:tcPr/>
+                </a:tc>
+                <a:tc>
+                  <a:txBody>
+                    <a:bodyPr/>
+                    <a:lstStyle/>
+                    <a:p>
+                      <a:pPr algn="r"/>
+                      <a:r>
+                        <a:rPr kumimoji="1" lang="en-US" altLang="ja-JP" dirty="0"/>
+                        <a:t>51 (MB)</a:t>
+                      </a:r>
+                      <a:endParaRPr kumimoji="1" lang="ja-JP" altLang="en-US"/>
+                    </a:p>
+                  </a:txBody>
+                  <a:tcPr/>
+                </a:tc>
+                <a:extLst>
+                  <a:ext uri="{0D108BD9-81ED-4DB2-BD59-A6C34878D82A}">
+                    <a16:rowId xmlns:a16="http://schemas.microsoft.com/office/drawing/2014/main" val="944275789"/>
+                  </a:ext>
+                </a:extLst>
+              </a:tr>
+              <a:tr h="370840">
+                <a:tc>
+                  <a:txBody>
+                    <a:bodyPr/>
+                    <a:lstStyle/>
+                    <a:p>
+                      <a:r>
+                        <a:rPr kumimoji="1" lang="en-US" altLang="ja-JP" dirty="0"/>
+                        <a:t>//reference/parent::*</a:t>
+                      </a:r>
+                      <a:endParaRPr kumimoji="1" lang="ja-JP" altLang="en-US"/>
+                    </a:p>
+                  </a:txBody>
+                  <a:tcPr/>
+                </a:tc>
+                <a:tc>
+                  <a:txBody>
+                    <a:bodyPr/>
+                    <a:lstStyle/>
+                    <a:p>
+                      <a:pPr algn="r"/>
+                      <a:r>
+                        <a:rPr kumimoji="1" lang="en-US" altLang="ja-JP" dirty="0"/>
+                        <a:t>65 (MB)</a:t>
+                      </a:r>
+                      <a:endParaRPr kumimoji="1" lang="ja-JP" altLang="en-US"/>
+                    </a:p>
+                  </a:txBody>
+                  <a:tcPr/>
+                </a:tc>
+                <a:tc>
+                  <a:txBody>
+                    <a:bodyPr/>
+                    <a:lstStyle/>
+                    <a:p>
+                      <a:pPr algn="r"/>
+                      <a:r>
+                        <a:rPr kumimoji="1" lang="en-US" altLang="ja-JP" dirty="0"/>
+                        <a:t>187 (MB)</a:t>
+                      </a:r>
+                      <a:endParaRPr kumimoji="1" lang="ja-JP" altLang="en-US"/>
+                    </a:p>
+                  </a:txBody>
+                  <a:tcPr/>
+                </a:tc>
+                <a:tc>
+                  <a:txBody>
+                    <a:bodyPr/>
+                    <a:lstStyle/>
+                    <a:p>
+                      <a:pPr algn="r"/>
+                      <a:r>
+                        <a:rPr kumimoji="1" lang="en-US" altLang="ja-JP" dirty="0"/>
+                        <a:t>9 (MB)</a:t>
+                      </a:r>
+                      <a:endParaRPr kumimoji="1" lang="ja-JP" altLang="en-US"/>
+                    </a:p>
+                  </a:txBody>
+                  <a:tcPr/>
+                </a:tc>
+                <a:extLst>
+                  <a:ext uri="{0D108BD9-81ED-4DB2-BD59-A6C34878D82A}">
+                    <a16:rowId xmlns:a16="http://schemas.microsoft.com/office/drawing/2014/main" val="386518804"/>
+                  </a:ext>
+                </a:extLst>
+              </a:tr>
+            </a:tbl>
+          </a:graphicData>
+        </a:graphic>
+      </p:graphicFrame>
     </p:spTree>
     <p:extLst>
       <p:ext uri="{BB962C8B-B14F-4D97-AF65-F5344CB8AC3E}">
-        <p14:creationId xmlns:p14="http://schemas.microsoft.com/office/powerpoint/2010/main" val="1274559537"/>
+        <p14:creationId xmlns:p14="http://schemas.microsoft.com/office/powerpoint/2010/main" val="645180760"/>
       </p:ext>
     </p:extLst>
   </p:cSld>
